--- a/auca/sem-1/edrom-8113-study-research/8 Scientific Research Method.pptx
+++ b/auca/sem-1/edrom-8113-study-research/8 Scientific Research Method.pptx
@@ -1,40 +1,40 @@
 
 <file path=ppt/presentation.xml><?xml version="1.0" encoding="utf-8"?>
-<p:presentation xmlns:a="http://schemas.openxmlformats.org/drawingml/2006/main" xmlns:r="http://schemas.openxmlformats.org/officeDocument/2006/relationships" xmlns:p="http://schemas.openxmlformats.org/presentationml/2006/main" saveSubsetFonts="1" autoCompressPictures="0">
+<p:presentation xmlns:a="http://schemas.openxmlformats.org/drawingml/2006/main" xmlns:r="http://schemas.openxmlformats.org/officeDocument/2006/relationships" xmlns:p="http://schemas.openxmlformats.org/presentationml/2006/main" autoCompressPictures="0">
   <p:sldMasterIdLst>
     <p:sldMasterId id="2147483648" r:id="rId1"/>
   </p:sldMasterIdLst>
   <p:sldIdLst>
-    <p:sldId id="256" r:id="rId2"/>
-    <p:sldId id="257" r:id="rId3"/>
-    <p:sldId id="258" r:id="rId4"/>
-    <p:sldId id="259" r:id="rId5"/>
-    <p:sldId id="260" r:id="rId6"/>
-    <p:sldId id="261" r:id="rId7"/>
-    <p:sldId id="262" r:id="rId8"/>
-    <p:sldId id="263" r:id="rId9"/>
-    <p:sldId id="264" r:id="rId10"/>
-    <p:sldId id="265" r:id="rId11"/>
-    <p:sldId id="266" r:id="rId12"/>
-    <p:sldId id="267" r:id="rId13"/>
-    <p:sldId id="268" r:id="rId14"/>
-    <p:sldId id="269" r:id="rId15"/>
-    <p:sldId id="270" r:id="rId16"/>
-    <p:sldId id="271" r:id="rId17"/>
-    <p:sldId id="272" r:id="rId18"/>
-    <p:sldId id="273" r:id="rId19"/>
-    <p:sldId id="274" r:id="rId20"/>
-    <p:sldId id="277" r:id="rId21"/>
-    <p:sldId id="275" r:id="rId22"/>
-    <p:sldId id="276" r:id="rId23"/>
-    <p:sldId id="278" r:id="rId24"/>
-    <p:sldId id="279" r:id="rId25"/>
+    <p:sldId id="256" r:id="rId3"/>
+    <p:sldId id="257" r:id="rId4"/>
+    <p:sldId id="258" r:id="rId5"/>
+    <p:sldId id="259" r:id="rId6"/>
+    <p:sldId id="260" r:id="rId7"/>
+    <p:sldId id="261" r:id="rId8"/>
+    <p:sldId id="262" r:id="rId9"/>
+    <p:sldId id="263" r:id="rId10"/>
+    <p:sldId id="264" r:id="rId11"/>
+    <p:sldId id="265" r:id="rId12"/>
+    <p:sldId id="266" r:id="rId13"/>
+    <p:sldId id="267" r:id="rId14"/>
+    <p:sldId id="268" r:id="rId15"/>
+    <p:sldId id="269" r:id="rId16"/>
+    <p:sldId id="270" r:id="rId17"/>
+    <p:sldId id="271" r:id="rId18"/>
+    <p:sldId id="272" r:id="rId19"/>
+    <p:sldId id="273" r:id="rId20"/>
+    <p:sldId id="274" r:id="rId21"/>
+    <p:sldId id="277" r:id="rId22"/>
+    <p:sldId id="275" r:id="rId23"/>
+    <p:sldId id="276" r:id="rId24"/>
+    <p:sldId id="278" r:id="rId25"/>
+    <p:sldId id="279" r:id="rId26"/>
   </p:sldIdLst>
   <p:sldSz cx="12192000" cy="6858000"/>
   <p:notesSz cx="6858000" cy="9144000"/>
   <p:defaultTextStyle>
     <a:defPPr>
-      <a:defRPr lang="en-DE"/>
+      <a:defRPr lang="en-US"/>
     </a:defPPr>
     <a:lvl1pPr marL="0" algn="l" defTabSz="914400" rtl="0" eaLnBrk="1" latinLnBrk="0" hangingPunct="1">
       <a:defRPr sz="1800" kern="1200">
@@ -127,11 +127,6 @@
       </a:defRPr>
     </a:lvl9pPr>
   </p:defaultTextStyle>
-  <p:extLst>
-    <p:ext uri="{EFAFB233-063F-42B5-8137-9DF3F51BA10A}">
-      <p15:sldGuideLst xmlns:p15="http://schemas.microsoft.com/office/powerpoint/2012/main"/>
-    </p:ext>
-  </p:extLst>
 </p:presentation>
 </file>
 
@@ -154,13 +149,7 @@
       </p:grpSpPr>
       <p:sp>
         <p:nvSpPr>
-          <p:cNvPr id="2" name="Title 1">
-            <a:extLst>
-              <a:ext uri="{FF2B5EF4-FFF2-40B4-BE49-F238E27FC236}">
-                <a16:creationId xmlns:a16="http://schemas.microsoft.com/office/drawing/2014/main" id="{9E90D0B3-3881-D329-45E0-6D0CE2001912}"/>
-              </a:ext>
-            </a:extLst>
-          </p:cNvPr>
+          <p:cNvPr id="2" name="Title 1"/>
           <p:cNvSpPr>
             <a:spLocks noGrp="1"/>
           </p:cNvSpPr>
@@ -186,19 +175,13 @@
               <a:rPr lang="en-GB"/>
               <a:t>Click to edit Master title style</a:t>
             </a:r>
-            <a:endParaRPr lang="en-DE"/>
-          </a:p>
-        </p:txBody>
-      </p:sp>
-      <p:sp>
-        <p:nvSpPr>
-          <p:cNvPr id="3" name="Subtitle 2">
-            <a:extLst>
-              <a:ext uri="{FF2B5EF4-FFF2-40B4-BE49-F238E27FC236}">
-                <a16:creationId xmlns:a16="http://schemas.microsoft.com/office/drawing/2014/main" id="{C46D603D-A234-1622-BC6A-42FBBA464433}"/>
-              </a:ext>
-            </a:extLst>
-          </p:cNvPr>
+            <a:endParaRPr lang="en-US"/>
+          </a:p>
+        </p:txBody>
+      </p:sp>
+      <p:sp>
+        <p:nvSpPr>
+          <p:cNvPr id="3" name="Subtitle 2"/>
           <p:cNvSpPr>
             <a:spLocks noGrp="1"/>
           </p:cNvSpPr>
@@ -257,19 +240,13 @@
               <a:rPr lang="en-GB"/>
               <a:t>Click to edit Master subtitle style</a:t>
             </a:r>
-            <a:endParaRPr lang="en-DE"/>
-          </a:p>
-        </p:txBody>
-      </p:sp>
-      <p:sp>
-        <p:nvSpPr>
-          <p:cNvPr id="4" name="Date Placeholder 3">
-            <a:extLst>
-              <a:ext uri="{FF2B5EF4-FFF2-40B4-BE49-F238E27FC236}">
-                <a16:creationId xmlns:a16="http://schemas.microsoft.com/office/drawing/2014/main" id="{226EBFC7-1C74-4D1F-6743-95F62BD93D8D}"/>
-              </a:ext>
-            </a:extLst>
-          </p:cNvPr>
+            <a:endParaRPr lang="en-US"/>
+          </a:p>
+        </p:txBody>
+      </p:sp>
+      <p:sp>
+        <p:nvSpPr>
+          <p:cNvPr id="4" name="Date Placeholder 3"/>
           <p:cNvSpPr>
             <a:spLocks noGrp="1"/>
           </p:cNvSpPr>
@@ -283,22 +260,15 @@
           <a:lstStyle/>
           <a:p>
             <a:fld id="{94D44B26-B4FD-C441-A89D-FFE49D58D08C}" type="datetimeFigureOut">
-              <a:rPr lang="en-DE" smtClean="0"/>
-              <a:t>05/02/2023</a:t>
+              <a:rPr lang="en-US" smtClean="0"/>
             </a:fld>
-            <a:endParaRPr lang="en-DE"/>
-          </a:p>
-        </p:txBody>
-      </p:sp>
-      <p:sp>
-        <p:nvSpPr>
-          <p:cNvPr id="5" name="Footer Placeholder 4">
-            <a:extLst>
-              <a:ext uri="{FF2B5EF4-FFF2-40B4-BE49-F238E27FC236}">
-                <a16:creationId xmlns:a16="http://schemas.microsoft.com/office/drawing/2014/main" id="{8A0088F7-2E38-E8FA-1ED8-9F44DC6A2F83}"/>
-              </a:ext>
-            </a:extLst>
-          </p:cNvPr>
+            <a:endParaRPr lang="en-US"/>
+          </a:p>
+        </p:txBody>
+      </p:sp>
+      <p:sp>
+        <p:nvSpPr>
+          <p:cNvPr id="5" name="Footer Placeholder 4"/>
           <p:cNvSpPr>
             <a:spLocks noGrp="1"/>
           </p:cNvSpPr>
@@ -311,19 +281,13 @@
           <a:bodyPr/>
           <a:lstStyle/>
           <a:p>
-            <a:endParaRPr lang="en-DE"/>
-          </a:p>
-        </p:txBody>
-      </p:sp>
-      <p:sp>
-        <p:nvSpPr>
-          <p:cNvPr id="6" name="Slide Number Placeholder 5">
-            <a:extLst>
-              <a:ext uri="{FF2B5EF4-FFF2-40B4-BE49-F238E27FC236}">
-                <a16:creationId xmlns:a16="http://schemas.microsoft.com/office/drawing/2014/main" id="{01719589-6C94-D18C-B80F-E72DFC154AE8}"/>
-              </a:ext>
-            </a:extLst>
-          </p:cNvPr>
+            <a:endParaRPr lang="en-US"/>
+          </a:p>
+        </p:txBody>
+      </p:sp>
+      <p:sp>
+        <p:nvSpPr>
+          <p:cNvPr id="6" name="Slide Number Placeholder 5"/>
           <p:cNvSpPr>
             <a:spLocks noGrp="1"/>
           </p:cNvSpPr>
@@ -337,19 +301,13 @@
           <a:lstStyle/>
           <a:p>
             <a:fld id="{D005AF82-C18C-CF41-95C6-482C10DB1C3F}" type="slidenum">
-              <a:rPr lang="en-DE" smtClean="0"/>
-              <a:t>‹#›</a:t>
+              <a:rPr lang="en-US" smtClean="0"/>
             </a:fld>
-            <a:endParaRPr lang="en-DE"/>
+            <a:endParaRPr lang="en-US"/>
           </a:p>
         </p:txBody>
       </p:sp>
     </p:spTree>
-    <p:extLst>
-      <p:ext uri="{BB962C8B-B14F-4D97-AF65-F5344CB8AC3E}">
-        <p14:creationId xmlns:p14="http://schemas.microsoft.com/office/powerpoint/2010/main" val="3958243415"/>
-      </p:ext>
-    </p:extLst>
   </p:cSld>
   <p:clrMapOvr>
     <a:masterClrMapping/>
@@ -376,13 +334,7 @@
       </p:grpSpPr>
       <p:sp>
         <p:nvSpPr>
-          <p:cNvPr id="2" name="Title 1">
-            <a:extLst>
-              <a:ext uri="{FF2B5EF4-FFF2-40B4-BE49-F238E27FC236}">
-                <a16:creationId xmlns:a16="http://schemas.microsoft.com/office/drawing/2014/main" id="{2BB9FD01-41CC-18DC-9821-C0A58D5F1DFF}"/>
-              </a:ext>
-            </a:extLst>
-          </p:cNvPr>
+          <p:cNvPr id="2" name="Title 1"/>
           <p:cNvSpPr>
             <a:spLocks noGrp="1"/>
           </p:cNvSpPr>
@@ -399,19 +351,13 @@
               <a:rPr lang="en-GB"/>
               <a:t>Click to edit Master title style</a:t>
             </a:r>
-            <a:endParaRPr lang="en-DE"/>
-          </a:p>
-        </p:txBody>
-      </p:sp>
-      <p:sp>
-        <p:nvSpPr>
-          <p:cNvPr id="3" name="Vertical Text Placeholder 2">
-            <a:extLst>
-              <a:ext uri="{FF2B5EF4-FFF2-40B4-BE49-F238E27FC236}">
-                <a16:creationId xmlns:a16="http://schemas.microsoft.com/office/drawing/2014/main" id="{FA0FB3A5-AE7D-080E-8E51-C18AA5E5362B}"/>
-              </a:ext>
-            </a:extLst>
-          </p:cNvPr>
+            <a:endParaRPr lang="en-US"/>
+          </a:p>
+        </p:txBody>
+      </p:sp>
+      <p:sp>
+        <p:nvSpPr>
+          <p:cNvPr id="3" name="Vertical Text Placeholder 2"/>
           <p:cNvSpPr>
             <a:spLocks noGrp="1"/>
           </p:cNvSpPr>
@@ -429,6 +375,7 @@
               <a:rPr lang="en-GB"/>
               <a:t>Click to edit Master text styles</a:t>
             </a:r>
+            <a:endParaRPr lang="en-GB"/>
           </a:p>
           <a:p>
             <a:pPr lvl="1"/>
@@ -436,6 +383,7 @@
               <a:rPr lang="en-GB"/>
               <a:t>Second level</a:t>
             </a:r>
+            <a:endParaRPr lang="en-GB"/>
           </a:p>
           <a:p>
             <a:pPr lvl="2"/>
@@ -443,6 +391,7 @@
               <a:rPr lang="en-GB"/>
               <a:t>Third level</a:t>
             </a:r>
+            <a:endParaRPr lang="en-GB"/>
           </a:p>
           <a:p>
             <a:pPr lvl="3"/>
@@ -450,6 +399,7 @@
               <a:rPr lang="en-GB"/>
               <a:t>Fourth level</a:t>
             </a:r>
+            <a:endParaRPr lang="en-GB"/>
           </a:p>
           <a:p>
             <a:pPr lvl="4"/>
@@ -457,19 +407,13 @@
               <a:rPr lang="en-GB"/>
               <a:t>Fifth level</a:t>
             </a:r>
-            <a:endParaRPr lang="en-DE"/>
-          </a:p>
-        </p:txBody>
-      </p:sp>
-      <p:sp>
-        <p:nvSpPr>
-          <p:cNvPr id="4" name="Date Placeholder 3">
-            <a:extLst>
-              <a:ext uri="{FF2B5EF4-FFF2-40B4-BE49-F238E27FC236}">
-                <a16:creationId xmlns:a16="http://schemas.microsoft.com/office/drawing/2014/main" id="{4E146926-8029-8D27-DD77-DFE1DCB22D69}"/>
-              </a:ext>
-            </a:extLst>
-          </p:cNvPr>
+            <a:endParaRPr lang="en-US"/>
+          </a:p>
+        </p:txBody>
+      </p:sp>
+      <p:sp>
+        <p:nvSpPr>
+          <p:cNvPr id="4" name="Date Placeholder 3"/>
           <p:cNvSpPr>
             <a:spLocks noGrp="1"/>
           </p:cNvSpPr>
@@ -483,22 +427,15 @@
           <a:lstStyle/>
           <a:p>
             <a:fld id="{94D44B26-B4FD-C441-A89D-FFE49D58D08C}" type="datetimeFigureOut">
-              <a:rPr lang="en-DE" smtClean="0"/>
-              <a:t>05/02/2023</a:t>
+              <a:rPr lang="en-US" smtClean="0"/>
             </a:fld>
-            <a:endParaRPr lang="en-DE"/>
-          </a:p>
-        </p:txBody>
-      </p:sp>
-      <p:sp>
-        <p:nvSpPr>
-          <p:cNvPr id="5" name="Footer Placeholder 4">
-            <a:extLst>
-              <a:ext uri="{FF2B5EF4-FFF2-40B4-BE49-F238E27FC236}">
-                <a16:creationId xmlns:a16="http://schemas.microsoft.com/office/drawing/2014/main" id="{CBC40A76-1815-3C24-FD4D-4DDA7C14D91A}"/>
-              </a:ext>
-            </a:extLst>
-          </p:cNvPr>
+            <a:endParaRPr lang="en-US"/>
+          </a:p>
+        </p:txBody>
+      </p:sp>
+      <p:sp>
+        <p:nvSpPr>
+          <p:cNvPr id="5" name="Footer Placeholder 4"/>
           <p:cNvSpPr>
             <a:spLocks noGrp="1"/>
           </p:cNvSpPr>
@@ -511,19 +448,13 @@
           <a:bodyPr/>
           <a:lstStyle/>
           <a:p>
-            <a:endParaRPr lang="en-DE"/>
-          </a:p>
-        </p:txBody>
-      </p:sp>
-      <p:sp>
-        <p:nvSpPr>
-          <p:cNvPr id="6" name="Slide Number Placeholder 5">
-            <a:extLst>
-              <a:ext uri="{FF2B5EF4-FFF2-40B4-BE49-F238E27FC236}">
-                <a16:creationId xmlns:a16="http://schemas.microsoft.com/office/drawing/2014/main" id="{EB8CE36A-8223-36EC-397E-43F58C3B9653}"/>
-              </a:ext>
-            </a:extLst>
-          </p:cNvPr>
+            <a:endParaRPr lang="en-US"/>
+          </a:p>
+        </p:txBody>
+      </p:sp>
+      <p:sp>
+        <p:nvSpPr>
+          <p:cNvPr id="6" name="Slide Number Placeholder 5"/>
           <p:cNvSpPr>
             <a:spLocks noGrp="1"/>
           </p:cNvSpPr>
@@ -537,19 +468,13 @@
           <a:lstStyle/>
           <a:p>
             <a:fld id="{D005AF82-C18C-CF41-95C6-482C10DB1C3F}" type="slidenum">
-              <a:rPr lang="en-DE" smtClean="0"/>
-              <a:t>‹#›</a:t>
+              <a:rPr lang="en-US" smtClean="0"/>
             </a:fld>
-            <a:endParaRPr lang="en-DE"/>
+            <a:endParaRPr lang="en-US"/>
           </a:p>
         </p:txBody>
       </p:sp>
     </p:spTree>
-    <p:extLst>
-      <p:ext uri="{BB962C8B-B14F-4D97-AF65-F5344CB8AC3E}">
-        <p14:creationId xmlns:p14="http://schemas.microsoft.com/office/powerpoint/2010/main" val="3671164971"/>
-      </p:ext>
-    </p:extLst>
   </p:cSld>
   <p:clrMapOvr>
     <a:masterClrMapping/>
@@ -576,13 +501,7 @@
       </p:grpSpPr>
       <p:sp>
         <p:nvSpPr>
-          <p:cNvPr id="2" name="Vertical Title 1">
-            <a:extLst>
-              <a:ext uri="{FF2B5EF4-FFF2-40B4-BE49-F238E27FC236}">
-                <a16:creationId xmlns:a16="http://schemas.microsoft.com/office/drawing/2014/main" id="{2FD3106C-2A82-F361-7FCD-404F66160D57}"/>
-              </a:ext>
-            </a:extLst>
-          </p:cNvPr>
+          <p:cNvPr id="2" name="Vertical Title 1"/>
           <p:cNvSpPr>
             <a:spLocks noGrp="1"/>
           </p:cNvSpPr>
@@ -604,19 +523,13 @@
               <a:rPr lang="en-GB"/>
               <a:t>Click to edit Master title style</a:t>
             </a:r>
-            <a:endParaRPr lang="en-DE"/>
-          </a:p>
-        </p:txBody>
-      </p:sp>
-      <p:sp>
-        <p:nvSpPr>
-          <p:cNvPr id="3" name="Vertical Text Placeholder 2">
-            <a:extLst>
-              <a:ext uri="{FF2B5EF4-FFF2-40B4-BE49-F238E27FC236}">
-                <a16:creationId xmlns:a16="http://schemas.microsoft.com/office/drawing/2014/main" id="{344320B8-167E-DF4A-FEF8-796B9F4895E9}"/>
-              </a:ext>
-            </a:extLst>
-          </p:cNvPr>
+            <a:endParaRPr lang="en-US"/>
+          </a:p>
+        </p:txBody>
+      </p:sp>
+      <p:sp>
+        <p:nvSpPr>
+          <p:cNvPr id="3" name="Vertical Text Placeholder 2"/>
           <p:cNvSpPr>
             <a:spLocks noGrp="1"/>
           </p:cNvSpPr>
@@ -639,6 +552,7 @@
               <a:rPr lang="en-GB"/>
               <a:t>Click to edit Master text styles</a:t>
             </a:r>
+            <a:endParaRPr lang="en-GB"/>
           </a:p>
           <a:p>
             <a:pPr lvl="1"/>
@@ -646,6 +560,7 @@
               <a:rPr lang="en-GB"/>
               <a:t>Second level</a:t>
             </a:r>
+            <a:endParaRPr lang="en-GB"/>
           </a:p>
           <a:p>
             <a:pPr lvl="2"/>
@@ -653,6 +568,7 @@
               <a:rPr lang="en-GB"/>
               <a:t>Third level</a:t>
             </a:r>
+            <a:endParaRPr lang="en-GB"/>
           </a:p>
           <a:p>
             <a:pPr lvl="3"/>
@@ -660,6 +576,7 @@
               <a:rPr lang="en-GB"/>
               <a:t>Fourth level</a:t>
             </a:r>
+            <a:endParaRPr lang="en-GB"/>
           </a:p>
           <a:p>
             <a:pPr lvl="4"/>
@@ -667,19 +584,13 @@
               <a:rPr lang="en-GB"/>
               <a:t>Fifth level</a:t>
             </a:r>
-            <a:endParaRPr lang="en-DE"/>
-          </a:p>
-        </p:txBody>
-      </p:sp>
-      <p:sp>
-        <p:nvSpPr>
-          <p:cNvPr id="4" name="Date Placeholder 3">
-            <a:extLst>
-              <a:ext uri="{FF2B5EF4-FFF2-40B4-BE49-F238E27FC236}">
-                <a16:creationId xmlns:a16="http://schemas.microsoft.com/office/drawing/2014/main" id="{5A5F8407-C67C-12B1-CE45-54249604A55E}"/>
-              </a:ext>
-            </a:extLst>
-          </p:cNvPr>
+            <a:endParaRPr lang="en-US"/>
+          </a:p>
+        </p:txBody>
+      </p:sp>
+      <p:sp>
+        <p:nvSpPr>
+          <p:cNvPr id="4" name="Date Placeholder 3"/>
           <p:cNvSpPr>
             <a:spLocks noGrp="1"/>
           </p:cNvSpPr>
@@ -693,22 +604,15 @@
           <a:lstStyle/>
           <a:p>
             <a:fld id="{94D44B26-B4FD-C441-A89D-FFE49D58D08C}" type="datetimeFigureOut">
-              <a:rPr lang="en-DE" smtClean="0"/>
-              <a:t>05/02/2023</a:t>
+              <a:rPr lang="en-US" smtClean="0"/>
             </a:fld>
-            <a:endParaRPr lang="en-DE"/>
-          </a:p>
-        </p:txBody>
-      </p:sp>
-      <p:sp>
-        <p:nvSpPr>
-          <p:cNvPr id="5" name="Footer Placeholder 4">
-            <a:extLst>
-              <a:ext uri="{FF2B5EF4-FFF2-40B4-BE49-F238E27FC236}">
-                <a16:creationId xmlns:a16="http://schemas.microsoft.com/office/drawing/2014/main" id="{1C3A2213-CC56-DD7D-65D6-6C474EB7933A}"/>
-              </a:ext>
-            </a:extLst>
-          </p:cNvPr>
+            <a:endParaRPr lang="en-US"/>
+          </a:p>
+        </p:txBody>
+      </p:sp>
+      <p:sp>
+        <p:nvSpPr>
+          <p:cNvPr id="5" name="Footer Placeholder 4"/>
           <p:cNvSpPr>
             <a:spLocks noGrp="1"/>
           </p:cNvSpPr>
@@ -721,19 +625,13 @@
           <a:bodyPr/>
           <a:lstStyle/>
           <a:p>
-            <a:endParaRPr lang="en-DE"/>
-          </a:p>
-        </p:txBody>
-      </p:sp>
-      <p:sp>
-        <p:nvSpPr>
-          <p:cNvPr id="6" name="Slide Number Placeholder 5">
-            <a:extLst>
-              <a:ext uri="{FF2B5EF4-FFF2-40B4-BE49-F238E27FC236}">
-                <a16:creationId xmlns:a16="http://schemas.microsoft.com/office/drawing/2014/main" id="{710BD2E6-232E-3AE7-F3F6-15FBF97CBB37}"/>
-              </a:ext>
-            </a:extLst>
-          </p:cNvPr>
+            <a:endParaRPr lang="en-US"/>
+          </a:p>
+        </p:txBody>
+      </p:sp>
+      <p:sp>
+        <p:nvSpPr>
+          <p:cNvPr id="6" name="Slide Number Placeholder 5"/>
           <p:cNvSpPr>
             <a:spLocks noGrp="1"/>
           </p:cNvSpPr>
@@ -747,19 +645,13 @@
           <a:lstStyle/>
           <a:p>
             <a:fld id="{D005AF82-C18C-CF41-95C6-482C10DB1C3F}" type="slidenum">
-              <a:rPr lang="en-DE" smtClean="0"/>
-              <a:t>‹#›</a:t>
+              <a:rPr lang="en-US" smtClean="0"/>
             </a:fld>
-            <a:endParaRPr lang="en-DE"/>
+            <a:endParaRPr lang="en-US"/>
           </a:p>
         </p:txBody>
       </p:sp>
     </p:spTree>
-    <p:extLst>
-      <p:ext uri="{BB962C8B-B14F-4D97-AF65-F5344CB8AC3E}">
-        <p14:creationId xmlns:p14="http://schemas.microsoft.com/office/powerpoint/2010/main" val="1113884170"/>
-      </p:ext>
-    </p:extLst>
   </p:cSld>
   <p:clrMapOvr>
     <a:masterClrMapping/>
@@ -786,13 +678,7 @@
       </p:grpSpPr>
       <p:sp>
         <p:nvSpPr>
-          <p:cNvPr id="2" name="Title 1">
-            <a:extLst>
-              <a:ext uri="{FF2B5EF4-FFF2-40B4-BE49-F238E27FC236}">
-                <a16:creationId xmlns:a16="http://schemas.microsoft.com/office/drawing/2014/main" id="{60D74197-4F5C-9A12-4CD5-D7DA0DB2F8E4}"/>
-              </a:ext>
-            </a:extLst>
-          </p:cNvPr>
+          <p:cNvPr id="2" name="Title 1"/>
           <p:cNvSpPr>
             <a:spLocks noGrp="1"/>
           </p:cNvSpPr>
@@ -809,19 +695,13 @@
               <a:rPr lang="en-GB"/>
               <a:t>Click to edit Master title style</a:t>
             </a:r>
-            <a:endParaRPr lang="en-DE"/>
-          </a:p>
-        </p:txBody>
-      </p:sp>
-      <p:sp>
-        <p:nvSpPr>
-          <p:cNvPr id="3" name="Content Placeholder 2">
-            <a:extLst>
-              <a:ext uri="{FF2B5EF4-FFF2-40B4-BE49-F238E27FC236}">
-                <a16:creationId xmlns:a16="http://schemas.microsoft.com/office/drawing/2014/main" id="{90D3AE6A-178F-EAA1-E1B2-E331299AA430}"/>
-              </a:ext>
-            </a:extLst>
-          </p:cNvPr>
+            <a:endParaRPr lang="en-US"/>
+          </a:p>
+        </p:txBody>
+      </p:sp>
+      <p:sp>
+        <p:nvSpPr>
+          <p:cNvPr id="3" name="Content Placeholder 2"/>
           <p:cNvSpPr>
             <a:spLocks noGrp="1"/>
           </p:cNvSpPr>
@@ -839,6 +719,7 @@
               <a:rPr lang="en-GB"/>
               <a:t>Click to edit Master text styles</a:t>
             </a:r>
+            <a:endParaRPr lang="en-GB"/>
           </a:p>
           <a:p>
             <a:pPr lvl="1"/>
@@ -846,6 +727,7 @@
               <a:rPr lang="en-GB"/>
               <a:t>Second level</a:t>
             </a:r>
+            <a:endParaRPr lang="en-GB"/>
           </a:p>
           <a:p>
             <a:pPr lvl="2"/>
@@ -853,6 +735,7 @@
               <a:rPr lang="en-GB"/>
               <a:t>Third level</a:t>
             </a:r>
+            <a:endParaRPr lang="en-GB"/>
           </a:p>
           <a:p>
             <a:pPr lvl="3"/>
@@ -860,6 +743,7 @@
               <a:rPr lang="en-GB"/>
               <a:t>Fourth level</a:t>
             </a:r>
+            <a:endParaRPr lang="en-GB"/>
           </a:p>
           <a:p>
             <a:pPr lvl="4"/>
@@ -867,19 +751,13 @@
               <a:rPr lang="en-GB"/>
               <a:t>Fifth level</a:t>
             </a:r>
-            <a:endParaRPr lang="en-DE"/>
-          </a:p>
-        </p:txBody>
-      </p:sp>
-      <p:sp>
-        <p:nvSpPr>
-          <p:cNvPr id="4" name="Date Placeholder 3">
-            <a:extLst>
-              <a:ext uri="{FF2B5EF4-FFF2-40B4-BE49-F238E27FC236}">
-                <a16:creationId xmlns:a16="http://schemas.microsoft.com/office/drawing/2014/main" id="{02A5CEE5-44D2-E81C-AD25-46A6E40E0C84}"/>
-              </a:ext>
-            </a:extLst>
-          </p:cNvPr>
+            <a:endParaRPr lang="en-US"/>
+          </a:p>
+        </p:txBody>
+      </p:sp>
+      <p:sp>
+        <p:nvSpPr>
+          <p:cNvPr id="4" name="Date Placeholder 3"/>
           <p:cNvSpPr>
             <a:spLocks noGrp="1"/>
           </p:cNvSpPr>
@@ -893,22 +771,15 @@
           <a:lstStyle/>
           <a:p>
             <a:fld id="{94D44B26-B4FD-C441-A89D-FFE49D58D08C}" type="datetimeFigureOut">
-              <a:rPr lang="en-DE" smtClean="0"/>
-              <a:t>05/02/2023</a:t>
+              <a:rPr lang="en-US" smtClean="0"/>
             </a:fld>
-            <a:endParaRPr lang="en-DE"/>
-          </a:p>
-        </p:txBody>
-      </p:sp>
-      <p:sp>
-        <p:nvSpPr>
-          <p:cNvPr id="5" name="Footer Placeholder 4">
-            <a:extLst>
-              <a:ext uri="{FF2B5EF4-FFF2-40B4-BE49-F238E27FC236}">
-                <a16:creationId xmlns:a16="http://schemas.microsoft.com/office/drawing/2014/main" id="{11B61B73-C252-6CF6-E53E-AA8EA762EEA3}"/>
-              </a:ext>
-            </a:extLst>
-          </p:cNvPr>
+            <a:endParaRPr lang="en-US"/>
+          </a:p>
+        </p:txBody>
+      </p:sp>
+      <p:sp>
+        <p:nvSpPr>
+          <p:cNvPr id="5" name="Footer Placeholder 4"/>
           <p:cNvSpPr>
             <a:spLocks noGrp="1"/>
           </p:cNvSpPr>
@@ -921,19 +792,13 @@
           <a:bodyPr/>
           <a:lstStyle/>
           <a:p>
-            <a:endParaRPr lang="en-DE"/>
-          </a:p>
-        </p:txBody>
-      </p:sp>
-      <p:sp>
-        <p:nvSpPr>
-          <p:cNvPr id="6" name="Slide Number Placeholder 5">
-            <a:extLst>
-              <a:ext uri="{FF2B5EF4-FFF2-40B4-BE49-F238E27FC236}">
-                <a16:creationId xmlns:a16="http://schemas.microsoft.com/office/drawing/2014/main" id="{1003D5B3-D2A8-BCD5-8A68-8F64A7075163}"/>
-              </a:ext>
-            </a:extLst>
-          </p:cNvPr>
+            <a:endParaRPr lang="en-US"/>
+          </a:p>
+        </p:txBody>
+      </p:sp>
+      <p:sp>
+        <p:nvSpPr>
+          <p:cNvPr id="6" name="Slide Number Placeholder 5"/>
           <p:cNvSpPr>
             <a:spLocks noGrp="1"/>
           </p:cNvSpPr>
@@ -947,19 +812,13 @@
           <a:lstStyle/>
           <a:p>
             <a:fld id="{D005AF82-C18C-CF41-95C6-482C10DB1C3F}" type="slidenum">
-              <a:rPr lang="en-DE" smtClean="0"/>
-              <a:t>‹#›</a:t>
+              <a:rPr lang="en-US" smtClean="0"/>
             </a:fld>
-            <a:endParaRPr lang="en-DE"/>
+            <a:endParaRPr lang="en-US"/>
           </a:p>
         </p:txBody>
       </p:sp>
     </p:spTree>
-    <p:extLst>
-      <p:ext uri="{BB962C8B-B14F-4D97-AF65-F5344CB8AC3E}">
-        <p14:creationId xmlns:p14="http://schemas.microsoft.com/office/powerpoint/2010/main" val="78429091"/>
-      </p:ext>
-    </p:extLst>
   </p:cSld>
   <p:clrMapOvr>
     <a:masterClrMapping/>
@@ -986,13 +845,7 @@
       </p:grpSpPr>
       <p:sp>
         <p:nvSpPr>
-          <p:cNvPr id="2" name="Title 1">
-            <a:extLst>
-              <a:ext uri="{FF2B5EF4-FFF2-40B4-BE49-F238E27FC236}">
-                <a16:creationId xmlns:a16="http://schemas.microsoft.com/office/drawing/2014/main" id="{BEE63D44-68F7-CDEA-8A18-61D362D9DEFB}"/>
-              </a:ext>
-            </a:extLst>
-          </p:cNvPr>
+          <p:cNvPr id="2" name="Title 1"/>
           <p:cNvSpPr>
             <a:spLocks noGrp="1"/>
           </p:cNvSpPr>
@@ -1018,19 +871,13 @@
               <a:rPr lang="en-GB"/>
               <a:t>Click to edit Master title style</a:t>
             </a:r>
-            <a:endParaRPr lang="en-DE"/>
-          </a:p>
-        </p:txBody>
-      </p:sp>
-      <p:sp>
-        <p:nvSpPr>
-          <p:cNvPr id="3" name="Text Placeholder 2">
-            <a:extLst>
-              <a:ext uri="{FF2B5EF4-FFF2-40B4-BE49-F238E27FC236}">
-                <a16:creationId xmlns:a16="http://schemas.microsoft.com/office/drawing/2014/main" id="{755EAF50-0AED-1EBB-06F2-2DFBBADDFB78}"/>
-              </a:ext>
-            </a:extLst>
-          </p:cNvPr>
+            <a:endParaRPr lang="en-US"/>
+          </a:p>
+        </p:txBody>
+      </p:sp>
+      <p:sp>
+        <p:nvSpPr>
+          <p:cNvPr id="3" name="Text Placeholder 2"/>
           <p:cNvSpPr>
             <a:spLocks noGrp="1"/>
           </p:cNvSpPr>
@@ -1144,18 +991,13 @@
               <a:rPr lang="en-GB"/>
               <a:t>Click to edit Master text styles</a:t>
             </a:r>
-          </a:p>
-        </p:txBody>
-      </p:sp>
-      <p:sp>
-        <p:nvSpPr>
-          <p:cNvPr id="4" name="Date Placeholder 3">
-            <a:extLst>
-              <a:ext uri="{FF2B5EF4-FFF2-40B4-BE49-F238E27FC236}">
-                <a16:creationId xmlns:a16="http://schemas.microsoft.com/office/drawing/2014/main" id="{0ED30BBC-1DF7-099B-268A-75B8913906C2}"/>
-              </a:ext>
-            </a:extLst>
-          </p:cNvPr>
+            <a:endParaRPr lang="en-GB"/>
+          </a:p>
+        </p:txBody>
+      </p:sp>
+      <p:sp>
+        <p:nvSpPr>
+          <p:cNvPr id="4" name="Date Placeholder 3"/>
           <p:cNvSpPr>
             <a:spLocks noGrp="1"/>
           </p:cNvSpPr>
@@ -1169,22 +1011,15 @@
           <a:lstStyle/>
           <a:p>
             <a:fld id="{94D44B26-B4FD-C441-A89D-FFE49D58D08C}" type="datetimeFigureOut">
-              <a:rPr lang="en-DE" smtClean="0"/>
-              <a:t>05/02/2023</a:t>
+              <a:rPr lang="en-US" smtClean="0"/>
             </a:fld>
-            <a:endParaRPr lang="en-DE"/>
-          </a:p>
-        </p:txBody>
-      </p:sp>
-      <p:sp>
-        <p:nvSpPr>
-          <p:cNvPr id="5" name="Footer Placeholder 4">
-            <a:extLst>
-              <a:ext uri="{FF2B5EF4-FFF2-40B4-BE49-F238E27FC236}">
-                <a16:creationId xmlns:a16="http://schemas.microsoft.com/office/drawing/2014/main" id="{4536F62E-C8EC-E329-131F-74F75EA17051}"/>
-              </a:ext>
-            </a:extLst>
-          </p:cNvPr>
+            <a:endParaRPr lang="en-US"/>
+          </a:p>
+        </p:txBody>
+      </p:sp>
+      <p:sp>
+        <p:nvSpPr>
+          <p:cNvPr id="5" name="Footer Placeholder 4"/>
           <p:cNvSpPr>
             <a:spLocks noGrp="1"/>
           </p:cNvSpPr>
@@ -1197,19 +1032,13 @@
           <a:bodyPr/>
           <a:lstStyle/>
           <a:p>
-            <a:endParaRPr lang="en-DE"/>
-          </a:p>
-        </p:txBody>
-      </p:sp>
-      <p:sp>
-        <p:nvSpPr>
-          <p:cNvPr id="6" name="Slide Number Placeholder 5">
-            <a:extLst>
-              <a:ext uri="{FF2B5EF4-FFF2-40B4-BE49-F238E27FC236}">
-                <a16:creationId xmlns:a16="http://schemas.microsoft.com/office/drawing/2014/main" id="{7D555CE0-63B1-8953-53F7-4E43B50472E0}"/>
-              </a:ext>
-            </a:extLst>
-          </p:cNvPr>
+            <a:endParaRPr lang="en-US"/>
+          </a:p>
+        </p:txBody>
+      </p:sp>
+      <p:sp>
+        <p:nvSpPr>
+          <p:cNvPr id="6" name="Slide Number Placeholder 5"/>
           <p:cNvSpPr>
             <a:spLocks noGrp="1"/>
           </p:cNvSpPr>
@@ -1223,19 +1052,13 @@
           <a:lstStyle/>
           <a:p>
             <a:fld id="{D005AF82-C18C-CF41-95C6-482C10DB1C3F}" type="slidenum">
-              <a:rPr lang="en-DE" smtClean="0"/>
-              <a:t>‹#›</a:t>
+              <a:rPr lang="en-US" smtClean="0"/>
             </a:fld>
-            <a:endParaRPr lang="en-DE"/>
+            <a:endParaRPr lang="en-US"/>
           </a:p>
         </p:txBody>
       </p:sp>
     </p:spTree>
-    <p:extLst>
-      <p:ext uri="{BB962C8B-B14F-4D97-AF65-F5344CB8AC3E}">
-        <p14:creationId xmlns:p14="http://schemas.microsoft.com/office/powerpoint/2010/main" val="1416635491"/>
-      </p:ext>
-    </p:extLst>
   </p:cSld>
   <p:clrMapOvr>
     <a:masterClrMapping/>
@@ -1262,13 +1085,7 @@
       </p:grpSpPr>
       <p:sp>
         <p:nvSpPr>
-          <p:cNvPr id="2" name="Title 1">
-            <a:extLst>
-              <a:ext uri="{FF2B5EF4-FFF2-40B4-BE49-F238E27FC236}">
-                <a16:creationId xmlns:a16="http://schemas.microsoft.com/office/drawing/2014/main" id="{A1E08370-1D39-AD7A-1D6B-4CCC9B49BE3F}"/>
-              </a:ext>
-            </a:extLst>
-          </p:cNvPr>
+          <p:cNvPr id="2" name="Title 1"/>
           <p:cNvSpPr>
             <a:spLocks noGrp="1"/>
           </p:cNvSpPr>
@@ -1285,19 +1102,13 @@
               <a:rPr lang="en-GB"/>
               <a:t>Click to edit Master title style</a:t>
             </a:r>
-            <a:endParaRPr lang="en-DE"/>
-          </a:p>
-        </p:txBody>
-      </p:sp>
-      <p:sp>
-        <p:nvSpPr>
-          <p:cNvPr id="3" name="Content Placeholder 2">
-            <a:extLst>
-              <a:ext uri="{FF2B5EF4-FFF2-40B4-BE49-F238E27FC236}">
-                <a16:creationId xmlns:a16="http://schemas.microsoft.com/office/drawing/2014/main" id="{28BA637D-B7E3-8FF6-2055-E58B6911BD02}"/>
-              </a:ext>
-            </a:extLst>
-          </p:cNvPr>
+            <a:endParaRPr lang="en-US"/>
+          </a:p>
+        </p:txBody>
+      </p:sp>
+      <p:sp>
+        <p:nvSpPr>
+          <p:cNvPr id="3" name="Content Placeholder 2"/>
           <p:cNvSpPr>
             <a:spLocks noGrp="1"/>
           </p:cNvSpPr>
@@ -1320,6 +1131,7 @@
               <a:rPr lang="en-GB"/>
               <a:t>Click to edit Master text styles</a:t>
             </a:r>
+            <a:endParaRPr lang="en-GB"/>
           </a:p>
           <a:p>
             <a:pPr lvl="1"/>
@@ -1327,6 +1139,7 @@
               <a:rPr lang="en-GB"/>
               <a:t>Second level</a:t>
             </a:r>
+            <a:endParaRPr lang="en-GB"/>
           </a:p>
           <a:p>
             <a:pPr lvl="2"/>
@@ -1334,6 +1147,7 @@
               <a:rPr lang="en-GB"/>
               <a:t>Third level</a:t>
             </a:r>
+            <a:endParaRPr lang="en-GB"/>
           </a:p>
           <a:p>
             <a:pPr lvl="3"/>
@@ -1341,6 +1155,7 @@
               <a:rPr lang="en-GB"/>
               <a:t>Fourth level</a:t>
             </a:r>
+            <a:endParaRPr lang="en-GB"/>
           </a:p>
           <a:p>
             <a:pPr lvl="4"/>
@@ -1348,19 +1163,13 @@
               <a:rPr lang="en-GB"/>
               <a:t>Fifth level</a:t>
             </a:r>
-            <a:endParaRPr lang="en-DE"/>
-          </a:p>
-        </p:txBody>
-      </p:sp>
-      <p:sp>
-        <p:nvSpPr>
-          <p:cNvPr id="4" name="Content Placeholder 3">
-            <a:extLst>
-              <a:ext uri="{FF2B5EF4-FFF2-40B4-BE49-F238E27FC236}">
-                <a16:creationId xmlns:a16="http://schemas.microsoft.com/office/drawing/2014/main" id="{DBFBD226-3EFA-06D9-D459-288C66368A57}"/>
-              </a:ext>
-            </a:extLst>
-          </p:cNvPr>
+            <a:endParaRPr lang="en-US"/>
+          </a:p>
+        </p:txBody>
+      </p:sp>
+      <p:sp>
+        <p:nvSpPr>
+          <p:cNvPr id="4" name="Content Placeholder 3"/>
           <p:cNvSpPr>
             <a:spLocks noGrp="1"/>
           </p:cNvSpPr>
@@ -1383,6 +1192,7 @@
               <a:rPr lang="en-GB"/>
               <a:t>Click to edit Master text styles</a:t>
             </a:r>
+            <a:endParaRPr lang="en-GB"/>
           </a:p>
           <a:p>
             <a:pPr lvl="1"/>
@@ -1390,6 +1200,7 @@
               <a:rPr lang="en-GB"/>
               <a:t>Second level</a:t>
             </a:r>
+            <a:endParaRPr lang="en-GB"/>
           </a:p>
           <a:p>
             <a:pPr lvl="2"/>
@@ -1397,6 +1208,7 @@
               <a:rPr lang="en-GB"/>
               <a:t>Third level</a:t>
             </a:r>
+            <a:endParaRPr lang="en-GB"/>
           </a:p>
           <a:p>
             <a:pPr lvl="3"/>
@@ -1404,6 +1216,7 @@
               <a:rPr lang="en-GB"/>
               <a:t>Fourth level</a:t>
             </a:r>
+            <a:endParaRPr lang="en-GB"/>
           </a:p>
           <a:p>
             <a:pPr lvl="4"/>
@@ -1411,19 +1224,13 @@
               <a:rPr lang="en-GB"/>
               <a:t>Fifth level</a:t>
             </a:r>
-            <a:endParaRPr lang="en-DE"/>
-          </a:p>
-        </p:txBody>
-      </p:sp>
-      <p:sp>
-        <p:nvSpPr>
-          <p:cNvPr id="5" name="Date Placeholder 4">
-            <a:extLst>
-              <a:ext uri="{FF2B5EF4-FFF2-40B4-BE49-F238E27FC236}">
-                <a16:creationId xmlns:a16="http://schemas.microsoft.com/office/drawing/2014/main" id="{E07826D6-E59C-B31A-8F7C-A3113F74A91D}"/>
-              </a:ext>
-            </a:extLst>
-          </p:cNvPr>
+            <a:endParaRPr lang="en-US"/>
+          </a:p>
+        </p:txBody>
+      </p:sp>
+      <p:sp>
+        <p:nvSpPr>
+          <p:cNvPr id="5" name="Date Placeholder 4"/>
           <p:cNvSpPr>
             <a:spLocks noGrp="1"/>
           </p:cNvSpPr>
@@ -1437,22 +1244,15 @@
           <a:lstStyle/>
           <a:p>
             <a:fld id="{94D44B26-B4FD-C441-A89D-FFE49D58D08C}" type="datetimeFigureOut">
-              <a:rPr lang="en-DE" smtClean="0"/>
-              <a:t>05/02/2023</a:t>
+              <a:rPr lang="en-US" smtClean="0"/>
             </a:fld>
-            <a:endParaRPr lang="en-DE"/>
-          </a:p>
-        </p:txBody>
-      </p:sp>
-      <p:sp>
-        <p:nvSpPr>
-          <p:cNvPr id="6" name="Footer Placeholder 5">
-            <a:extLst>
-              <a:ext uri="{FF2B5EF4-FFF2-40B4-BE49-F238E27FC236}">
-                <a16:creationId xmlns:a16="http://schemas.microsoft.com/office/drawing/2014/main" id="{313566FA-5CF1-B564-CEE0-D1AD4A1DB4DC}"/>
-              </a:ext>
-            </a:extLst>
-          </p:cNvPr>
+            <a:endParaRPr lang="en-US"/>
+          </a:p>
+        </p:txBody>
+      </p:sp>
+      <p:sp>
+        <p:nvSpPr>
+          <p:cNvPr id="6" name="Footer Placeholder 5"/>
           <p:cNvSpPr>
             <a:spLocks noGrp="1"/>
           </p:cNvSpPr>
@@ -1465,19 +1265,13 @@
           <a:bodyPr/>
           <a:lstStyle/>
           <a:p>
-            <a:endParaRPr lang="en-DE"/>
-          </a:p>
-        </p:txBody>
-      </p:sp>
-      <p:sp>
-        <p:nvSpPr>
-          <p:cNvPr id="7" name="Slide Number Placeholder 6">
-            <a:extLst>
-              <a:ext uri="{FF2B5EF4-FFF2-40B4-BE49-F238E27FC236}">
-                <a16:creationId xmlns:a16="http://schemas.microsoft.com/office/drawing/2014/main" id="{A771EBE0-EC20-8FA6-8259-D271FF446D7D}"/>
-              </a:ext>
-            </a:extLst>
-          </p:cNvPr>
+            <a:endParaRPr lang="en-US"/>
+          </a:p>
+        </p:txBody>
+      </p:sp>
+      <p:sp>
+        <p:nvSpPr>
+          <p:cNvPr id="7" name="Slide Number Placeholder 6"/>
           <p:cNvSpPr>
             <a:spLocks noGrp="1"/>
           </p:cNvSpPr>
@@ -1491,19 +1285,13 @@
           <a:lstStyle/>
           <a:p>
             <a:fld id="{D005AF82-C18C-CF41-95C6-482C10DB1C3F}" type="slidenum">
-              <a:rPr lang="en-DE" smtClean="0"/>
-              <a:t>‹#›</a:t>
+              <a:rPr lang="en-US" smtClean="0"/>
             </a:fld>
-            <a:endParaRPr lang="en-DE"/>
+            <a:endParaRPr lang="en-US"/>
           </a:p>
         </p:txBody>
       </p:sp>
     </p:spTree>
-    <p:extLst>
-      <p:ext uri="{BB962C8B-B14F-4D97-AF65-F5344CB8AC3E}">
-        <p14:creationId xmlns:p14="http://schemas.microsoft.com/office/powerpoint/2010/main" val="4139724875"/>
-      </p:ext>
-    </p:extLst>
   </p:cSld>
   <p:clrMapOvr>
     <a:masterClrMapping/>
@@ -1530,13 +1318,7 @@
       </p:grpSpPr>
       <p:sp>
         <p:nvSpPr>
-          <p:cNvPr id="2" name="Title 1">
-            <a:extLst>
-              <a:ext uri="{FF2B5EF4-FFF2-40B4-BE49-F238E27FC236}">
-                <a16:creationId xmlns:a16="http://schemas.microsoft.com/office/drawing/2014/main" id="{647778BB-3272-8830-8CC3-81EC32571ED3}"/>
-              </a:ext>
-            </a:extLst>
-          </p:cNvPr>
+          <p:cNvPr id="2" name="Title 1"/>
           <p:cNvSpPr>
             <a:spLocks noGrp="1"/>
           </p:cNvSpPr>
@@ -1558,19 +1340,13 @@
               <a:rPr lang="en-GB"/>
               <a:t>Click to edit Master title style</a:t>
             </a:r>
-            <a:endParaRPr lang="en-DE"/>
-          </a:p>
-        </p:txBody>
-      </p:sp>
-      <p:sp>
-        <p:nvSpPr>
-          <p:cNvPr id="3" name="Text Placeholder 2">
-            <a:extLst>
-              <a:ext uri="{FF2B5EF4-FFF2-40B4-BE49-F238E27FC236}">
-                <a16:creationId xmlns:a16="http://schemas.microsoft.com/office/drawing/2014/main" id="{DF36C400-DA32-5334-75AA-E721512EC31C}"/>
-              </a:ext>
-            </a:extLst>
-          </p:cNvPr>
+            <a:endParaRPr lang="en-US"/>
+          </a:p>
+        </p:txBody>
+      </p:sp>
+      <p:sp>
+        <p:nvSpPr>
+          <p:cNvPr id="3" name="Text Placeholder 2"/>
           <p:cNvSpPr>
             <a:spLocks noGrp="1"/>
           </p:cNvSpPr>
@@ -1630,18 +1406,13 @@
               <a:rPr lang="en-GB"/>
               <a:t>Click to edit Master text styles</a:t>
             </a:r>
-          </a:p>
-        </p:txBody>
-      </p:sp>
-      <p:sp>
-        <p:nvSpPr>
-          <p:cNvPr id="4" name="Content Placeholder 3">
-            <a:extLst>
-              <a:ext uri="{FF2B5EF4-FFF2-40B4-BE49-F238E27FC236}">
-                <a16:creationId xmlns:a16="http://schemas.microsoft.com/office/drawing/2014/main" id="{5E2D8B4E-51B3-8BAE-6E93-E915690AF2BB}"/>
-              </a:ext>
-            </a:extLst>
-          </p:cNvPr>
+            <a:endParaRPr lang="en-GB"/>
+          </a:p>
+        </p:txBody>
+      </p:sp>
+      <p:sp>
+        <p:nvSpPr>
+          <p:cNvPr id="4" name="Content Placeholder 3"/>
           <p:cNvSpPr>
             <a:spLocks noGrp="1"/>
           </p:cNvSpPr>
@@ -1664,6 +1435,7 @@
               <a:rPr lang="en-GB"/>
               <a:t>Click to edit Master text styles</a:t>
             </a:r>
+            <a:endParaRPr lang="en-GB"/>
           </a:p>
           <a:p>
             <a:pPr lvl="1"/>
@@ -1671,6 +1443,7 @@
               <a:rPr lang="en-GB"/>
               <a:t>Second level</a:t>
             </a:r>
+            <a:endParaRPr lang="en-GB"/>
           </a:p>
           <a:p>
             <a:pPr lvl="2"/>
@@ -1678,6 +1451,7 @@
               <a:rPr lang="en-GB"/>
               <a:t>Third level</a:t>
             </a:r>
+            <a:endParaRPr lang="en-GB"/>
           </a:p>
           <a:p>
             <a:pPr lvl="3"/>
@@ -1685,6 +1459,7 @@
               <a:rPr lang="en-GB"/>
               <a:t>Fourth level</a:t>
             </a:r>
+            <a:endParaRPr lang="en-GB"/>
           </a:p>
           <a:p>
             <a:pPr lvl="4"/>
@@ -1692,19 +1467,13 @@
               <a:rPr lang="en-GB"/>
               <a:t>Fifth level</a:t>
             </a:r>
-            <a:endParaRPr lang="en-DE"/>
-          </a:p>
-        </p:txBody>
-      </p:sp>
-      <p:sp>
-        <p:nvSpPr>
-          <p:cNvPr id="5" name="Text Placeholder 4">
-            <a:extLst>
-              <a:ext uri="{FF2B5EF4-FFF2-40B4-BE49-F238E27FC236}">
-                <a16:creationId xmlns:a16="http://schemas.microsoft.com/office/drawing/2014/main" id="{2ED064C7-7237-D177-A83B-4E4EAC957517}"/>
-              </a:ext>
-            </a:extLst>
-          </p:cNvPr>
+            <a:endParaRPr lang="en-US"/>
+          </a:p>
+        </p:txBody>
+      </p:sp>
+      <p:sp>
+        <p:nvSpPr>
+          <p:cNvPr id="5" name="Text Placeholder 4"/>
           <p:cNvSpPr>
             <a:spLocks noGrp="1"/>
           </p:cNvSpPr>
@@ -1764,18 +1533,13 @@
               <a:rPr lang="en-GB"/>
               <a:t>Click to edit Master text styles</a:t>
             </a:r>
-          </a:p>
-        </p:txBody>
-      </p:sp>
-      <p:sp>
-        <p:nvSpPr>
-          <p:cNvPr id="6" name="Content Placeholder 5">
-            <a:extLst>
-              <a:ext uri="{FF2B5EF4-FFF2-40B4-BE49-F238E27FC236}">
-                <a16:creationId xmlns:a16="http://schemas.microsoft.com/office/drawing/2014/main" id="{909598D6-1221-54E0-BFB3-92EB33CBC34A}"/>
-              </a:ext>
-            </a:extLst>
-          </p:cNvPr>
+            <a:endParaRPr lang="en-GB"/>
+          </a:p>
+        </p:txBody>
+      </p:sp>
+      <p:sp>
+        <p:nvSpPr>
+          <p:cNvPr id="6" name="Content Placeholder 5"/>
           <p:cNvSpPr>
             <a:spLocks noGrp="1"/>
           </p:cNvSpPr>
@@ -1798,6 +1562,7 @@
               <a:rPr lang="en-GB"/>
               <a:t>Click to edit Master text styles</a:t>
             </a:r>
+            <a:endParaRPr lang="en-GB"/>
           </a:p>
           <a:p>
             <a:pPr lvl="1"/>
@@ -1805,6 +1570,7 @@
               <a:rPr lang="en-GB"/>
               <a:t>Second level</a:t>
             </a:r>
+            <a:endParaRPr lang="en-GB"/>
           </a:p>
           <a:p>
             <a:pPr lvl="2"/>
@@ -1812,6 +1578,7 @@
               <a:rPr lang="en-GB"/>
               <a:t>Third level</a:t>
             </a:r>
+            <a:endParaRPr lang="en-GB"/>
           </a:p>
           <a:p>
             <a:pPr lvl="3"/>
@@ -1819,6 +1586,7 @@
               <a:rPr lang="en-GB"/>
               <a:t>Fourth level</a:t>
             </a:r>
+            <a:endParaRPr lang="en-GB"/>
           </a:p>
           <a:p>
             <a:pPr lvl="4"/>
@@ -1826,19 +1594,13 @@
               <a:rPr lang="en-GB"/>
               <a:t>Fifth level</a:t>
             </a:r>
-            <a:endParaRPr lang="en-DE"/>
-          </a:p>
-        </p:txBody>
-      </p:sp>
-      <p:sp>
-        <p:nvSpPr>
-          <p:cNvPr id="7" name="Date Placeholder 6">
-            <a:extLst>
-              <a:ext uri="{FF2B5EF4-FFF2-40B4-BE49-F238E27FC236}">
-                <a16:creationId xmlns:a16="http://schemas.microsoft.com/office/drawing/2014/main" id="{14F29054-D790-34F8-07CD-CD6426982FFF}"/>
-              </a:ext>
-            </a:extLst>
-          </p:cNvPr>
+            <a:endParaRPr lang="en-US"/>
+          </a:p>
+        </p:txBody>
+      </p:sp>
+      <p:sp>
+        <p:nvSpPr>
+          <p:cNvPr id="7" name="Date Placeholder 6"/>
           <p:cNvSpPr>
             <a:spLocks noGrp="1"/>
           </p:cNvSpPr>
@@ -1852,22 +1614,15 @@
           <a:lstStyle/>
           <a:p>
             <a:fld id="{94D44B26-B4FD-C441-A89D-FFE49D58D08C}" type="datetimeFigureOut">
-              <a:rPr lang="en-DE" smtClean="0"/>
-              <a:t>05/02/2023</a:t>
+              <a:rPr lang="en-US" smtClean="0"/>
             </a:fld>
-            <a:endParaRPr lang="en-DE"/>
-          </a:p>
-        </p:txBody>
-      </p:sp>
-      <p:sp>
-        <p:nvSpPr>
-          <p:cNvPr id="8" name="Footer Placeholder 7">
-            <a:extLst>
-              <a:ext uri="{FF2B5EF4-FFF2-40B4-BE49-F238E27FC236}">
-                <a16:creationId xmlns:a16="http://schemas.microsoft.com/office/drawing/2014/main" id="{1D50574B-AE8B-4209-3502-99C35F4C6943}"/>
-              </a:ext>
-            </a:extLst>
-          </p:cNvPr>
+            <a:endParaRPr lang="en-US"/>
+          </a:p>
+        </p:txBody>
+      </p:sp>
+      <p:sp>
+        <p:nvSpPr>
+          <p:cNvPr id="8" name="Footer Placeholder 7"/>
           <p:cNvSpPr>
             <a:spLocks noGrp="1"/>
           </p:cNvSpPr>
@@ -1880,19 +1635,13 @@
           <a:bodyPr/>
           <a:lstStyle/>
           <a:p>
-            <a:endParaRPr lang="en-DE"/>
-          </a:p>
-        </p:txBody>
-      </p:sp>
-      <p:sp>
-        <p:nvSpPr>
-          <p:cNvPr id="9" name="Slide Number Placeholder 8">
-            <a:extLst>
-              <a:ext uri="{FF2B5EF4-FFF2-40B4-BE49-F238E27FC236}">
-                <a16:creationId xmlns:a16="http://schemas.microsoft.com/office/drawing/2014/main" id="{4E8B7639-3ADC-50EB-14C4-D5927BA4F650}"/>
-              </a:ext>
-            </a:extLst>
-          </p:cNvPr>
+            <a:endParaRPr lang="en-US"/>
+          </a:p>
+        </p:txBody>
+      </p:sp>
+      <p:sp>
+        <p:nvSpPr>
+          <p:cNvPr id="9" name="Slide Number Placeholder 8"/>
           <p:cNvSpPr>
             <a:spLocks noGrp="1"/>
           </p:cNvSpPr>
@@ -1906,19 +1655,13 @@
           <a:lstStyle/>
           <a:p>
             <a:fld id="{D005AF82-C18C-CF41-95C6-482C10DB1C3F}" type="slidenum">
-              <a:rPr lang="en-DE" smtClean="0"/>
-              <a:t>‹#›</a:t>
+              <a:rPr lang="en-US" smtClean="0"/>
             </a:fld>
-            <a:endParaRPr lang="en-DE"/>
+            <a:endParaRPr lang="en-US"/>
           </a:p>
         </p:txBody>
       </p:sp>
     </p:spTree>
-    <p:extLst>
-      <p:ext uri="{BB962C8B-B14F-4D97-AF65-F5344CB8AC3E}">
-        <p14:creationId xmlns:p14="http://schemas.microsoft.com/office/powerpoint/2010/main" val="3085137741"/>
-      </p:ext>
-    </p:extLst>
   </p:cSld>
   <p:clrMapOvr>
     <a:masterClrMapping/>
@@ -1945,13 +1688,7 @@
       </p:grpSpPr>
       <p:sp>
         <p:nvSpPr>
-          <p:cNvPr id="2" name="Title 1">
-            <a:extLst>
-              <a:ext uri="{FF2B5EF4-FFF2-40B4-BE49-F238E27FC236}">
-                <a16:creationId xmlns:a16="http://schemas.microsoft.com/office/drawing/2014/main" id="{A67BF61C-CA30-94BF-2D71-E7D3FDAF9FCF}"/>
-              </a:ext>
-            </a:extLst>
-          </p:cNvPr>
+          <p:cNvPr id="2" name="Title 1"/>
           <p:cNvSpPr>
             <a:spLocks noGrp="1"/>
           </p:cNvSpPr>
@@ -1968,19 +1705,13 @@
               <a:rPr lang="en-GB"/>
               <a:t>Click to edit Master title style</a:t>
             </a:r>
-            <a:endParaRPr lang="en-DE"/>
-          </a:p>
-        </p:txBody>
-      </p:sp>
-      <p:sp>
-        <p:nvSpPr>
-          <p:cNvPr id="3" name="Date Placeholder 2">
-            <a:extLst>
-              <a:ext uri="{FF2B5EF4-FFF2-40B4-BE49-F238E27FC236}">
-                <a16:creationId xmlns:a16="http://schemas.microsoft.com/office/drawing/2014/main" id="{7C9401EF-EC36-4958-893C-5BF36764E048}"/>
-              </a:ext>
-            </a:extLst>
-          </p:cNvPr>
+            <a:endParaRPr lang="en-US"/>
+          </a:p>
+        </p:txBody>
+      </p:sp>
+      <p:sp>
+        <p:nvSpPr>
+          <p:cNvPr id="3" name="Date Placeholder 2"/>
           <p:cNvSpPr>
             <a:spLocks noGrp="1"/>
           </p:cNvSpPr>
@@ -1994,22 +1725,15 @@
           <a:lstStyle/>
           <a:p>
             <a:fld id="{94D44B26-B4FD-C441-A89D-FFE49D58D08C}" type="datetimeFigureOut">
-              <a:rPr lang="en-DE" smtClean="0"/>
-              <a:t>05/02/2023</a:t>
+              <a:rPr lang="en-US" smtClean="0"/>
             </a:fld>
-            <a:endParaRPr lang="en-DE"/>
-          </a:p>
-        </p:txBody>
-      </p:sp>
-      <p:sp>
-        <p:nvSpPr>
-          <p:cNvPr id="4" name="Footer Placeholder 3">
-            <a:extLst>
-              <a:ext uri="{FF2B5EF4-FFF2-40B4-BE49-F238E27FC236}">
-                <a16:creationId xmlns:a16="http://schemas.microsoft.com/office/drawing/2014/main" id="{EB42C9BC-7252-85C4-0F1D-F61F0991BCEF}"/>
-              </a:ext>
-            </a:extLst>
-          </p:cNvPr>
+            <a:endParaRPr lang="en-US"/>
+          </a:p>
+        </p:txBody>
+      </p:sp>
+      <p:sp>
+        <p:nvSpPr>
+          <p:cNvPr id="4" name="Footer Placeholder 3"/>
           <p:cNvSpPr>
             <a:spLocks noGrp="1"/>
           </p:cNvSpPr>
@@ -2022,19 +1746,13 @@
           <a:bodyPr/>
           <a:lstStyle/>
           <a:p>
-            <a:endParaRPr lang="en-DE"/>
-          </a:p>
-        </p:txBody>
-      </p:sp>
-      <p:sp>
-        <p:nvSpPr>
-          <p:cNvPr id="5" name="Slide Number Placeholder 4">
-            <a:extLst>
-              <a:ext uri="{FF2B5EF4-FFF2-40B4-BE49-F238E27FC236}">
-                <a16:creationId xmlns:a16="http://schemas.microsoft.com/office/drawing/2014/main" id="{472F662A-EF6E-DBDA-E566-A5CD8EFB444C}"/>
-              </a:ext>
-            </a:extLst>
-          </p:cNvPr>
+            <a:endParaRPr lang="en-US"/>
+          </a:p>
+        </p:txBody>
+      </p:sp>
+      <p:sp>
+        <p:nvSpPr>
+          <p:cNvPr id="5" name="Slide Number Placeholder 4"/>
           <p:cNvSpPr>
             <a:spLocks noGrp="1"/>
           </p:cNvSpPr>
@@ -2048,19 +1766,13 @@
           <a:lstStyle/>
           <a:p>
             <a:fld id="{D005AF82-C18C-CF41-95C6-482C10DB1C3F}" type="slidenum">
-              <a:rPr lang="en-DE" smtClean="0"/>
-              <a:t>‹#›</a:t>
+              <a:rPr lang="en-US" smtClean="0"/>
             </a:fld>
-            <a:endParaRPr lang="en-DE"/>
+            <a:endParaRPr lang="en-US"/>
           </a:p>
         </p:txBody>
       </p:sp>
     </p:spTree>
-    <p:extLst>
-      <p:ext uri="{BB962C8B-B14F-4D97-AF65-F5344CB8AC3E}">
-        <p14:creationId xmlns:p14="http://schemas.microsoft.com/office/powerpoint/2010/main" val="1376938597"/>
-      </p:ext>
-    </p:extLst>
   </p:cSld>
   <p:clrMapOvr>
     <a:masterClrMapping/>
@@ -2087,13 +1799,7 @@
       </p:grpSpPr>
       <p:sp>
         <p:nvSpPr>
-          <p:cNvPr id="2" name="Date Placeholder 1">
-            <a:extLst>
-              <a:ext uri="{FF2B5EF4-FFF2-40B4-BE49-F238E27FC236}">
-                <a16:creationId xmlns:a16="http://schemas.microsoft.com/office/drawing/2014/main" id="{5200400E-44A4-3AB5-612E-111050F15C97}"/>
-              </a:ext>
-            </a:extLst>
-          </p:cNvPr>
+          <p:cNvPr id="2" name="Date Placeholder 1"/>
           <p:cNvSpPr>
             <a:spLocks noGrp="1"/>
           </p:cNvSpPr>
@@ -2107,22 +1813,15 @@
           <a:lstStyle/>
           <a:p>
             <a:fld id="{94D44B26-B4FD-C441-A89D-FFE49D58D08C}" type="datetimeFigureOut">
-              <a:rPr lang="en-DE" smtClean="0"/>
-              <a:t>05/02/2023</a:t>
+              <a:rPr lang="en-US" smtClean="0"/>
             </a:fld>
-            <a:endParaRPr lang="en-DE"/>
-          </a:p>
-        </p:txBody>
-      </p:sp>
-      <p:sp>
-        <p:nvSpPr>
-          <p:cNvPr id="3" name="Footer Placeholder 2">
-            <a:extLst>
-              <a:ext uri="{FF2B5EF4-FFF2-40B4-BE49-F238E27FC236}">
-                <a16:creationId xmlns:a16="http://schemas.microsoft.com/office/drawing/2014/main" id="{8611F482-B279-7EBF-AF82-FD3A6C105933}"/>
-              </a:ext>
-            </a:extLst>
-          </p:cNvPr>
+            <a:endParaRPr lang="en-US"/>
+          </a:p>
+        </p:txBody>
+      </p:sp>
+      <p:sp>
+        <p:nvSpPr>
+          <p:cNvPr id="3" name="Footer Placeholder 2"/>
           <p:cNvSpPr>
             <a:spLocks noGrp="1"/>
           </p:cNvSpPr>
@@ -2135,19 +1834,13 @@
           <a:bodyPr/>
           <a:lstStyle/>
           <a:p>
-            <a:endParaRPr lang="en-DE"/>
-          </a:p>
-        </p:txBody>
-      </p:sp>
-      <p:sp>
-        <p:nvSpPr>
-          <p:cNvPr id="4" name="Slide Number Placeholder 3">
-            <a:extLst>
-              <a:ext uri="{FF2B5EF4-FFF2-40B4-BE49-F238E27FC236}">
-                <a16:creationId xmlns:a16="http://schemas.microsoft.com/office/drawing/2014/main" id="{8AB4ADB3-32C3-6D9D-114C-40570BB733B8}"/>
-              </a:ext>
-            </a:extLst>
-          </p:cNvPr>
+            <a:endParaRPr lang="en-US"/>
+          </a:p>
+        </p:txBody>
+      </p:sp>
+      <p:sp>
+        <p:nvSpPr>
+          <p:cNvPr id="4" name="Slide Number Placeholder 3"/>
           <p:cNvSpPr>
             <a:spLocks noGrp="1"/>
           </p:cNvSpPr>
@@ -2161,19 +1854,13 @@
           <a:lstStyle/>
           <a:p>
             <a:fld id="{D005AF82-C18C-CF41-95C6-482C10DB1C3F}" type="slidenum">
-              <a:rPr lang="en-DE" smtClean="0"/>
-              <a:t>‹#›</a:t>
+              <a:rPr lang="en-US" smtClean="0"/>
             </a:fld>
-            <a:endParaRPr lang="en-DE"/>
+            <a:endParaRPr lang="en-US"/>
           </a:p>
         </p:txBody>
       </p:sp>
     </p:spTree>
-    <p:extLst>
-      <p:ext uri="{BB962C8B-B14F-4D97-AF65-F5344CB8AC3E}">
-        <p14:creationId xmlns:p14="http://schemas.microsoft.com/office/powerpoint/2010/main" val="3777593922"/>
-      </p:ext>
-    </p:extLst>
   </p:cSld>
   <p:clrMapOvr>
     <a:masterClrMapping/>
@@ -2200,13 +1887,7 @@
       </p:grpSpPr>
       <p:sp>
         <p:nvSpPr>
-          <p:cNvPr id="2" name="Title 1">
-            <a:extLst>
-              <a:ext uri="{FF2B5EF4-FFF2-40B4-BE49-F238E27FC236}">
-                <a16:creationId xmlns:a16="http://schemas.microsoft.com/office/drawing/2014/main" id="{C36FF3A8-11AD-D615-B8F7-67155FF02BC8}"/>
-              </a:ext>
-            </a:extLst>
-          </p:cNvPr>
+          <p:cNvPr id="2" name="Title 1"/>
           <p:cNvSpPr>
             <a:spLocks noGrp="1"/>
           </p:cNvSpPr>
@@ -2232,19 +1913,13 @@
               <a:rPr lang="en-GB"/>
               <a:t>Click to edit Master title style</a:t>
             </a:r>
-            <a:endParaRPr lang="en-DE"/>
-          </a:p>
-        </p:txBody>
-      </p:sp>
-      <p:sp>
-        <p:nvSpPr>
-          <p:cNvPr id="3" name="Content Placeholder 2">
-            <a:extLst>
-              <a:ext uri="{FF2B5EF4-FFF2-40B4-BE49-F238E27FC236}">
-                <a16:creationId xmlns:a16="http://schemas.microsoft.com/office/drawing/2014/main" id="{7A9C5C13-22B0-4B6B-3A89-C3FD62E9C5F3}"/>
-              </a:ext>
-            </a:extLst>
-          </p:cNvPr>
+            <a:endParaRPr lang="en-US"/>
+          </a:p>
+        </p:txBody>
+      </p:sp>
+      <p:sp>
+        <p:nvSpPr>
+          <p:cNvPr id="3" name="Content Placeholder 2"/>
           <p:cNvSpPr>
             <a:spLocks noGrp="1"/>
           </p:cNvSpPr>
@@ -2295,6 +1970,7 @@
               <a:rPr lang="en-GB"/>
               <a:t>Click to edit Master text styles</a:t>
             </a:r>
+            <a:endParaRPr lang="en-GB"/>
           </a:p>
           <a:p>
             <a:pPr lvl="1"/>
@@ -2302,6 +1978,7 @@
               <a:rPr lang="en-GB"/>
               <a:t>Second level</a:t>
             </a:r>
+            <a:endParaRPr lang="en-GB"/>
           </a:p>
           <a:p>
             <a:pPr lvl="2"/>
@@ -2309,6 +1986,7 @@
               <a:rPr lang="en-GB"/>
               <a:t>Third level</a:t>
             </a:r>
+            <a:endParaRPr lang="en-GB"/>
           </a:p>
           <a:p>
             <a:pPr lvl="3"/>
@@ -2316,6 +1994,7 @@
               <a:rPr lang="en-GB"/>
               <a:t>Fourth level</a:t>
             </a:r>
+            <a:endParaRPr lang="en-GB"/>
           </a:p>
           <a:p>
             <a:pPr lvl="4"/>
@@ -2323,19 +2002,13 @@
               <a:rPr lang="en-GB"/>
               <a:t>Fifth level</a:t>
             </a:r>
-            <a:endParaRPr lang="en-DE"/>
-          </a:p>
-        </p:txBody>
-      </p:sp>
-      <p:sp>
-        <p:nvSpPr>
-          <p:cNvPr id="4" name="Text Placeholder 3">
-            <a:extLst>
-              <a:ext uri="{FF2B5EF4-FFF2-40B4-BE49-F238E27FC236}">
-                <a16:creationId xmlns:a16="http://schemas.microsoft.com/office/drawing/2014/main" id="{3ACBA2C4-8628-979D-F74C-A39CB95C20B2}"/>
-              </a:ext>
-            </a:extLst>
-          </p:cNvPr>
+            <a:endParaRPr lang="en-US"/>
+          </a:p>
+        </p:txBody>
+      </p:sp>
+      <p:sp>
+        <p:nvSpPr>
+          <p:cNvPr id="4" name="Text Placeholder 3"/>
           <p:cNvSpPr>
             <a:spLocks noGrp="1"/>
           </p:cNvSpPr>
@@ -2395,18 +2068,13 @@
               <a:rPr lang="en-GB"/>
               <a:t>Click to edit Master text styles</a:t>
             </a:r>
-          </a:p>
-        </p:txBody>
-      </p:sp>
-      <p:sp>
-        <p:nvSpPr>
-          <p:cNvPr id="5" name="Date Placeholder 4">
-            <a:extLst>
-              <a:ext uri="{FF2B5EF4-FFF2-40B4-BE49-F238E27FC236}">
-                <a16:creationId xmlns:a16="http://schemas.microsoft.com/office/drawing/2014/main" id="{41F19759-C0C4-F381-2090-3E566F6758F4}"/>
-              </a:ext>
-            </a:extLst>
-          </p:cNvPr>
+            <a:endParaRPr lang="en-GB"/>
+          </a:p>
+        </p:txBody>
+      </p:sp>
+      <p:sp>
+        <p:nvSpPr>
+          <p:cNvPr id="5" name="Date Placeholder 4"/>
           <p:cNvSpPr>
             <a:spLocks noGrp="1"/>
           </p:cNvSpPr>
@@ -2420,22 +2088,15 @@
           <a:lstStyle/>
           <a:p>
             <a:fld id="{94D44B26-B4FD-C441-A89D-FFE49D58D08C}" type="datetimeFigureOut">
-              <a:rPr lang="en-DE" smtClean="0"/>
-              <a:t>05/02/2023</a:t>
+              <a:rPr lang="en-US" smtClean="0"/>
             </a:fld>
-            <a:endParaRPr lang="en-DE"/>
-          </a:p>
-        </p:txBody>
-      </p:sp>
-      <p:sp>
-        <p:nvSpPr>
-          <p:cNvPr id="6" name="Footer Placeholder 5">
-            <a:extLst>
-              <a:ext uri="{FF2B5EF4-FFF2-40B4-BE49-F238E27FC236}">
-                <a16:creationId xmlns:a16="http://schemas.microsoft.com/office/drawing/2014/main" id="{892A93D0-F669-9F5F-E794-CA84998ADACE}"/>
-              </a:ext>
-            </a:extLst>
-          </p:cNvPr>
+            <a:endParaRPr lang="en-US"/>
+          </a:p>
+        </p:txBody>
+      </p:sp>
+      <p:sp>
+        <p:nvSpPr>
+          <p:cNvPr id="6" name="Footer Placeholder 5"/>
           <p:cNvSpPr>
             <a:spLocks noGrp="1"/>
           </p:cNvSpPr>
@@ -2448,19 +2109,13 @@
           <a:bodyPr/>
           <a:lstStyle/>
           <a:p>
-            <a:endParaRPr lang="en-DE"/>
-          </a:p>
-        </p:txBody>
-      </p:sp>
-      <p:sp>
-        <p:nvSpPr>
-          <p:cNvPr id="7" name="Slide Number Placeholder 6">
-            <a:extLst>
-              <a:ext uri="{FF2B5EF4-FFF2-40B4-BE49-F238E27FC236}">
-                <a16:creationId xmlns:a16="http://schemas.microsoft.com/office/drawing/2014/main" id="{3C0717B4-EC60-2FC0-91FB-02B44612DFEB}"/>
-              </a:ext>
-            </a:extLst>
-          </p:cNvPr>
+            <a:endParaRPr lang="en-US"/>
+          </a:p>
+        </p:txBody>
+      </p:sp>
+      <p:sp>
+        <p:nvSpPr>
+          <p:cNvPr id="7" name="Slide Number Placeholder 6"/>
           <p:cNvSpPr>
             <a:spLocks noGrp="1"/>
           </p:cNvSpPr>
@@ -2474,19 +2129,13 @@
           <a:lstStyle/>
           <a:p>
             <a:fld id="{D005AF82-C18C-CF41-95C6-482C10DB1C3F}" type="slidenum">
-              <a:rPr lang="en-DE" smtClean="0"/>
-              <a:t>‹#›</a:t>
+              <a:rPr lang="en-US" smtClean="0"/>
             </a:fld>
-            <a:endParaRPr lang="en-DE"/>
+            <a:endParaRPr lang="en-US"/>
           </a:p>
         </p:txBody>
       </p:sp>
     </p:spTree>
-    <p:extLst>
-      <p:ext uri="{BB962C8B-B14F-4D97-AF65-F5344CB8AC3E}">
-        <p14:creationId xmlns:p14="http://schemas.microsoft.com/office/powerpoint/2010/main" val="2783396793"/>
-      </p:ext>
-    </p:extLst>
   </p:cSld>
   <p:clrMapOvr>
     <a:masterClrMapping/>
@@ -2513,13 +2162,7 @@
       </p:grpSpPr>
       <p:sp>
         <p:nvSpPr>
-          <p:cNvPr id="2" name="Title 1">
-            <a:extLst>
-              <a:ext uri="{FF2B5EF4-FFF2-40B4-BE49-F238E27FC236}">
-                <a16:creationId xmlns:a16="http://schemas.microsoft.com/office/drawing/2014/main" id="{89621744-17C6-2763-F602-57BC66FB19F6}"/>
-              </a:ext>
-            </a:extLst>
-          </p:cNvPr>
+          <p:cNvPr id="2" name="Title 1"/>
           <p:cNvSpPr>
             <a:spLocks noGrp="1"/>
           </p:cNvSpPr>
@@ -2545,19 +2188,13 @@
               <a:rPr lang="en-GB"/>
               <a:t>Click to edit Master title style</a:t>
             </a:r>
-            <a:endParaRPr lang="en-DE"/>
-          </a:p>
-        </p:txBody>
-      </p:sp>
-      <p:sp>
-        <p:nvSpPr>
-          <p:cNvPr id="3" name="Picture Placeholder 2">
-            <a:extLst>
-              <a:ext uri="{FF2B5EF4-FFF2-40B4-BE49-F238E27FC236}">
-                <a16:creationId xmlns:a16="http://schemas.microsoft.com/office/drawing/2014/main" id="{FF141F2D-D643-C7CE-8845-E8BE1FA8C468}"/>
-              </a:ext>
-            </a:extLst>
-          </p:cNvPr>
+            <a:endParaRPr lang="en-US"/>
+          </a:p>
+        </p:txBody>
+      </p:sp>
+      <p:sp>
+        <p:nvSpPr>
+          <p:cNvPr id="3" name="Picture Placeholder 2"/>
           <p:cNvSpPr>
             <a:spLocks noGrp="1"/>
           </p:cNvSpPr>
@@ -2612,19 +2249,13 @@
             </a:lvl9pPr>
           </a:lstStyle>
           <a:p>
-            <a:endParaRPr lang="en-DE"/>
-          </a:p>
-        </p:txBody>
-      </p:sp>
-      <p:sp>
-        <p:nvSpPr>
-          <p:cNvPr id="4" name="Text Placeholder 3">
-            <a:extLst>
-              <a:ext uri="{FF2B5EF4-FFF2-40B4-BE49-F238E27FC236}">
-                <a16:creationId xmlns:a16="http://schemas.microsoft.com/office/drawing/2014/main" id="{DFFD7AF9-E6D1-0D44-84FF-3413DB0EF58E}"/>
-              </a:ext>
-            </a:extLst>
-          </p:cNvPr>
+            <a:endParaRPr lang="en-US"/>
+          </a:p>
+        </p:txBody>
+      </p:sp>
+      <p:sp>
+        <p:nvSpPr>
+          <p:cNvPr id="4" name="Text Placeholder 3"/>
           <p:cNvSpPr>
             <a:spLocks noGrp="1"/>
           </p:cNvSpPr>
@@ -2684,18 +2315,13 @@
               <a:rPr lang="en-GB"/>
               <a:t>Click to edit Master text styles</a:t>
             </a:r>
-          </a:p>
-        </p:txBody>
-      </p:sp>
-      <p:sp>
-        <p:nvSpPr>
-          <p:cNvPr id="5" name="Date Placeholder 4">
-            <a:extLst>
-              <a:ext uri="{FF2B5EF4-FFF2-40B4-BE49-F238E27FC236}">
-                <a16:creationId xmlns:a16="http://schemas.microsoft.com/office/drawing/2014/main" id="{8CB0F8F8-0992-485F-ED1F-1042FDAE70FD}"/>
-              </a:ext>
-            </a:extLst>
-          </p:cNvPr>
+            <a:endParaRPr lang="en-GB"/>
+          </a:p>
+        </p:txBody>
+      </p:sp>
+      <p:sp>
+        <p:nvSpPr>
+          <p:cNvPr id="5" name="Date Placeholder 4"/>
           <p:cNvSpPr>
             <a:spLocks noGrp="1"/>
           </p:cNvSpPr>
@@ -2709,22 +2335,15 @@
           <a:lstStyle/>
           <a:p>
             <a:fld id="{94D44B26-B4FD-C441-A89D-FFE49D58D08C}" type="datetimeFigureOut">
-              <a:rPr lang="en-DE" smtClean="0"/>
-              <a:t>05/02/2023</a:t>
+              <a:rPr lang="en-US" smtClean="0"/>
             </a:fld>
-            <a:endParaRPr lang="en-DE"/>
-          </a:p>
-        </p:txBody>
-      </p:sp>
-      <p:sp>
-        <p:nvSpPr>
-          <p:cNvPr id="6" name="Footer Placeholder 5">
-            <a:extLst>
-              <a:ext uri="{FF2B5EF4-FFF2-40B4-BE49-F238E27FC236}">
-                <a16:creationId xmlns:a16="http://schemas.microsoft.com/office/drawing/2014/main" id="{A549C461-509E-0ACD-B3D4-F16D5BDD651E}"/>
-              </a:ext>
-            </a:extLst>
-          </p:cNvPr>
+            <a:endParaRPr lang="en-US"/>
+          </a:p>
+        </p:txBody>
+      </p:sp>
+      <p:sp>
+        <p:nvSpPr>
+          <p:cNvPr id="6" name="Footer Placeholder 5"/>
           <p:cNvSpPr>
             <a:spLocks noGrp="1"/>
           </p:cNvSpPr>
@@ -2737,19 +2356,13 @@
           <a:bodyPr/>
           <a:lstStyle/>
           <a:p>
-            <a:endParaRPr lang="en-DE"/>
-          </a:p>
-        </p:txBody>
-      </p:sp>
-      <p:sp>
-        <p:nvSpPr>
-          <p:cNvPr id="7" name="Slide Number Placeholder 6">
-            <a:extLst>
-              <a:ext uri="{FF2B5EF4-FFF2-40B4-BE49-F238E27FC236}">
-                <a16:creationId xmlns:a16="http://schemas.microsoft.com/office/drawing/2014/main" id="{7CBC527D-DF46-F6F9-BED7-EF999E54F52C}"/>
-              </a:ext>
-            </a:extLst>
-          </p:cNvPr>
+            <a:endParaRPr lang="en-US"/>
+          </a:p>
+        </p:txBody>
+      </p:sp>
+      <p:sp>
+        <p:nvSpPr>
+          <p:cNvPr id="7" name="Slide Number Placeholder 6"/>
           <p:cNvSpPr>
             <a:spLocks noGrp="1"/>
           </p:cNvSpPr>
@@ -2763,19 +2376,13 @@
           <a:lstStyle/>
           <a:p>
             <a:fld id="{D005AF82-C18C-CF41-95C6-482C10DB1C3F}" type="slidenum">
-              <a:rPr lang="en-DE" smtClean="0"/>
-              <a:t>‹#›</a:t>
+              <a:rPr lang="en-US" smtClean="0"/>
             </a:fld>
-            <a:endParaRPr lang="en-DE"/>
+            <a:endParaRPr lang="en-US"/>
           </a:p>
         </p:txBody>
       </p:sp>
     </p:spTree>
-    <p:extLst>
-      <p:ext uri="{BB962C8B-B14F-4D97-AF65-F5344CB8AC3E}">
-        <p14:creationId xmlns:p14="http://schemas.microsoft.com/office/powerpoint/2010/main" val="2301530548"/>
-      </p:ext>
-    </p:extLst>
   </p:cSld>
   <p:clrMapOvr>
     <a:masterClrMapping/>
@@ -2807,13 +2414,7 @@
       </p:grpSpPr>
       <p:sp>
         <p:nvSpPr>
-          <p:cNvPr id="2" name="Title Placeholder 1">
-            <a:extLst>
-              <a:ext uri="{FF2B5EF4-FFF2-40B4-BE49-F238E27FC236}">
-                <a16:creationId xmlns:a16="http://schemas.microsoft.com/office/drawing/2014/main" id="{41EC330B-F4B6-FFE2-9C22-6D5A8BF44206}"/>
-              </a:ext>
-            </a:extLst>
-          </p:cNvPr>
+          <p:cNvPr id="2" name="Title Placeholder 1"/>
           <p:cNvSpPr>
             <a:spLocks noGrp="1"/>
           </p:cNvSpPr>
@@ -2840,19 +2441,13 @@
               <a:rPr lang="en-GB"/>
               <a:t>Click to edit Master title style</a:t>
             </a:r>
-            <a:endParaRPr lang="en-DE"/>
-          </a:p>
-        </p:txBody>
-      </p:sp>
-      <p:sp>
-        <p:nvSpPr>
-          <p:cNvPr id="3" name="Text Placeholder 2">
-            <a:extLst>
-              <a:ext uri="{FF2B5EF4-FFF2-40B4-BE49-F238E27FC236}">
-                <a16:creationId xmlns:a16="http://schemas.microsoft.com/office/drawing/2014/main" id="{17789F57-89DB-770B-E4D0-DDA9F698FE5C}"/>
-              </a:ext>
-            </a:extLst>
-          </p:cNvPr>
+            <a:endParaRPr lang="en-US"/>
+          </a:p>
+        </p:txBody>
+      </p:sp>
+      <p:sp>
+        <p:nvSpPr>
+          <p:cNvPr id="3" name="Text Placeholder 2"/>
           <p:cNvSpPr>
             <a:spLocks noGrp="1"/>
           </p:cNvSpPr>
@@ -2880,6 +2475,7 @@
               <a:rPr lang="en-GB"/>
               <a:t>Click to edit Master text styles</a:t>
             </a:r>
+            <a:endParaRPr lang="en-GB"/>
           </a:p>
           <a:p>
             <a:pPr lvl="1"/>
@@ -2887,6 +2483,7 @@
               <a:rPr lang="en-GB"/>
               <a:t>Second level</a:t>
             </a:r>
+            <a:endParaRPr lang="en-GB"/>
           </a:p>
           <a:p>
             <a:pPr lvl="2"/>
@@ -2894,6 +2491,7 @@
               <a:rPr lang="en-GB"/>
               <a:t>Third level</a:t>
             </a:r>
+            <a:endParaRPr lang="en-GB"/>
           </a:p>
           <a:p>
             <a:pPr lvl="3"/>
@@ -2901,6 +2499,7 @@
               <a:rPr lang="en-GB"/>
               <a:t>Fourth level</a:t>
             </a:r>
+            <a:endParaRPr lang="en-GB"/>
           </a:p>
           <a:p>
             <a:pPr lvl="4"/>
@@ -2908,19 +2507,13 @@
               <a:rPr lang="en-GB"/>
               <a:t>Fifth level</a:t>
             </a:r>
-            <a:endParaRPr lang="en-DE"/>
-          </a:p>
-        </p:txBody>
-      </p:sp>
-      <p:sp>
-        <p:nvSpPr>
-          <p:cNvPr id="4" name="Date Placeholder 3">
-            <a:extLst>
-              <a:ext uri="{FF2B5EF4-FFF2-40B4-BE49-F238E27FC236}">
-                <a16:creationId xmlns:a16="http://schemas.microsoft.com/office/drawing/2014/main" id="{9256A39C-3A55-2DAA-FECF-8F126B5240D1}"/>
-              </a:ext>
-            </a:extLst>
-          </p:cNvPr>
+            <a:endParaRPr lang="en-US"/>
+          </a:p>
+        </p:txBody>
+      </p:sp>
+      <p:sp>
+        <p:nvSpPr>
+          <p:cNvPr id="4" name="Date Placeholder 3"/>
           <p:cNvSpPr>
             <a:spLocks noGrp="1"/>
           </p:cNvSpPr>
@@ -2952,22 +2545,15 @@
           </a:lstStyle>
           <a:p>
             <a:fld id="{94D44B26-B4FD-C441-A89D-FFE49D58D08C}" type="datetimeFigureOut">
-              <a:rPr lang="en-DE" smtClean="0"/>
-              <a:t>05/02/2023</a:t>
+              <a:rPr lang="en-US" smtClean="0"/>
             </a:fld>
-            <a:endParaRPr lang="en-DE"/>
-          </a:p>
-        </p:txBody>
-      </p:sp>
-      <p:sp>
-        <p:nvSpPr>
-          <p:cNvPr id="5" name="Footer Placeholder 4">
-            <a:extLst>
-              <a:ext uri="{FF2B5EF4-FFF2-40B4-BE49-F238E27FC236}">
-                <a16:creationId xmlns:a16="http://schemas.microsoft.com/office/drawing/2014/main" id="{D5877367-D3FA-D4F1-0EAC-9B855190EE0B}"/>
-              </a:ext>
-            </a:extLst>
-          </p:cNvPr>
+            <a:endParaRPr lang="en-US"/>
+          </a:p>
+        </p:txBody>
+      </p:sp>
+      <p:sp>
+        <p:nvSpPr>
+          <p:cNvPr id="5" name="Footer Placeholder 4"/>
           <p:cNvSpPr>
             <a:spLocks noGrp="1"/>
           </p:cNvSpPr>
@@ -2998,19 +2584,13 @@
             </a:lvl1pPr>
           </a:lstStyle>
           <a:p>
-            <a:endParaRPr lang="en-DE"/>
-          </a:p>
-        </p:txBody>
-      </p:sp>
-      <p:sp>
-        <p:nvSpPr>
-          <p:cNvPr id="6" name="Slide Number Placeholder 5">
-            <a:extLst>
-              <a:ext uri="{FF2B5EF4-FFF2-40B4-BE49-F238E27FC236}">
-                <a16:creationId xmlns:a16="http://schemas.microsoft.com/office/drawing/2014/main" id="{8E77600C-2BB9-D5BC-5E8F-A9E72ECA37B6}"/>
-              </a:ext>
-            </a:extLst>
-          </p:cNvPr>
+            <a:endParaRPr lang="en-US"/>
+          </a:p>
+        </p:txBody>
+      </p:sp>
+      <p:sp>
+        <p:nvSpPr>
+          <p:cNvPr id="6" name="Slide Number Placeholder 5"/>
           <p:cNvSpPr>
             <a:spLocks noGrp="1"/>
           </p:cNvSpPr>
@@ -3042,19 +2622,13 @@
           </a:lstStyle>
           <a:p>
             <a:fld id="{D005AF82-C18C-CF41-95C6-482C10DB1C3F}" type="slidenum">
-              <a:rPr lang="en-DE" smtClean="0"/>
-              <a:t>‹#›</a:t>
+              <a:rPr lang="en-US" smtClean="0"/>
             </a:fld>
-            <a:endParaRPr lang="en-DE"/>
+            <a:endParaRPr lang="en-US"/>
           </a:p>
         </p:txBody>
       </p:sp>
     </p:spTree>
-    <p:extLst>
-      <p:ext uri="{BB962C8B-B14F-4D97-AF65-F5344CB8AC3E}">
-        <p14:creationId xmlns:p14="http://schemas.microsoft.com/office/powerpoint/2010/main" val="2029636128"/>
-      </p:ext>
-    </p:extLst>
   </p:cSld>
   <p:clrMap bg1="lt1" tx1="dk1" bg2="lt2" tx2="dk2" accent1="accent1" accent2="accent2" accent3="accent3" accent4="accent4" accent5="accent5" accent6="accent6" hlink="hlink" folHlink="folHlink"/>
   <p:sldLayoutIdLst>
@@ -3098,7 +2672,7 @@
         <a:spcBef>
           <a:spcPts val="1000"/>
         </a:spcBef>
-        <a:buFont typeface="Arial" panose="020B0604020202020204" pitchFamily="34" charset="0"/>
+        <a:buFont typeface="Arial" panose="02080604020202020204" pitchFamily="34" charset="0"/>
         <a:buChar char="•"/>
         <a:defRPr sz="2800" kern="1200">
           <a:solidFill>
@@ -3116,7 +2690,7 @@
         <a:spcBef>
           <a:spcPts val="500"/>
         </a:spcBef>
-        <a:buFont typeface="Arial" panose="020B0604020202020204" pitchFamily="34" charset="0"/>
+        <a:buFont typeface="Arial" panose="02080604020202020204" pitchFamily="34" charset="0"/>
         <a:buChar char="•"/>
         <a:defRPr sz="2400" kern="1200">
           <a:solidFill>
@@ -3134,7 +2708,7 @@
         <a:spcBef>
           <a:spcPts val="500"/>
         </a:spcBef>
-        <a:buFont typeface="Arial" panose="020B0604020202020204" pitchFamily="34" charset="0"/>
+        <a:buFont typeface="Arial" panose="02080604020202020204" pitchFamily="34" charset="0"/>
         <a:buChar char="•"/>
         <a:defRPr sz="2000" kern="1200">
           <a:solidFill>
@@ -3152,7 +2726,7 @@
         <a:spcBef>
           <a:spcPts val="500"/>
         </a:spcBef>
-        <a:buFont typeface="Arial" panose="020B0604020202020204" pitchFamily="34" charset="0"/>
+        <a:buFont typeface="Arial" panose="02080604020202020204" pitchFamily="34" charset="0"/>
         <a:buChar char="•"/>
         <a:defRPr sz="1800" kern="1200">
           <a:solidFill>
@@ -3170,7 +2744,7 @@
         <a:spcBef>
           <a:spcPts val="500"/>
         </a:spcBef>
-        <a:buFont typeface="Arial" panose="020B0604020202020204" pitchFamily="34" charset="0"/>
+        <a:buFont typeface="Arial" panose="02080604020202020204" pitchFamily="34" charset="0"/>
         <a:buChar char="•"/>
         <a:defRPr sz="1800" kern="1200">
           <a:solidFill>
@@ -3188,7 +2762,7 @@
         <a:spcBef>
           <a:spcPts val="500"/>
         </a:spcBef>
-        <a:buFont typeface="Arial" panose="020B0604020202020204" pitchFamily="34" charset="0"/>
+        <a:buFont typeface="Arial" panose="02080604020202020204" pitchFamily="34" charset="0"/>
         <a:buChar char="•"/>
         <a:defRPr sz="1800" kern="1200">
           <a:solidFill>
@@ -3206,7 +2780,7 @@
         <a:spcBef>
           <a:spcPts val="500"/>
         </a:spcBef>
-        <a:buFont typeface="Arial" panose="020B0604020202020204" pitchFamily="34" charset="0"/>
+        <a:buFont typeface="Arial" panose="02080604020202020204" pitchFamily="34" charset="0"/>
         <a:buChar char="•"/>
         <a:defRPr sz="1800" kern="1200">
           <a:solidFill>
@@ -3224,7 +2798,7 @@
         <a:spcBef>
           <a:spcPts val="500"/>
         </a:spcBef>
-        <a:buFont typeface="Arial" panose="020B0604020202020204" pitchFamily="34" charset="0"/>
+        <a:buFont typeface="Arial" panose="02080604020202020204" pitchFamily="34" charset="0"/>
         <a:buChar char="•"/>
         <a:defRPr sz="1800" kern="1200">
           <a:solidFill>
@@ -3242,7 +2816,7 @@
         <a:spcBef>
           <a:spcPts val="500"/>
         </a:spcBef>
-        <a:buFont typeface="Arial" panose="020B0604020202020204" pitchFamily="34" charset="0"/>
+        <a:buFont typeface="Arial" panose="02080604020202020204" pitchFamily="34" charset="0"/>
         <a:buChar char="•"/>
         <a:defRPr sz="1800" kern="1200">
           <a:solidFill>
@@ -3256,7 +2830,7 @@
     </p:bodyStyle>
     <p:otherStyle>
       <a:defPPr>
-        <a:defRPr lang="en-DE"/>
+        <a:defRPr lang="en-US"/>
       </a:defPPr>
       <a:lvl1pPr marL="0" algn="l" defTabSz="914400" rtl="0" eaLnBrk="1" latinLnBrk="0" hangingPunct="1">
         <a:defRPr sz="1800" kern="1200">
@@ -3372,13 +2946,7 @@
       </p:grpSpPr>
       <p:sp>
         <p:nvSpPr>
-          <p:cNvPr id="2" name="Title 1">
-            <a:extLst>
-              <a:ext uri="{FF2B5EF4-FFF2-40B4-BE49-F238E27FC236}">
-                <a16:creationId xmlns:a16="http://schemas.microsoft.com/office/drawing/2014/main" id="{F59C4F08-8FC8-6E5E-2525-05DACB765DB8}"/>
-              </a:ext>
-            </a:extLst>
-          </p:cNvPr>
+          <p:cNvPr id="2" name="Title 1"/>
           <p:cNvSpPr>
             <a:spLocks noGrp="1"/>
           </p:cNvSpPr>
@@ -3392,21 +2960,16 @@
           <a:lstStyle/>
           <a:p>
             <a:r>
-              <a:rPr lang="en-DE" dirty="0"/>
+              <a:rPr lang="en-US" dirty="0"/>
               <a:t>Scientific Research Methods </a:t>
             </a:r>
-          </a:p>
-        </p:txBody>
-      </p:sp>
-      <p:sp>
-        <p:nvSpPr>
-          <p:cNvPr id="3" name="Subtitle 2">
-            <a:extLst>
-              <a:ext uri="{FF2B5EF4-FFF2-40B4-BE49-F238E27FC236}">
-                <a16:creationId xmlns:a16="http://schemas.microsoft.com/office/drawing/2014/main" id="{3A5A785F-F91C-9ADE-51A0-12F41DBCBB0D}"/>
-              </a:ext>
-            </a:extLst>
-          </p:cNvPr>
+            <a:endParaRPr lang="en-US" dirty="0"/>
+          </a:p>
+        </p:txBody>
+      </p:sp>
+      <p:sp>
+        <p:nvSpPr>
+          <p:cNvPr id="3" name="Subtitle 2"/>
           <p:cNvSpPr>
             <a:spLocks noGrp="1"/>
           </p:cNvSpPr>
@@ -3424,24 +2987,21 @@
               <a:t>B</a:t>
             </a:r>
             <a:r>
-              <a:rPr lang="en-DE" dirty="0"/>
+              <a:rPr lang="en-US" dirty="0"/>
               <a:t>y Dr. Charles Hategekimana</a:t>
             </a:r>
-          </a:p>
-          <a:p>
-            <a:r>
-              <a:rPr lang="en-DE" dirty="0"/>
+            <a:endParaRPr lang="en-US" dirty="0"/>
+          </a:p>
+          <a:p>
+            <a:r>
+              <a:rPr lang="en-US" dirty="0"/>
               <a:t>7</a:t>
             </a:r>
+            <a:endParaRPr lang="en-US" dirty="0"/>
           </a:p>
         </p:txBody>
       </p:sp>
     </p:spTree>
-    <p:extLst>
-      <p:ext uri="{BB962C8B-B14F-4D97-AF65-F5344CB8AC3E}">
-        <p14:creationId xmlns:p14="http://schemas.microsoft.com/office/powerpoint/2010/main" val="3782009100"/>
-      </p:ext>
-    </p:extLst>
   </p:cSld>
   <p:clrMapOvr>
     <a:masterClrMapping/>
@@ -3468,13 +3028,7 @@
       </p:grpSpPr>
       <p:sp>
         <p:nvSpPr>
-          <p:cNvPr id="2" name="Title 1">
-            <a:extLst>
-              <a:ext uri="{FF2B5EF4-FFF2-40B4-BE49-F238E27FC236}">
-                <a16:creationId xmlns:a16="http://schemas.microsoft.com/office/drawing/2014/main" id="{EF214966-2C69-8EEC-2D7A-A43D9FDCC08C}"/>
-              </a:ext>
-            </a:extLst>
-          </p:cNvPr>
+          <p:cNvPr id="2" name="Title 1"/>
           <p:cNvSpPr>
             <a:spLocks noGrp="1"/>
           </p:cNvSpPr>
@@ -3514,24 +3068,18 @@
               <a:t> the interviewer should ask the interviewee</a:t>
             </a:r>
             <a:r>
-              <a:rPr lang="en-DE" sz="2400" dirty="0">
+              <a:rPr lang="en-US" sz="2400" dirty="0">
                 <a:effectLst/>
               </a:rPr>
               <a:t> </a:t>
             </a:r>
-            <a:endParaRPr lang="en-DE" sz="2400" dirty="0"/>
-          </a:p>
-        </p:txBody>
-      </p:sp>
-      <p:sp>
-        <p:nvSpPr>
-          <p:cNvPr id="3" name="Content Placeholder 2">
-            <a:extLst>
-              <a:ext uri="{FF2B5EF4-FFF2-40B4-BE49-F238E27FC236}">
-                <a16:creationId xmlns:a16="http://schemas.microsoft.com/office/drawing/2014/main" id="{AAC5010E-DA1B-36CC-C344-935356557FCC}"/>
-              </a:ext>
-            </a:extLst>
-          </p:cNvPr>
+            <a:endParaRPr lang="en-US" sz="2400" dirty="0"/>
+          </a:p>
+        </p:txBody>
+      </p:sp>
+      <p:sp>
+        <p:nvSpPr>
+          <p:cNvPr id="3" name="Content Placeholder 2"/>
           <p:cNvSpPr>
             <a:spLocks noGrp="1"/>
           </p:cNvSpPr>
@@ -3584,7 +3132,7 @@
               </a:rPr>
               <a:t> questions (e.g. what do you mean by…)</a:t>
             </a:r>
-            <a:endParaRPr lang="en-DE" sz="2400" dirty="0">
+            <a:endParaRPr lang="en-US" sz="2400" dirty="0">
               <a:effectLst/>
               <a:latin typeface="Times New Roman" panose="02020603050405020304" pitchFamily="18" charset="0"/>
               <a:ea typeface="PMingLiU" panose="02020500000000000000" pitchFamily="18" charset="-120"/>
@@ -3611,7 +3159,7 @@
               </a:rPr>
               <a:t> questions (e.g. you said earlier that…)</a:t>
             </a:r>
-            <a:endParaRPr lang="en-DE" sz="2400" dirty="0">
+            <a:endParaRPr lang="en-US" sz="2400" dirty="0">
               <a:effectLst/>
               <a:latin typeface="Times New Roman" panose="02020603050405020304" pitchFamily="18" charset="0"/>
               <a:ea typeface="PMingLiU" panose="02020500000000000000" pitchFamily="18" charset="-120"/>
@@ -3638,7 +3186,7 @@
               </a:rPr>
               <a:t> questions (e.g. what effect it can bring…)</a:t>
             </a:r>
-            <a:endParaRPr lang="en-DE" sz="2400" dirty="0">
+            <a:endParaRPr lang="en-US" sz="2400" dirty="0">
               <a:effectLst/>
               <a:latin typeface="Times New Roman" panose="02020603050405020304" pitchFamily="18" charset="0"/>
               <a:ea typeface="PMingLiU" panose="02020500000000000000" pitchFamily="18" charset="-120"/>
@@ -3665,7 +3213,7 @@
               </a:rPr>
               <a:t> questions (e.g. do you find easy continuing working in this condition?)</a:t>
             </a:r>
-            <a:endParaRPr lang="en-DE" sz="2400" dirty="0">
+            <a:endParaRPr lang="en-US" sz="2400" dirty="0">
               <a:effectLst/>
               <a:latin typeface="Times New Roman" panose="02020603050405020304" pitchFamily="18" charset="0"/>
               <a:ea typeface="PMingLiU" panose="02020500000000000000" pitchFamily="18" charset="-120"/>
@@ -3692,7 +3240,7 @@
               </a:rPr>
               <a:t> questions (e.g. what do you think about this case?)</a:t>
             </a:r>
-            <a:endParaRPr lang="en-DE" sz="2400" dirty="0">
+            <a:endParaRPr lang="en-US" sz="2400" dirty="0">
               <a:effectLst/>
               <a:latin typeface="Times New Roman" panose="02020603050405020304" pitchFamily="18" charset="0"/>
               <a:ea typeface="PMingLiU" panose="02020500000000000000" pitchFamily="18" charset="-120"/>
@@ -3719,7 +3267,7 @@
               </a:rPr>
               <a:t> question (I would like to move to the next question)</a:t>
             </a:r>
-            <a:endParaRPr lang="en-DE" sz="2400" dirty="0">
+            <a:endParaRPr lang="en-US" sz="2400" dirty="0">
               <a:effectLst/>
               <a:latin typeface="Times New Roman" panose="02020603050405020304" pitchFamily="18" charset="0"/>
               <a:ea typeface="PMingLiU" panose="02020500000000000000" pitchFamily="18" charset="-120"/>
@@ -3746,7 +3294,7 @@
               </a:rPr>
               <a:t> (for the reflexion)</a:t>
             </a:r>
-            <a:endParaRPr lang="en-DE" sz="2400" dirty="0">
+            <a:endParaRPr lang="en-US" sz="2400" dirty="0">
               <a:effectLst/>
               <a:latin typeface="Times New Roman" panose="02020603050405020304" pitchFamily="18" charset="0"/>
               <a:ea typeface="PMingLiU" panose="02020500000000000000" pitchFamily="18" charset="-120"/>
@@ -3773,7 +3321,7 @@
               </a:rPr>
               <a:t> (do you mean by that…)</a:t>
             </a:r>
-            <a:endParaRPr lang="en-DE" sz="2400" dirty="0">
+            <a:endParaRPr lang="en-US" sz="2400" dirty="0">
               <a:effectLst/>
               <a:latin typeface="Times New Roman" panose="02020603050405020304" pitchFamily="18" charset="0"/>
               <a:ea typeface="PMingLiU" panose="02020500000000000000" pitchFamily="18" charset="-120"/>
@@ -3782,11 +3330,6 @@
         </p:txBody>
       </p:sp>
     </p:spTree>
-    <p:extLst>
-      <p:ext uri="{BB962C8B-B14F-4D97-AF65-F5344CB8AC3E}">
-        <p14:creationId xmlns:p14="http://schemas.microsoft.com/office/powerpoint/2010/main" val="2993018822"/>
-      </p:ext>
-    </p:extLst>
   </p:cSld>
   <p:clrMapOvr>
     <a:masterClrMapping/>
@@ -3813,13 +3356,7 @@
       </p:grpSpPr>
       <p:sp>
         <p:nvSpPr>
-          <p:cNvPr id="2" name="Title 1">
-            <a:extLst>
-              <a:ext uri="{FF2B5EF4-FFF2-40B4-BE49-F238E27FC236}">
-                <a16:creationId xmlns:a16="http://schemas.microsoft.com/office/drawing/2014/main" id="{C0C509F7-147B-030F-521F-58D4149A0C8B}"/>
-              </a:ext>
-            </a:extLst>
-          </p:cNvPr>
+          <p:cNvPr id="2" name="Title 1"/>
           <p:cNvSpPr>
             <a:spLocks noGrp="1"/>
           </p:cNvSpPr>
@@ -3833,21 +3370,16 @@
           <a:lstStyle/>
           <a:p>
             <a:r>
-              <a:rPr lang="en-DE" dirty="0"/>
+              <a:rPr lang="en-US" dirty="0"/>
               <a:t>Types of interviews</a:t>
             </a:r>
-          </a:p>
-        </p:txBody>
-      </p:sp>
-      <p:sp>
-        <p:nvSpPr>
-          <p:cNvPr id="3" name="Content Placeholder 2">
-            <a:extLst>
-              <a:ext uri="{FF2B5EF4-FFF2-40B4-BE49-F238E27FC236}">
-                <a16:creationId xmlns:a16="http://schemas.microsoft.com/office/drawing/2014/main" id="{F7E3657D-3F1F-81D9-13BD-701A26A9A83A}"/>
-              </a:ext>
-            </a:extLst>
-          </p:cNvPr>
+            <a:endParaRPr lang="en-US" dirty="0"/>
+          </a:p>
+        </p:txBody>
+      </p:sp>
+      <p:sp>
+        <p:nvSpPr>
+          <p:cNvPr id="3" name="Content Placeholder 2"/>
           <p:cNvSpPr>
             <a:spLocks noGrp="1"/>
           </p:cNvSpPr>
@@ -3880,7 +3412,7 @@
               </a:rPr>
               <a:t>Informal interviews </a:t>
             </a:r>
-            <a:endParaRPr lang="en-DE" sz="3200" dirty="0">
+            <a:endParaRPr lang="en-US" sz="3200" dirty="0">
               <a:effectLst/>
               <a:latin typeface="Times New Roman" panose="02020603050405020304" pitchFamily="18" charset="0"/>
               <a:ea typeface="PMingLiU" panose="02020500000000000000" pitchFamily="18" charset="-120"/>
@@ -3905,7 +3437,7 @@
               </a:rPr>
               <a:t>Unstructured interviews</a:t>
             </a:r>
-            <a:endParaRPr lang="en-DE" sz="3200" dirty="0">
+            <a:endParaRPr lang="en-US" sz="3200" dirty="0">
               <a:effectLst/>
               <a:latin typeface="Times New Roman" panose="02020603050405020304" pitchFamily="18" charset="0"/>
               <a:ea typeface="PMingLiU" panose="02020500000000000000" pitchFamily="18" charset="-120"/>
@@ -3930,7 +3462,7 @@
               </a:rPr>
               <a:t>Oral history or biographic interviews</a:t>
             </a:r>
-            <a:endParaRPr lang="en-DE" sz="3200" dirty="0">
+            <a:endParaRPr lang="en-US" sz="3200" dirty="0">
               <a:effectLst/>
               <a:latin typeface="Times New Roman" panose="02020603050405020304" pitchFamily="18" charset="0"/>
               <a:ea typeface="PMingLiU" panose="02020500000000000000" pitchFamily="18" charset="-120"/>
@@ -3955,7 +3487,7 @@
               </a:rPr>
               <a:t>Narrative interviews</a:t>
             </a:r>
-            <a:endParaRPr lang="en-DE" sz="3200" dirty="0">
+            <a:endParaRPr lang="en-US" sz="3200" dirty="0">
               <a:effectLst/>
               <a:latin typeface="Times New Roman" panose="02020603050405020304" pitchFamily="18" charset="0"/>
               <a:ea typeface="PMingLiU" panose="02020500000000000000" pitchFamily="18" charset="-120"/>
@@ -3980,7 +3512,7 @@
               </a:rPr>
               <a:t>Semi-structured interviews</a:t>
             </a:r>
-            <a:endParaRPr lang="en-DE" sz="3200" dirty="0">
+            <a:endParaRPr lang="en-US" sz="3200" dirty="0">
               <a:effectLst/>
               <a:latin typeface="Times New Roman" panose="02020603050405020304" pitchFamily="18" charset="0"/>
               <a:ea typeface="PMingLiU" panose="02020500000000000000" pitchFamily="18" charset="-120"/>
@@ -4005,7 +3537,7 @@
               </a:rPr>
               <a:t>Group interview or focus group discussion</a:t>
             </a:r>
-            <a:endParaRPr lang="en-DE" sz="3200" dirty="0">
+            <a:endParaRPr lang="en-US" sz="3200" dirty="0">
               <a:effectLst/>
               <a:latin typeface="Times New Roman" panose="02020603050405020304" pitchFamily="18" charset="0"/>
               <a:ea typeface="PMingLiU" panose="02020500000000000000" pitchFamily="18" charset="-120"/>
@@ -4020,16 +3552,11 @@
               </a:rPr>
               <a:t>The individual interview </a:t>
             </a:r>
-            <a:endParaRPr lang="en-DE" sz="3200" dirty="0"/>
+            <a:endParaRPr lang="en-US" sz="3200" dirty="0"/>
           </a:p>
         </p:txBody>
       </p:sp>
     </p:spTree>
-    <p:extLst>
-      <p:ext uri="{BB962C8B-B14F-4D97-AF65-F5344CB8AC3E}">
-        <p14:creationId xmlns:p14="http://schemas.microsoft.com/office/powerpoint/2010/main" val="2410992589"/>
-      </p:ext>
-    </p:extLst>
   </p:cSld>
   <p:clrMapOvr>
     <a:masterClrMapping/>
@@ -4056,13 +3583,7 @@
       </p:grpSpPr>
       <p:sp>
         <p:nvSpPr>
-          <p:cNvPr id="2" name="Title 1">
-            <a:extLst>
-              <a:ext uri="{FF2B5EF4-FFF2-40B4-BE49-F238E27FC236}">
-                <a16:creationId xmlns:a16="http://schemas.microsoft.com/office/drawing/2014/main" id="{A73DFC89-4098-139F-A918-D956F9E521B6}"/>
-              </a:ext>
-            </a:extLst>
-          </p:cNvPr>
+          <p:cNvPr id="2" name="Title 1"/>
           <p:cNvSpPr>
             <a:spLocks noGrp="1"/>
           </p:cNvSpPr>
@@ -4076,21 +3597,16 @@
           <a:lstStyle/>
           <a:p>
             <a:r>
-              <a:rPr lang="en-DE" dirty="0"/>
+              <a:rPr lang="en-US" dirty="0"/>
               <a:t>Questionnaire</a:t>
             </a:r>
-          </a:p>
-        </p:txBody>
-      </p:sp>
-      <p:sp>
-        <p:nvSpPr>
-          <p:cNvPr id="3" name="Content Placeholder 2">
-            <a:extLst>
-              <a:ext uri="{FF2B5EF4-FFF2-40B4-BE49-F238E27FC236}">
-                <a16:creationId xmlns:a16="http://schemas.microsoft.com/office/drawing/2014/main" id="{FA8AA19A-F2A5-493D-9F5D-1A31466F10A1}"/>
-              </a:ext>
-            </a:extLst>
-          </p:cNvPr>
+            <a:endParaRPr lang="en-US" dirty="0"/>
+          </a:p>
+        </p:txBody>
+      </p:sp>
+      <p:sp>
+        <p:nvSpPr>
+          <p:cNvPr id="3" name="Content Placeholder 2"/>
           <p:cNvSpPr>
             <a:spLocks noGrp="1"/>
           </p:cNvSpPr>
@@ -4120,7 +3636,7 @@
               </a:rPr>
               <a:t>The investigation by questionnaire consists in giving, in a written form, to individuals a set of relative questions to a situation, to their opinion, to their expectations, to their level of knowledge or conscience of a problem or all other point that interests the researcher. It requires written answers.  </a:t>
             </a:r>
-            <a:endParaRPr lang="en-DE" dirty="0">
+            <a:endParaRPr lang="en-US" dirty="0">
               <a:effectLst/>
               <a:latin typeface="Times New Roman" panose="02020603050405020304" pitchFamily="18" charset="0"/>
               <a:ea typeface="PMingLiU" panose="02020500000000000000" pitchFamily="18" charset="-120"/>
@@ -4135,7 +3651,7 @@
                 <a:tab pos="2171700" algn="l"/>
               </a:tabLst>
             </a:pPr>
-            <a:endParaRPr lang="en-DE" dirty="0">
+            <a:endParaRPr lang="en-US" dirty="0">
               <a:effectLst/>
               <a:latin typeface="Times New Roman" panose="02020603050405020304" pitchFamily="18" charset="0"/>
               <a:ea typeface="PMingLiU" panose="02020500000000000000" pitchFamily="18" charset="-120"/>
@@ -4157,7 +3673,7 @@
               </a:rPr>
               <a:t>One can distinguish two types of questionnaires:  </a:t>
             </a:r>
-            <a:endParaRPr lang="en-DE" dirty="0">
+            <a:endParaRPr lang="en-US" dirty="0">
               <a:effectLst/>
               <a:latin typeface="Times New Roman" panose="02020603050405020304" pitchFamily="18" charset="0"/>
               <a:ea typeface="PMingLiU" panose="02020500000000000000" pitchFamily="18" charset="-120"/>
@@ -4181,7 +3697,7 @@
               </a:rPr>
               <a:t>The questions with closed answers or fixed in advance  </a:t>
             </a:r>
-            <a:endParaRPr lang="en-DE" dirty="0">
+            <a:endParaRPr lang="en-US" dirty="0">
               <a:latin typeface="Times New Roman" panose="02020603050405020304" pitchFamily="18" charset="0"/>
               <a:ea typeface="PMingLiU" panose="02020500000000000000" pitchFamily="18" charset="-120"/>
             </a:endParaRPr>
@@ -4203,16 +3719,11 @@
               </a:rPr>
               <a:t>- The questions with open answers </a:t>
             </a:r>
-            <a:endParaRPr lang="en-DE" dirty="0"/>
+            <a:endParaRPr lang="en-US" dirty="0"/>
           </a:p>
         </p:txBody>
       </p:sp>
     </p:spTree>
-    <p:extLst>
-      <p:ext uri="{BB962C8B-B14F-4D97-AF65-F5344CB8AC3E}">
-        <p14:creationId xmlns:p14="http://schemas.microsoft.com/office/powerpoint/2010/main" val="2698811242"/>
-      </p:ext>
-    </p:extLst>
   </p:cSld>
   <p:clrMapOvr>
     <a:masterClrMapping/>
@@ -4239,13 +3750,7 @@
       </p:grpSpPr>
       <p:sp>
         <p:nvSpPr>
-          <p:cNvPr id="2" name="Title 1">
-            <a:extLst>
-              <a:ext uri="{FF2B5EF4-FFF2-40B4-BE49-F238E27FC236}">
-                <a16:creationId xmlns:a16="http://schemas.microsoft.com/office/drawing/2014/main" id="{554740FA-D9A6-261F-68A0-AD5C022D42F7}"/>
-              </a:ext>
-            </a:extLst>
-          </p:cNvPr>
+          <p:cNvPr id="2" name="Title 1"/>
           <p:cNvSpPr>
             <a:spLocks noGrp="1"/>
           </p:cNvSpPr>
@@ -4259,21 +3764,16 @@
           <a:lstStyle/>
           <a:p>
             <a:r>
-              <a:rPr lang="en-DE" dirty="0"/>
+              <a:rPr lang="en-US" dirty="0"/>
               <a:t>Reliability, validity and ethical consideration</a:t>
             </a:r>
-          </a:p>
-        </p:txBody>
-      </p:sp>
-      <p:sp>
-        <p:nvSpPr>
-          <p:cNvPr id="3" name="Content Placeholder 2">
-            <a:extLst>
-              <a:ext uri="{FF2B5EF4-FFF2-40B4-BE49-F238E27FC236}">
-                <a16:creationId xmlns:a16="http://schemas.microsoft.com/office/drawing/2014/main" id="{F3CDA8AE-215E-764E-FE43-D57C5EB53453}"/>
-              </a:ext>
-            </a:extLst>
-          </p:cNvPr>
+            <a:endParaRPr lang="en-US" dirty="0"/>
+          </a:p>
+        </p:txBody>
+      </p:sp>
+      <p:sp>
+        <p:nvSpPr>
+          <p:cNvPr id="3" name="Content Placeholder 2"/>
           <p:cNvSpPr>
             <a:spLocks noGrp="1"/>
           </p:cNvSpPr>
@@ -4313,11 +3813,14 @@
               <a:t>through correlating responses of each question in the questionnaire with those of another question in the questionnaire (Saunders, Lewis, &amp; Thornhill, 2009)</a:t>
             </a:r>
             <a:r>
-              <a:rPr lang="en-DE" sz="2200" dirty="0">
+              <a:rPr lang="en-US" sz="2200" dirty="0">
                 <a:effectLst/>
               </a:rPr>
               <a:t> </a:t>
             </a:r>
+            <a:endParaRPr lang="en-US" sz="2200" dirty="0">
+              <a:effectLst/>
+            </a:endParaRPr>
           </a:p>
           <a:p>
             <a:r>
@@ -4328,7 +3831,7 @@
               </a:rPr>
               <a:t>The questionnaires must be validated by 4 experts maximum. They check if questions are clear about the data required and the way questions were worded to sound well by giving dignity to respondents in a special way.</a:t>
             </a:r>
-            <a:endParaRPr lang="en-DE" sz="2200" dirty="0">
+            <a:endParaRPr lang="en-US" sz="2200" dirty="0">
               <a:effectLst/>
               <a:latin typeface="Times New Roman" panose="02020603050405020304" pitchFamily="18" charset="0"/>
               <a:ea typeface="PMingLiU" panose="02020500000000000000" pitchFamily="18" charset="-120"/>
@@ -4360,7 +3863,7 @@
               </a:rPr>
               <a:t>.</a:t>
             </a:r>
-            <a:endParaRPr lang="en-DE" sz="2200" dirty="0">
+            <a:endParaRPr lang="en-US" sz="2200" dirty="0">
               <a:effectLst/>
               <a:latin typeface="Times New Roman" panose="02020603050405020304" pitchFamily="18" charset="0"/>
               <a:ea typeface="PMingLiU" panose="02020500000000000000" pitchFamily="18" charset="-120"/>
@@ -4408,7 +3911,7 @@
               </a:rPr>
               <a:t>.  A self administered questionnaires can be used.</a:t>
             </a:r>
-            <a:endParaRPr lang="en-DE" sz="2200" dirty="0">
+            <a:endParaRPr lang="en-US" sz="2200" dirty="0">
               <a:effectLst/>
               <a:latin typeface="Times New Roman" panose="02020603050405020304" pitchFamily="18" charset="0"/>
               <a:ea typeface="PMingLiU" panose="02020500000000000000" pitchFamily="18" charset="-120"/>
@@ -4417,11 +3920,6 @@
         </p:txBody>
       </p:sp>
     </p:spTree>
-    <p:extLst>
-      <p:ext uri="{BB962C8B-B14F-4D97-AF65-F5344CB8AC3E}">
-        <p14:creationId xmlns:p14="http://schemas.microsoft.com/office/powerpoint/2010/main" val="3599353399"/>
-      </p:ext>
-    </p:extLst>
   </p:cSld>
   <p:clrMapOvr>
     <a:masterClrMapping/>
@@ -4448,13 +3946,7 @@
       </p:grpSpPr>
       <p:sp>
         <p:nvSpPr>
-          <p:cNvPr id="2" name="Title 1">
-            <a:extLst>
-              <a:ext uri="{FF2B5EF4-FFF2-40B4-BE49-F238E27FC236}">
-                <a16:creationId xmlns:a16="http://schemas.microsoft.com/office/drawing/2014/main" id="{FFF78B87-161B-1B77-87E0-C738CE648FF8}"/>
-              </a:ext>
-            </a:extLst>
-          </p:cNvPr>
+          <p:cNvPr id="2" name="Title 1"/>
           <p:cNvSpPr>
             <a:spLocks noGrp="1"/>
           </p:cNvSpPr>
@@ -4468,28 +3960,23 @@
           <a:lstStyle/>
           <a:p>
             <a:r>
-              <a:rPr lang="en-DE" dirty="0"/>
+              <a:rPr lang="en-US" dirty="0"/>
               <a:t>Observation,</a:t>
             </a:r>
             <a:br>
-              <a:rPr lang="en-DE" dirty="0"/>
+              <a:rPr lang="en-US" dirty="0"/>
             </a:br>
             <a:r>
-              <a:rPr lang="en-DE" dirty="0"/>
+              <a:rPr lang="en-US" dirty="0"/>
               <a:t>Direct observation</a:t>
             </a:r>
-          </a:p>
-        </p:txBody>
-      </p:sp>
-      <p:sp>
-        <p:nvSpPr>
-          <p:cNvPr id="3" name="Content Placeholder 2">
-            <a:extLst>
-              <a:ext uri="{FF2B5EF4-FFF2-40B4-BE49-F238E27FC236}">
-                <a16:creationId xmlns:a16="http://schemas.microsoft.com/office/drawing/2014/main" id="{AAA40DC0-86F5-16AE-48A8-25B65E035CCF}"/>
-              </a:ext>
-            </a:extLst>
-          </p:cNvPr>
+            <a:endParaRPr lang="en-US" dirty="0"/>
+          </a:p>
+        </p:txBody>
+      </p:sp>
+      <p:sp>
+        <p:nvSpPr>
+          <p:cNvPr id="3" name="Content Placeholder 2"/>
           <p:cNvSpPr>
             <a:spLocks noGrp="1"/>
           </p:cNvSpPr>
@@ -4519,7 +4006,7 @@
               </a:rPr>
               <a:t>The direct observation is the one where the researcher conducts himself the compilation of the information directly, to the individuals of observation. It calls directly on its sense of observation.  </a:t>
             </a:r>
-            <a:endParaRPr lang="en-DE" sz="2000" dirty="0">
+            <a:endParaRPr lang="en-US" sz="2000" dirty="0">
               <a:effectLst/>
               <a:latin typeface="Times New Roman" panose="02020603050405020304" pitchFamily="18" charset="0"/>
               <a:ea typeface="PMingLiU" panose="02020500000000000000" pitchFamily="18" charset="-120"/>
@@ -4533,7 +4020,7 @@
                 <a:tab pos="2171700" algn="l"/>
               </a:tabLst>
             </a:pPr>
-            <a:endParaRPr lang="en-DE" sz="2000" dirty="0">
+            <a:endParaRPr lang="en-US" sz="2000" dirty="0">
               <a:effectLst/>
               <a:latin typeface="Times New Roman" panose="02020603050405020304" pitchFamily="18" charset="0"/>
               <a:ea typeface="PMingLiU" panose="02020500000000000000" pitchFamily="18" charset="-120"/>
@@ -4555,7 +4042,7 @@
               </a:rPr>
               <a:t>It corresponds best to the principles of objectivity and is more scientific. Its features are the following:  </a:t>
             </a:r>
-            <a:endParaRPr lang="en-DE" sz="2000" dirty="0">
+            <a:endParaRPr lang="en-US" sz="2000" dirty="0">
               <a:effectLst/>
               <a:latin typeface="Times New Roman" panose="02020603050405020304" pitchFamily="18" charset="0"/>
               <a:ea typeface="PMingLiU" panose="02020500000000000000" pitchFamily="18" charset="-120"/>
@@ -4577,7 +4064,7 @@
               </a:rPr>
               <a:t>- The studied phenomenon is observed to the very instant where it occurs (here and now)  </a:t>
             </a:r>
-            <a:endParaRPr lang="en-DE" sz="2000" dirty="0">
+            <a:endParaRPr lang="en-US" sz="2000" dirty="0">
               <a:effectLst/>
               <a:latin typeface="Times New Roman" panose="02020603050405020304" pitchFamily="18" charset="0"/>
               <a:ea typeface="PMingLiU" panose="02020500000000000000" pitchFamily="18" charset="-120"/>
@@ -4599,7 +4086,7 @@
               </a:rPr>
               <a:t>- The observer's role is the most neutral possible. It notes, it records the event, as it occurs.  </a:t>
             </a:r>
-            <a:endParaRPr lang="en-DE" sz="2000" dirty="0">
+            <a:endParaRPr lang="en-US" sz="2000" dirty="0">
               <a:effectLst/>
               <a:latin typeface="Times New Roman" panose="02020603050405020304" pitchFamily="18" charset="0"/>
               <a:ea typeface="PMingLiU" panose="02020500000000000000" pitchFamily="18" charset="-120"/>
@@ -4621,7 +4108,7 @@
               </a:rPr>
               <a:t>- The observations are made by means of a observation guide (grid).  </a:t>
             </a:r>
-            <a:endParaRPr lang="en-DE" sz="2000" dirty="0">
+            <a:endParaRPr lang="en-US" sz="2000" dirty="0">
               <a:effectLst/>
               <a:latin typeface="Times New Roman" panose="02020603050405020304" pitchFamily="18" charset="0"/>
               <a:ea typeface="PMingLiU" panose="02020500000000000000" pitchFamily="18" charset="-120"/>
@@ -4643,7 +4130,7 @@
               </a:rPr>
               <a:t>- It privileges the principle of the observer-observed separation.  </a:t>
             </a:r>
-            <a:endParaRPr lang="en-DE" sz="2000" dirty="0">
+            <a:endParaRPr lang="en-US" sz="2000" dirty="0">
               <a:effectLst/>
               <a:latin typeface="Times New Roman" panose="02020603050405020304" pitchFamily="18" charset="0"/>
               <a:ea typeface="PMingLiU" panose="02020500000000000000" pitchFamily="18" charset="-120"/>
@@ -4665,7 +4152,7 @@
               </a:rPr>
               <a:t>- Its quality depends on the observation guide in relation to the studied phenomena and the rigor with which the grid is used.   </a:t>
             </a:r>
-            <a:endParaRPr lang="en-DE" sz="2000" dirty="0">
+            <a:endParaRPr lang="en-US" sz="2000" dirty="0">
               <a:effectLst/>
               <a:latin typeface="Times New Roman" panose="02020603050405020304" pitchFamily="18" charset="0"/>
               <a:ea typeface="PMingLiU" panose="02020500000000000000" pitchFamily="18" charset="-120"/>
@@ -4674,11 +4161,6 @@
         </p:txBody>
       </p:sp>
     </p:spTree>
-    <p:extLst>
-      <p:ext uri="{BB962C8B-B14F-4D97-AF65-F5344CB8AC3E}">
-        <p14:creationId xmlns:p14="http://schemas.microsoft.com/office/powerpoint/2010/main" val="1104840865"/>
-      </p:ext>
-    </p:extLst>
   </p:cSld>
   <p:clrMapOvr>
     <a:masterClrMapping/>
@@ -4705,13 +4187,7 @@
       </p:grpSpPr>
       <p:sp>
         <p:nvSpPr>
-          <p:cNvPr id="2" name="Title 1">
-            <a:extLst>
-              <a:ext uri="{FF2B5EF4-FFF2-40B4-BE49-F238E27FC236}">
-                <a16:creationId xmlns:a16="http://schemas.microsoft.com/office/drawing/2014/main" id="{D739C056-5097-95B3-9C54-3950054FE132}"/>
-              </a:ext>
-            </a:extLst>
-          </p:cNvPr>
+          <p:cNvPr id="2" name="Title 1"/>
           <p:cNvSpPr>
             <a:spLocks noGrp="1"/>
           </p:cNvSpPr>
@@ -4725,21 +4201,16 @@
           <a:lstStyle/>
           <a:p>
             <a:r>
-              <a:rPr lang="en-DE" dirty="0"/>
+              <a:rPr lang="en-US" dirty="0"/>
               <a:t>Indirect observation</a:t>
             </a:r>
-          </a:p>
-        </p:txBody>
-      </p:sp>
-      <p:sp>
-        <p:nvSpPr>
-          <p:cNvPr id="3" name="Content Placeholder 2">
-            <a:extLst>
-              <a:ext uri="{FF2B5EF4-FFF2-40B4-BE49-F238E27FC236}">
-                <a16:creationId xmlns:a16="http://schemas.microsoft.com/office/drawing/2014/main" id="{6DD2C312-D49D-DD7E-871A-34CAC1D8D04D}"/>
-              </a:ext>
-            </a:extLst>
-          </p:cNvPr>
+            <a:endParaRPr lang="en-US" dirty="0"/>
+          </a:p>
+        </p:txBody>
+      </p:sp>
+      <p:sp>
+        <p:nvSpPr>
+          <p:cNvPr id="3" name="Content Placeholder 2"/>
           <p:cNvSpPr>
             <a:spLocks noGrp="1"/>
           </p:cNvSpPr>
@@ -4760,7 +4231,7 @@
               </a:rPr>
               <a:t>In fact, in this type of observation there are two mediators between the needed information and the information gotten: the individual who is required to answer and the instrument constituted of the questions to answer. These are the two sources of distortions and mistakes that will be necessary to control so that the brought information is not distorted. In the indirect observation, the instrument of observation is either a questionnaire or an interview guide.</a:t>
             </a:r>
-            <a:endParaRPr lang="en-DE" dirty="0">
+            <a:endParaRPr lang="en-US" dirty="0">
               <a:effectLst/>
               <a:latin typeface="Times New Roman" panose="02020603050405020304" pitchFamily="18" charset="0"/>
               <a:ea typeface="PMingLiU" panose="02020500000000000000" pitchFamily="18" charset="-120"/>
@@ -4770,16 +4241,11 @@
             <a:pPr marL="0" indent="0">
               <a:buNone/>
             </a:pPr>
-            <a:endParaRPr lang="en-DE" dirty="0"/>
+            <a:endParaRPr lang="en-US" dirty="0"/>
           </a:p>
         </p:txBody>
       </p:sp>
     </p:spTree>
-    <p:extLst>
-      <p:ext uri="{BB962C8B-B14F-4D97-AF65-F5344CB8AC3E}">
-        <p14:creationId xmlns:p14="http://schemas.microsoft.com/office/powerpoint/2010/main" val="737953526"/>
-      </p:ext>
-    </p:extLst>
   </p:cSld>
   <p:clrMapOvr>
     <a:masterClrMapping/>
@@ -4806,13 +4272,7 @@
       </p:grpSpPr>
       <p:sp>
         <p:nvSpPr>
-          <p:cNvPr id="2" name="Title 1">
-            <a:extLst>
-              <a:ext uri="{FF2B5EF4-FFF2-40B4-BE49-F238E27FC236}">
-                <a16:creationId xmlns:a16="http://schemas.microsoft.com/office/drawing/2014/main" id="{A2A1F66D-648F-4424-C8B5-35D5D9D5F355}"/>
-              </a:ext>
-            </a:extLst>
-          </p:cNvPr>
+          <p:cNvPr id="2" name="Title 1"/>
           <p:cNvSpPr>
             <a:spLocks noGrp="1"/>
           </p:cNvSpPr>
@@ -4826,21 +4286,16 @@
           <a:lstStyle/>
           <a:p>
             <a:r>
-              <a:rPr lang="en-DE" dirty="0"/>
+              <a:rPr lang="en-US" dirty="0"/>
               <a:t>Participant observation</a:t>
             </a:r>
-          </a:p>
-        </p:txBody>
-      </p:sp>
-      <p:sp>
-        <p:nvSpPr>
-          <p:cNvPr id="3" name="Content Placeholder 2">
-            <a:extLst>
-              <a:ext uri="{FF2B5EF4-FFF2-40B4-BE49-F238E27FC236}">
-                <a16:creationId xmlns:a16="http://schemas.microsoft.com/office/drawing/2014/main" id="{50DC75C8-B6DF-D379-C438-DF4DEBF41A42}"/>
-              </a:ext>
-            </a:extLst>
-          </p:cNvPr>
+            <a:endParaRPr lang="en-US" dirty="0"/>
+          </a:p>
+        </p:txBody>
+      </p:sp>
+      <p:sp>
+        <p:nvSpPr>
+          <p:cNvPr id="3" name="Content Placeholder 2"/>
           <p:cNvSpPr>
             <a:spLocks noGrp="1"/>
           </p:cNvSpPr>
@@ -4870,7 +4325,7 @@
               </a:rPr>
               <a:t>It is a technique that is current in cultural anthropology and consists of what the observer identifies to the individuals that he studies by participating to their activities or lives.   </a:t>
             </a:r>
-            <a:endParaRPr lang="en-DE" sz="2000" dirty="0">
+            <a:endParaRPr lang="en-US" sz="2000" dirty="0">
               <a:effectLst/>
               <a:latin typeface="Times New Roman" panose="02020603050405020304" pitchFamily="18" charset="0"/>
               <a:ea typeface="PMingLiU" panose="02020500000000000000" pitchFamily="18" charset="-120"/>
@@ -4892,7 +4347,7 @@
               </a:rPr>
               <a:t>The assumption of basis is that to better understand the customs, the habits, the mentality of the group, it is necessary to integrate oneself in the group as much as he can.  </a:t>
             </a:r>
-            <a:endParaRPr lang="en-DE" sz="2000" dirty="0">
+            <a:endParaRPr lang="en-US" sz="2000" dirty="0">
               <a:effectLst/>
               <a:latin typeface="Times New Roman" panose="02020603050405020304" pitchFamily="18" charset="0"/>
               <a:ea typeface="PMingLiU" panose="02020500000000000000" pitchFamily="18" charset="-120"/>
@@ -4914,7 +4369,7 @@
               </a:rPr>
               <a:t>This shape of observation has following features:  </a:t>
             </a:r>
-            <a:endParaRPr lang="en-DE" sz="2000" dirty="0">
+            <a:endParaRPr lang="en-US" sz="2000" dirty="0">
               <a:effectLst/>
               <a:latin typeface="Times New Roman" panose="02020603050405020304" pitchFamily="18" charset="0"/>
               <a:ea typeface="PMingLiU" panose="02020500000000000000" pitchFamily="18" charset="-120"/>
@@ -4936,7 +4391,7 @@
               </a:rPr>
               <a:t>- The observer fits in the group that he studies. He takes part in the life of the group.  </a:t>
             </a:r>
-            <a:endParaRPr lang="en-DE" sz="2000" dirty="0">
+            <a:endParaRPr lang="en-US" sz="2000" dirty="0">
               <a:effectLst/>
               <a:latin typeface="Times New Roman" panose="02020603050405020304" pitchFamily="18" charset="0"/>
               <a:ea typeface="PMingLiU" panose="02020500000000000000" pitchFamily="18" charset="-120"/>
@@ -4958,7 +4413,7 @@
               </a:rPr>
               <a:t>- The absence of neutrality: The observer is taken in the networks of the internal relations and activities of the group. </a:t>
             </a:r>
-            <a:endParaRPr lang="en-DE" sz="2000" dirty="0">
+            <a:endParaRPr lang="en-US" sz="2000" dirty="0">
               <a:effectLst/>
               <a:latin typeface="Times New Roman" panose="02020603050405020304" pitchFamily="18" charset="0"/>
               <a:ea typeface="PMingLiU" panose="02020500000000000000" pitchFamily="18" charset="-120"/>
@@ -4980,7 +4435,7 @@
               </a:rPr>
               <a:t>- The survey and the understanding of the phenomenon are bound to the observer's personal engagement.  </a:t>
             </a:r>
-            <a:endParaRPr lang="en-DE" sz="2000" dirty="0">
+            <a:endParaRPr lang="en-US" sz="2000" dirty="0">
               <a:effectLst/>
               <a:latin typeface="Times New Roman" panose="02020603050405020304" pitchFamily="18" charset="0"/>
               <a:ea typeface="PMingLiU" panose="02020500000000000000" pitchFamily="18" charset="-120"/>
@@ -5002,7 +4457,7 @@
               </a:rPr>
               <a:t>- The observation takes place jointly to the development of research, the collection of the data. </a:t>
             </a:r>
-            <a:endParaRPr lang="en-DE" sz="2000" dirty="0">
+            <a:endParaRPr lang="en-US" sz="2000" dirty="0">
               <a:effectLst/>
               <a:latin typeface="Times New Roman" panose="02020603050405020304" pitchFamily="18" charset="0"/>
               <a:ea typeface="PMingLiU" panose="02020500000000000000" pitchFamily="18" charset="-120"/>
@@ -5011,11 +4466,6 @@
         </p:txBody>
       </p:sp>
     </p:spTree>
-    <p:extLst>
-      <p:ext uri="{BB962C8B-B14F-4D97-AF65-F5344CB8AC3E}">
-        <p14:creationId xmlns:p14="http://schemas.microsoft.com/office/powerpoint/2010/main" val="1921339020"/>
-      </p:ext>
-    </p:extLst>
   </p:cSld>
   <p:clrMapOvr>
     <a:masterClrMapping/>
@@ -5042,13 +4492,7 @@
       </p:grpSpPr>
       <p:sp>
         <p:nvSpPr>
-          <p:cNvPr id="2" name="Title 1">
-            <a:extLst>
-              <a:ext uri="{FF2B5EF4-FFF2-40B4-BE49-F238E27FC236}">
-                <a16:creationId xmlns:a16="http://schemas.microsoft.com/office/drawing/2014/main" id="{96C40BB7-D62D-73AD-C45B-8F1B550586FB}"/>
-              </a:ext>
-            </a:extLst>
-          </p:cNvPr>
+          <p:cNvPr id="2" name="Title 1"/>
           <p:cNvSpPr>
             <a:spLocks noGrp="1"/>
           </p:cNvSpPr>
@@ -5062,21 +4506,16 @@
           <a:lstStyle/>
           <a:p>
             <a:r>
-              <a:rPr lang="en-DE" dirty="0"/>
+              <a:rPr lang="en-US" dirty="0"/>
               <a:t>Documentary survey</a:t>
             </a:r>
-          </a:p>
-        </p:txBody>
-      </p:sp>
-      <p:sp>
-        <p:nvSpPr>
-          <p:cNvPr id="3" name="Content Placeholder 2">
-            <a:extLst>
-              <a:ext uri="{FF2B5EF4-FFF2-40B4-BE49-F238E27FC236}">
-                <a16:creationId xmlns:a16="http://schemas.microsoft.com/office/drawing/2014/main" id="{9AB79CF6-CF73-C782-2531-33B97FE8B899}"/>
-              </a:ext>
-            </a:extLst>
-          </p:cNvPr>
+            <a:endParaRPr lang="en-US" dirty="0"/>
+          </a:p>
+        </p:txBody>
+      </p:sp>
+      <p:sp>
+        <p:nvSpPr>
+          <p:cNvPr id="3" name="Content Placeholder 2"/>
           <p:cNvSpPr>
             <a:spLocks noGrp="1"/>
           </p:cNvSpPr>
@@ -5097,7 +4536,7 @@
               </a:rPr>
               <a:t>The term "document" already sends back to all source of information existing to which the researcher can have access. These documents can be therefore resonant (disks), Visual (drawings), audiovisual (movies), written (texts, documents) or of the objects (clothes, monuments…). </a:t>
             </a:r>
-            <a:endParaRPr lang="en-DE" dirty="0">
+            <a:endParaRPr lang="en-US" dirty="0">
               <a:effectLst/>
               <a:latin typeface="Times New Roman" panose="02020603050405020304" pitchFamily="18" charset="0"/>
               <a:ea typeface="PMingLiU" panose="02020500000000000000" pitchFamily="18" charset="-120"/>
@@ -5106,11 +4545,6 @@
         </p:txBody>
       </p:sp>
     </p:spTree>
-    <p:extLst>
-      <p:ext uri="{BB962C8B-B14F-4D97-AF65-F5344CB8AC3E}">
-        <p14:creationId xmlns:p14="http://schemas.microsoft.com/office/powerpoint/2010/main" val="2126078816"/>
-      </p:ext>
-    </p:extLst>
   </p:cSld>
   <p:clrMapOvr>
     <a:masterClrMapping/>
@@ -5137,13 +4571,7 @@
       </p:grpSpPr>
       <p:sp>
         <p:nvSpPr>
-          <p:cNvPr id="2" name="Title 1">
-            <a:extLst>
-              <a:ext uri="{FF2B5EF4-FFF2-40B4-BE49-F238E27FC236}">
-                <a16:creationId xmlns:a16="http://schemas.microsoft.com/office/drawing/2014/main" id="{139017DC-3842-CF6E-8B90-9E7E65CE20E5}"/>
-              </a:ext>
-            </a:extLst>
-          </p:cNvPr>
+          <p:cNvPr id="2" name="Title 1"/>
           <p:cNvSpPr>
             <a:spLocks noGrp="1"/>
           </p:cNvSpPr>
@@ -5157,21 +4585,16 @@
           <a:lstStyle/>
           <a:p>
             <a:r>
-              <a:rPr lang="en-DE" dirty="0"/>
+              <a:rPr lang="en-US" dirty="0"/>
               <a:t>Content analysis for the qualitative research</a:t>
             </a:r>
-          </a:p>
-        </p:txBody>
-      </p:sp>
-      <p:sp>
-        <p:nvSpPr>
-          <p:cNvPr id="3" name="Content Placeholder 2">
-            <a:extLst>
-              <a:ext uri="{FF2B5EF4-FFF2-40B4-BE49-F238E27FC236}">
-                <a16:creationId xmlns:a16="http://schemas.microsoft.com/office/drawing/2014/main" id="{B86FBB08-C5A8-5788-33F3-DA4DEBA07FA7}"/>
-              </a:ext>
-            </a:extLst>
-          </p:cNvPr>
+            <a:endParaRPr lang="en-US" dirty="0"/>
+          </a:p>
+        </p:txBody>
+      </p:sp>
+      <p:sp>
+        <p:nvSpPr>
+          <p:cNvPr id="3" name="Content Placeholder 2"/>
           <p:cNvSpPr>
             <a:spLocks noGrp="1"/>
           </p:cNvSpPr>
@@ -5191,11 +4614,11 @@
               <a:rPr lang="en-GB" sz="1800" dirty="0">
                 <a:effectLst/>
                 <a:latin typeface="Times New Roman" panose="02020603050405020304" pitchFamily="18" charset="0"/>
-                <a:ea typeface="Calibri" panose="020F0502020204030204" pitchFamily="34" charset="0"/>
+                <a:ea typeface="Calibri" charset="0"/>
               </a:rPr>
               <a:t>Definition: Content analysis is a research technique for making replicable and valid inferences from texts (or other meaningful matter) to the context of their use. </a:t>
             </a:r>
-            <a:endParaRPr lang="en-DE" sz="1800" dirty="0">
+            <a:endParaRPr lang="en-US" sz="1800" dirty="0">
               <a:effectLst/>
               <a:latin typeface="Times New Roman" panose="02020603050405020304" pitchFamily="18" charset="0"/>
               <a:ea typeface="PMingLiU" panose="02020500000000000000" pitchFamily="18" charset="-120"/>
@@ -5207,11 +4630,11 @@
               <a:rPr lang="en-GB" sz="1800" dirty="0">
                 <a:effectLst/>
                 <a:latin typeface="Times New Roman" panose="02020603050405020304" pitchFamily="18" charset="0"/>
-                <a:ea typeface="Calibri" panose="020F0502020204030204" pitchFamily="34" charset="0"/>
+                <a:ea typeface="Calibri" charset="0"/>
               </a:rPr>
               <a:t>History:</a:t>
             </a:r>
-            <a:endParaRPr lang="en-DE" sz="1800" dirty="0">
+            <a:endParaRPr lang="en-US" sz="1800" dirty="0">
               <a:effectLst/>
               <a:latin typeface="Times New Roman" panose="02020603050405020304" pitchFamily="18" charset="0"/>
               <a:ea typeface="PMingLiU" panose="02020500000000000000" pitchFamily="18" charset="-120"/>
@@ -5223,11 +4646,11 @@
               <a:rPr lang="en-GB" sz="1800" dirty="0">
                 <a:effectLst/>
                 <a:latin typeface="Times New Roman" panose="02020603050405020304" pitchFamily="18" charset="0"/>
-                <a:ea typeface="Calibri" panose="020F0502020204030204" pitchFamily="34" charset="0"/>
+                <a:ea typeface="Calibri" charset="0"/>
               </a:rPr>
               <a:t>• Early examples in theology</a:t>
             </a:r>
-            <a:endParaRPr lang="en-DE" sz="1800" dirty="0">
+            <a:endParaRPr lang="en-US" sz="1800" dirty="0">
               <a:effectLst/>
               <a:latin typeface="Times New Roman" panose="02020603050405020304" pitchFamily="18" charset="0"/>
               <a:ea typeface="PMingLiU" panose="02020500000000000000" pitchFamily="18" charset="-120"/>
@@ -5239,11 +4662,11 @@
               <a:rPr lang="en-GB" sz="1800" dirty="0">
                 <a:effectLst/>
                 <a:latin typeface="Times New Roman" panose="02020603050405020304" pitchFamily="18" charset="0"/>
-                <a:ea typeface="Calibri" panose="020F0502020204030204" pitchFamily="34" charset="0"/>
+                <a:ea typeface="Calibri" charset="0"/>
               </a:rPr>
               <a:t>• Development as a research method began in the 20s century</a:t>
             </a:r>
-            <a:endParaRPr lang="en-DE" sz="1800" dirty="0">
+            <a:endParaRPr lang="en-US" sz="1800" dirty="0">
               <a:effectLst/>
               <a:latin typeface="Times New Roman" panose="02020603050405020304" pitchFamily="18" charset="0"/>
               <a:ea typeface="PMingLiU" panose="02020500000000000000" pitchFamily="18" charset="-120"/>
@@ -5255,11 +4678,11 @@
               <a:rPr lang="en-GB" sz="1800" dirty="0">
                 <a:effectLst/>
                 <a:latin typeface="Times New Roman" panose="02020603050405020304" pitchFamily="18" charset="0"/>
-                <a:ea typeface="Calibri" panose="020F0502020204030204" pitchFamily="34" charset="0"/>
+                <a:ea typeface="Calibri" charset="0"/>
               </a:rPr>
               <a:t>• Analysis of mass media (radio, newspapers, TV…)</a:t>
             </a:r>
-            <a:endParaRPr lang="en-DE" sz="1800" dirty="0">
+            <a:endParaRPr lang="en-US" sz="1800" dirty="0">
               <a:effectLst/>
               <a:latin typeface="Times New Roman" panose="02020603050405020304" pitchFamily="18" charset="0"/>
               <a:ea typeface="PMingLiU" panose="02020500000000000000" pitchFamily="18" charset="-120"/>
@@ -5271,11 +4694,11 @@
               <a:rPr lang="en-GB" sz="1800" dirty="0">
                 <a:effectLst/>
                 <a:latin typeface="Times New Roman" panose="02020603050405020304" pitchFamily="18" charset="0"/>
-                <a:ea typeface="Calibri" panose="020F0502020204030204" pitchFamily="34" charset="0"/>
+                <a:ea typeface="Calibri" charset="0"/>
               </a:rPr>
               <a:t>• Quantitative orientated analysis of frequencies</a:t>
             </a:r>
-            <a:endParaRPr lang="en-DE" sz="1800" dirty="0">
+            <a:endParaRPr lang="en-US" sz="1800" dirty="0">
               <a:effectLst/>
               <a:latin typeface="Times New Roman" panose="02020603050405020304" pitchFamily="18" charset="0"/>
               <a:ea typeface="PMingLiU" panose="02020500000000000000" pitchFamily="18" charset="-120"/>
@@ -5293,11 +4716,11 @@
               <a:rPr lang="en-GB" sz="1800" dirty="0">
                 <a:effectLst/>
                 <a:latin typeface="Times New Roman" panose="02020603050405020304" pitchFamily="18" charset="0"/>
-                <a:ea typeface="Calibri" panose="020F0502020204030204" pitchFamily="34" charset="0"/>
+                <a:ea typeface="Calibri" charset="0"/>
               </a:rPr>
               <a:t>• Nowadays content analysis uses special computer programs</a:t>
             </a:r>
-            <a:endParaRPr lang="en-DE" sz="1800" dirty="0">
+            <a:endParaRPr lang="en-US" sz="1800" dirty="0">
               <a:effectLst/>
               <a:latin typeface="Times New Roman" panose="02020603050405020304" pitchFamily="18" charset="0"/>
               <a:ea typeface="PMingLiU" panose="02020500000000000000" pitchFamily="18" charset="-120"/>
@@ -5306,11 +4729,6 @@
         </p:txBody>
       </p:sp>
     </p:spTree>
-    <p:extLst>
-      <p:ext uri="{BB962C8B-B14F-4D97-AF65-F5344CB8AC3E}">
-        <p14:creationId xmlns:p14="http://schemas.microsoft.com/office/powerpoint/2010/main" val="506046287"/>
-      </p:ext>
-    </p:extLst>
   </p:cSld>
   <p:clrMapOvr>
     <a:masterClrMapping/>
@@ -5337,13 +4755,7 @@
       </p:grpSpPr>
       <p:sp>
         <p:nvSpPr>
-          <p:cNvPr id="2" name="Title 1">
-            <a:extLst>
-              <a:ext uri="{FF2B5EF4-FFF2-40B4-BE49-F238E27FC236}">
-                <a16:creationId xmlns:a16="http://schemas.microsoft.com/office/drawing/2014/main" id="{E5D1316B-43AF-2C0C-8BE8-6659DF6EE806}"/>
-              </a:ext>
-            </a:extLst>
-          </p:cNvPr>
+          <p:cNvPr id="2" name="Title 1"/>
           <p:cNvSpPr>
             <a:spLocks noGrp="1"/>
           </p:cNvSpPr>
@@ -5357,21 +4769,16 @@
           <a:lstStyle/>
           <a:p>
             <a:r>
-              <a:rPr lang="en-DE" dirty="0"/>
+              <a:rPr lang="en-US" dirty="0"/>
               <a:t>Content analysis</a:t>
             </a:r>
-          </a:p>
-        </p:txBody>
-      </p:sp>
-      <p:sp>
-        <p:nvSpPr>
-          <p:cNvPr id="3" name="Content Placeholder 2">
-            <a:extLst>
-              <a:ext uri="{FF2B5EF4-FFF2-40B4-BE49-F238E27FC236}">
-                <a16:creationId xmlns:a16="http://schemas.microsoft.com/office/drawing/2014/main" id="{DC06513C-A983-3417-144A-5DFA3800FEBC}"/>
-              </a:ext>
-            </a:extLst>
-          </p:cNvPr>
+            <a:endParaRPr lang="en-US" dirty="0"/>
+          </a:p>
+        </p:txBody>
+      </p:sp>
+      <p:sp>
+        <p:nvSpPr>
+          <p:cNvPr id="3" name="Content Placeholder 2"/>
           <p:cNvSpPr>
             <a:spLocks noGrp="1"/>
           </p:cNvSpPr>
@@ -5391,11 +4798,11 @@
               <a:rPr lang="en-GB" sz="2800" dirty="0">
                 <a:effectLst/>
                 <a:latin typeface="Times New Roman" panose="02020603050405020304" pitchFamily="18" charset="0"/>
-                <a:ea typeface="Calibri" panose="020F0502020204030204" pitchFamily="34" charset="0"/>
+                <a:ea typeface="Calibri" charset="0"/>
               </a:rPr>
               <a:t>Our world is full of data: </a:t>
             </a:r>
-            <a:endParaRPr lang="en-DE" sz="2800" dirty="0">
+            <a:endParaRPr lang="en-US" sz="2800" dirty="0">
               <a:effectLst/>
               <a:latin typeface="Times New Roman" panose="02020603050405020304" pitchFamily="18" charset="0"/>
               <a:ea typeface="PMingLiU" panose="02020500000000000000" pitchFamily="18" charset="-120"/>
@@ -5407,11 +4814,11 @@
               <a:rPr lang="en-GB" sz="2800" dirty="0">
                 <a:effectLst/>
                 <a:latin typeface="Times New Roman" panose="02020603050405020304" pitchFamily="18" charset="0"/>
-                <a:ea typeface="Calibri" panose="020F0502020204030204" pitchFamily="34" charset="0"/>
+                <a:ea typeface="Calibri" charset="0"/>
               </a:rPr>
               <a:t>E-mail forums, dating advertisements, minutes, workplace and job descriptions, newspapers, pictures, diaries, job advertisements, websites, sticker, graffiti, chronicles, construction manuals, laws, magazines, radio and TV program…</a:t>
             </a:r>
-            <a:endParaRPr lang="en-DE" sz="2800" dirty="0">
+            <a:endParaRPr lang="en-US" sz="2800" dirty="0">
               <a:effectLst/>
               <a:latin typeface="Times New Roman" panose="02020603050405020304" pitchFamily="18" charset="0"/>
               <a:ea typeface="PMingLiU" panose="02020500000000000000" pitchFamily="18" charset="-120"/>
@@ -5433,7 +4840,7 @@
               </a:rPr>
               <a:t>The analysis of content can serve:  </a:t>
             </a:r>
-            <a:endParaRPr lang="en-DE" sz="2800" dirty="0">
+            <a:endParaRPr lang="en-US" sz="2800" dirty="0">
               <a:effectLst/>
               <a:latin typeface="Times New Roman" panose="02020603050405020304" pitchFamily="18" charset="0"/>
               <a:ea typeface="PMingLiU" panose="02020500000000000000" pitchFamily="18" charset="-120"/>
@@ -5455,7 +4862,7 @@
               </a:rPr>
               <a:t>1. To code the answers to open questions of a questionnaire  </a:t>
             </a:r>
-            <a:endParaRPr lang="en-DE" sz="2800" dirty="0">
+            <a:endParaRPr lang="en-US" sz="2800" dirty="0">
               <a:effectLst/>
               <a:latin typeface="Times New Roman" panose="02020603050405020304" pitchFamily="18" charset="0"/>
               <a:ea typeface="PMingLiU" panose="02020500000000000000" pitchFamily="18" charset="-120"/>
@@ -5477,7 +4884,7 @@
               </a:rPr>
               <a:t>2. To code the results of interview  </a:t>
             </a:r>
-            <a:endParaRPr lang="en-DE" sz="2800" dirty="0">
+            <a:endParaRPr lang="en-US" sz="2800" dirty="0">
               <a:effectLst/>
               <a:latin typeface="Times New Roman" panose="02020603050405020304" pitchFamily="18" charset="0"/>
               <a:ea typeface="PMingLiU" panose="02020500000000000000" pitchFamily="18" charset="-120"/>
@@ -5499,7 +4906,7 @@
               </a:rPr>
               <a:t>3. To reveal the implicit assumptions of the school manuals, of the newspapers,  </a:t>
             </a:r>
-            <a:endParaRPr lang="en-DE" sz="2800" dirty="0">
+            <a:endParaRPr lang="en-US" sz="2800" dirty="0">
               <a:effectLst/>
               <a:latin typeface="Times New Roman" panose="02020603050405020304" pitchFamily="18" charset="0"/>
               <a:ea typeface="PMingLiU" panose="02020500000000000000" pitchFamily="18" charset="-120"/>
@@ -5521,7 +4928,7 @@
               </a:rPr>
               <a:t>4. To identify the recipients of the content of laws or official programs of political parties  </a:t>
             </a:r>
-            <a:endParaRPr lang="en-DE" sz="2800" dirty="0">
+            <a:endParaRPr lang="en-US" sz="2800" dirty="0">
               <a:effectLst/>
               <a:latin typeface="Times New Roman" panose="02020603050405020304" pitchFamily="18" charset="0"/>
               <a:ea typeface="PMingLiU" panose="02020500000000000000" pitchFamily="18" charset="-120"/>
@@ -5543,23 +4950,18 @@
               </a:rPr>
               <a:t>5. etc.. </a:t>
             </a:r>
-            <a:endParaRPr lang="en-DE" sz="2800" dirty="0">
-              <a:effectLst/>
-              <a:latin typeface="Times New Roman" panose="02020603050405020304" pitchFamily="18" charset="0"/>
-              <a:ea typeface="PMingLiU" panose="02020500000000000000" pitchFamily="18" charset="-120"/>
-            </a:endParaRPr>
-          </a:p>
-          <a:p>
-            <a:endParaRPr lang="en-DE" dirty="0"/>
+            <a:endParaRPr lang="en-US" sz="2800" dirty="0">
+              <a:effectLst/>
+              <a:latin typeface="Times New Roman" panose="02020603050405020304" pitchFamily="18" charset="0"/>
+              <a:ea typeface="PMingLiU" panose="02020500000000000000" pitchFamily="18" charset="-120"/>
+            </a:endParaRPr>
+          </a:p>
+          <a:p>
+            <a:endParaRPr lang="en-US" dirty="0"/>
           </a:p>
         </p:txBody>
       </p:sp>
     </p:spTree>
-    <p:extLst>
-      <p:ext uri="{BB962C8B-B14F-4D97-AF65-F5344CB8AC3E}">
-        <p14:creationId xmlns:p14="http://schemas.microsoft.com/office/powerpoint/2010/main" val="2260319266"/>
-      </p:ext>
-    </p:extLst>
   </p:cSld>
   <p:clrMapOvr>
     <a:masterClrMapping/>
@@ -5586,13 +4988,7 @@
       </p:grpSpPr>
       <p:sp>
         <p:nvSpPr>
-          <p:cNvPr id="2" name="Title 1">
-            <a:extLst>
-              <a:ext uri="{FF2B5EF4-FFF2-40B4-BE49-F238E27FC236}">
-                <a16:creationId xmlns:a16="http://schemas.microsoft.com/office/drawing/2014/main" id="{03200227-8EA0-D68F-F985-ABDFD7866F9F}"/>
-              </a:ext>
-            </a:extLst>
-          </p:cNvPr>
+          <p:cNvPr id="2" name="Title 1"/>
           <p:cNvSpPr>
             <a:spLocks noGrp="1"/>
           </p:cNvSpPr>
@@ -5606,21 +5002,16 @@
           <a:lstStyle/>
           <a:p>
             <a:r>
-              <a:rPr lang="en-DE" dirty="0"/>
+              <a:rPr lang="en-US" dirty="0"/>
               <a:t>Research Population, Sample and Sampling Methods</a:t>
             </a:r>
-          </a:p>
-        </p:txBody>
-      </p:sp>
-      <p:sp>
-        <p:nvSpPr>
-          <p:cNvPr id="3" name="Content Placeholder 2">
-            <a:extLst>
-              <a:ext uri="{FF2B5EF4-FFF2-40B4-BE49-F238E27FC236}">
-                <a16:creationId xmlns:a16="http://schemas.microsoft.com/office/drawing/2014/main" id="{9E34BB18-8F73-DEC2-05DE-2425D131B458}"/>
-              </a:ext>
-            </a:extLst>
-          </p:cNvPr>
+            <a:endParaRPr lang="en-US" dirty="0"/>
+          </a:p>
+        </p:txBody>
+      </p:sp>
+      <p:sp>
+        <p:nvSpPr>
+          <p:cNvPr id="3" name="Content Placeholder 2"/>
           <p:cNvSpPr>
             <a:spLocks noGrp="1"/>
           </p:cNvSpPr>
@@ -5648,6 +5039,11 @@
               </a:rPr>
               <a:t>The Population is a complete group of entities sharing some common set of characteristics. </a:t>
             </a:r>
+            <a:endParaRPr lang="en-GB" sz="2400" dirty="0">
+              <a:effectLst/>
+              <a:latin typeface="Times New Roman" panose="02020603050405020304" pitchFamily="18" charset="0"/>
+              <a:ea typeface="PMingLiU" panose="02020500000000000000" pitchFamily="18" charset="-120"/>
+            </a:endParaRPr>
           </a:p>
           <a:p>
             <a:r>
@@ -5674,6 +5070,11 @@
               </a:rPr>
               <a:t> but when the size of the population of the study can be known (finite population) or can be unknown (infinite population). </a:t>
             </a:r>
+            <a:endParaRPr lang="en-GB" sz="2400" dirty="0">
+              <a:effectLst/>
+              <a:latin typeface="Times New Roman" panose="02020603050405020304" pitchFamily="18" charset="0"/>
+              <a:ea typeface="PMingLiU" panose="02020500000000000000" pitchFamily="18" charset="-120"/>
+            </a:endParaRPr>
           </a:p>
           <a:p>
             <a:r>
@@ -5684,6 +5085,11 @@
               </a:rPr>
               <a:t>This determines the way the sample size is to be determined.  </a:t>
             </a:r>
+            <a:endParaRPr lang="en-GB" sz="2400" dirty="0">
+              <a:effectLst/>
+              <a:latin typeface="Times New Roman" panose="02020603050405020304" pitchFamily="18" charset="0"/>
+              <a:ea typeface="PMingLiU" panose="02020500000000000000" pitchFamily="18" charset="-120"/>
+            </a:endParaRPr>
           </a:p>
           <a:p>
             <a:r>
@@ -5718,6 +5124,11 @@
               </a:rPr>
               <a:t> is conducted to the part of the population where in most of the time a sample size need to be calculated for not wasting resources.</a:t>
             </a:r>
+            <a:endParaRPr lang="en-GB" sz="2400" dirty="0">
+              <a:effectLst/>
+              <a:latin typeface="Times New Roman" panose="02020603050405020304" pitchFamily="18" charset="0"/>
+              <a:ea typeface="PMingLiU" panose="02020500000000000000" pitchFamily="18" charset="-120"/>
+            </a:endParaRPr>
           </a:p>
           <a:p>
             <a:r>
@@ -5729,12 +5140,12 @@
               <a:t>Sampling is the process of using a small number of items or parts of a larger population to make conclusions about the whole population (Zikmund, 2003)</a:t>
             </a:r>
             <a:r>
-              <a:rPr lang="en-DE" sz="2400" dirty="0">
+              <a:rPr lang="en-US" sz="2400" dirty="0">
                 <a:effectLst/>
               </a:rPr>
               <a:t> </a:t>
             </a:r>
-            <a:endParaRPr lang="en-DE" sz="2400" dirty="0">
+            <a:endParaRPr lang="en-US" sz="2400" dirty="0">
               <a:effectLst/>
               <a:latin typeface="Times New Roman" panose="02020603050405020304" pitchFamily="18" charset="0"/>
               <a:ea typeface="PMingLiU" panose="02020500000000000000" pitchFamily="18" charset="-120"/>
@@ -5750,20 +5161,18 @@
               <a:t>One of the statistical formulae to calculate the sample size is for Daniel &amp; Cross (2013)</a:t>
             </a:r>
             <a:r>
-              <a:rPr lang="en-DE" sz="2400" dirty="0">
+              <a:rPr lang="en-US" sz="2400" dirty="0">
                 <a:effectLst/>
               </a:rPr>
               <a:t> </a:t>
             </a:r>
+            <a:endParaRPr lang="en-US" sz="2400" dirty="0">
+              <a:effectLst/>
+            </a:endParaRPr>
           </a:p>
         </p:txBody>
       </p:sp>
     </p:spTree>
-    <p:extLst>
-      <p:ext uri="{BB962C8B-B14F-4D97-AF65-F5344CB8AC3E}">
-        <p14:creationId xmlns:p14="http://schemas.microsoft.com/office/powerpoint/2010/main" val="1344509915"/>
-      </p:ext>
-    </p:extLst>
   </p:cSld>
   <p:clrMapOvr>
     <a:masterClrMapping/>
@@ -5790,13 +5199,7 @@
       </p:grpSpPr>
       <p:sp>
         <p:nvSpPr>
-          <p:cNvPr id="2" name="Title 1">
-            <a:extLst>
-              <a:ext uri="{FF2B5EF4-FFF2-40B4-BE49-F238E27FC236}">
-                <a16:creationId xmlns:a16="http://schemas.microsoft.com/office/drawing/2014/main" id="{50FFD860-58BF-76E8-A489-02CA03B9BBFF}"/>
-              </a:ext>
-            </a:extLst>
-          </p:cNvPr>
+          <p:cNvPr id="2" name="Title 1"/>
           <p:cNvSpPr>
             <a:spLocks noGrp="1"/>
           </p:cNvSpPr>
@@ -5814,21 +5217,16 @@
               <a:t>Q</a:t>
             </a:r>
             <a:r>
-              <a:rPr lang="en-DE" dirty="0"/>
+              <a:rPr lang="en-US" dirty="0"/>
               <a:t>ualitative data analysis</a:t>
             </a:r>
-          </a:p>
-        </p:txBody>
-      </p:sp>
-      <p:sp>
-        <p:nvSpPr>
-          <p:cNvPr id="3" name="Content Placeholder 2">
-            <a:extLst>
-              <a:ext uri="{FF2B5EF4-FFF2-40B4-BE49-F238E27FC236}">
-                <a16:creationId xmlns:a16="http://schemas.microsoft.com/office/drawing/2014/main" id="{52311F51-5896-8851-74F0-308363898D1B}"/>
-              </a:ext>
-            </a:extLst>
-          </p:cNvPr>
+            <a:endParaRPr lang="en-US" dirty="0"/>
+          </a:p>
+        </p:txBody>
+      </p:sp>
+      <p:sp>
+        <p:nvSpPr>
+          <p:cNvPr id="3" name="Content Placeholder 2"/>
           <p:cNvSpPr>
             <a:spLocks noGrp="1"/>
           </p:cNvSpPr>
@@ -5859,7 +5257,7 @@
               </a:rPr>
               <a:t>Organize your data.</a:t>
             </a:r>
-            <a:endParaRPr lang="en-DE" sz="2400" dirty="0">
+            <a:endParaRPr lang="en-US" sz="2400" dirty="0">
               <a:effectLst/>
               <a:latin typeface="Times New Roman" panose="02020603050405020304" pitchFamily="18" charset="0"/>
               <a:ea typeface="PMingLiU" panose="02020500000000000000" pitchFamily="18" charset="-120"/>
@@ -5884,7 +5282,7 @@
               </a:rPr>
               <a:t>Reading through all collected information to obtain a sense of the overall data</a:t>
             </a:r>
-            <a:endParaRPr lang="en-DE" sz="2400" dirty="0">
+            <a:endParaRPr lang="en-US" sz="2400" dirty="0">
               <a:effectLst/>
               <a:latin typeface="Times New Roman" panose="02020603050405020304" pitchFamily="18" charset="0"/>
               <a:ea typeface="PMingLiU" panose="02020500000000000000" pitchFamily="18" charset="-120"/>
@@ -5909,7 +5307,7 @@
               </a:rPr>
               <a:t>Writing findings in the forms of memos and reflective notes</a:t>
             </a:r>
-            <a:endParaRPr lang="en-DE" sz="2400" dirty="0">
+            <a:endParaRPr lang="en-US" sz="2400" dirty="0">
               <a:effectLst/>
               <a:latin typeface="Times New Roman" panose="02020603050405020304" pitchFamily="18" charset="0"/>
               <a:ea typeface="PMingLiU" panose="02020500000000000000" pitchFamily="18" charset="-120"/>
@@ -5934,7 +5332,7 @@
               </a:rPr>
               <a:t>Take the information back to the informants</a:t>
             </a:r>
-            <a:endParaRPr lang="en-DE" sz="2400" dirty="0">
+            <a:endParaRPr lang="en-US" sz="2400" dirty="0">
               <a:effectLst/>
               <a:latin typeface="Times New Roman" panose="02020603050405020304" pitchFamily="18" charset="0"/>
               <a:ea typeface="PMingLiU" panose="02020500000000000000" pitchFamily="18" charset="-120"/>
@@ -5959,7 +5357,7 @@
               </a:rPr>
               <a:t>Look at the words (metaphors) your informants use.</a:t>
             </a:r>
-            <a:endParaRPr lang="en-DE" sz="2400" dirty="0">
+            <a:endParaRPr lang="en-US" sz="2400" dirty="0">
               <a:effectLst/>
               <a:latin typeface="Times New Roman" panose="02020603050405020304" pitchFamily="18" charset="0"/>
               <a:ea typeface="PMingLiU" panose="02020500000000000000" pitchFamily="18" charset="-120"/>
@@ -5984,23 +5382,18 @@
               </a:rPr>
               <a:t>Develop codes and categories (narrowing down the information, do not develop too many codes)</a:t>
             </a:r>
-            <a:endParaRPr lang="en-DE" sz="2400" dirty="0">
-              <a:effectLst/>
-              <a:latin typeface="Times New Roman" panose="02020603050405020304" pitchFamily="18" charset="0"/>
-              <a:ea typeface="PMingLiU" panose="02020500000000000000" pitchFamily="18" charset="-120"/>
-            </a:endParaRPr>
-          </a:p>
-          <a:p>
-            <a:endParaRPr lang="en-DE" dirty="0"/>
+            <a:endParaRPr lang="en-US" sz="2400" dirty="0">
+              <a:effectLst/>
+              <a:latin typeface="Times New Roman" panose="02020603050405020304" pitchFamily="18" charset="0"/>
+              <a:ea typeface="PMingLiU" panose="02020500000000000000" pitchFamily="18" charset="-120"/>
+            </a:endParaRPr>
+          </a:p>
+          <a:p>
+            <a:endParaRPr lang="en-US" dirty="0"/>
           </a:p>
         </p:txBody>
       </p:sp>
     </p:spTree>
-    <p:extLst>
-      <p:ext uri="{BB962C8B-B14F-4D97-AF65-F5344CB8AC3E}">
-        <p14:creationId xmlns:p14="http://schemas.microsoft.com/office/powerpoint/2010/main" val="719354579"/>
-      </p:ext>
-    </p:extLst>
   </p:cSld>
   <p:clrMapOvr>
     <a:masterClrMapping/>
@@ -6027,13 +5420,7 @@
       </p:grpSpPr>
       <p:sp>
         <p:nvSpPr>
-          <p:cNvPr id="2" name="Title 1">
-            <a:extLst>
-              <a:ext uri="{FF2B5EF4-FFF2-40B4-BE49-F238E27FC236}">
-                <a16:creationId xmlns:a16="http://schemas.microsoft.com/office/drawing/2014/main" id="{1B70AEDA-8E77-E174-48D0-75811D2F5FCD}"/>
-              </a:ext>
-            </a:extLst>
-          </p:cNvPr>
+          <p:cNvPr id="2" name="Title 1"/>
           <p:cNvSpPr>
             <a:spLocks noGrp="1"/>
           </p:cNvSpPr>
@@ -6047,21 +5434,16 @@
           <a:lstStyle/>
           <a:p>
             <a:r>
-              <a:rPr lang="en-DE" dirty="0"/>
+              <a:rPr lang="en-US" sz="3200" b="1" dirty="0"/>
               <a:t>Statistical treatment of quantitative data</a:t>
             </a:r>
-          </a:p>
-        </p:txBody>
-      </p:sp>
-      <p:sp>
-        <p:nvSpPr>
-          <p:cNvPr id="3" name="Content Placeholder 2">
-            <a:extLst>
-              <a:ext uri="{FF2B5EF4-FFF2-40B4-BE49-F238E27FC236}">
-                <a16:creationId xmlns:a16="http://schemas.microsoft.com/office/drawing/2014/main" id="{E4AA3406-6EA3-64AC-EFD2-292E5079A6D9}"/>
-              </a:ext>
-            </a:extLst>
-          </p:cNvPr>
+            <a:endParaRPr lang="en-US" sz="3200" b="1" dirty="0"/>
+          </a:p>
+        </p:txBody>
+      </p:sp>
+      <p:sp>
+        <p:nvSpPr>
+          <p:cNvPr id="3" name="Content Placeholder 2"/>
           <p:cNvSpPr>
             <a:spLocks noGrp="1"/>
           </p:cNvSpPr>
@@ -6117,7 +5499,7 @@
               </a:rPr>
               <a:t>.</a:t>
             </a:r>
-            <a:endParaRPr lang="en-DE" dirty="0">
+            <a:endParaRPr lang="en-US" dirty="0">
               <a:effectLst/>
               <a:latin typeface="Times New Roman" panose="02020603050405020304" pitchFamily="18" charset="0"/>
               <a:ea typeface="PMingLiU" panose="02020500000000000000" pitchFamily="18" charset="-120"/>
@@ -6133,23 +5515,25 @@
               </a:rPr>
               <a:t>Evaluation of the mean</a:t>
             </a:r>
-            <a:endParaRPr lang="en-DE" dirty="0">
-              <a:effectLst/>
-              <a:latin typeface="Times New Roman" panose="02020603050405020304" pitchFamily="18" charset="0"/>
-              <a:ea typeface="PMingLiU" panose="02020500000000000000" pitchFamily="18" charset="-120"/>
-            </a:endParaRPr>
-          </a:p>
-          <a:p>
-            <a:r>
-              <a:rPr lang="en-DE" dirty="0"/>
+            <a:endParaRPr lang="en-US" dirty="0">
+              <a:effectLst/>
+              <a:latin typeface="Times New Roman" panose="02020603050405020304" pitchFamily="18" charset="0"/>
+              <a:ea typeface="PMingLiU" panose="02020500000000000000" pitchFamily="18" charset="-120"/>
+            </a:endParaRPr>
+          </a:p>
+          <a:p>
+            <a:r>
+              <a:rPr lang="en-US" dirty="0"/>
               <a:t>Standard deviation</a:t>
             </a:r>
-          </a:p>
-          <a:p>
-            <a:r>
-              <a:rPr lang="en-DE" dirty="0"/>
+            <a:endParaRPr lang="en-US" dirty="0"/>
+          </a:p>
+          <a:p>
+            <a:r>
+              <a:rPr lang="en-US" dirty="0"/>
               <a:t>Correlation coeficient, etc</a:t>
             </a:r>
+            <a:endParaRPr lang="en-US" dirty="0"/>
           </a:p>
           <a:p>
             <a:r>
@@ -6168,7 +5552,7 @@
               </a:rPr>
               <a:t>The results come from the facts observed during data collection process. The presentation of the results or facts analyzed aims to show their ties with the problem of research studied.  </a:t>
             </a:r>
-            <a:endParaRPr lang="en-DE" sz="2000" dirty="0">
+            <a:endParaRPr lang="en-US" sz="2000" dirty="0">
               <a:effectLst/>
               <a:latin typeface="Times New Roman" panose="02020603050405020304" pitchFamily="18" charset="0"/>
               <a:ea typeface="PMingLiU" panose="02020500000000000000" pitchFamily="18" charset="-120"/>
@@ -6177,11 +5561,6 @@
         </p:txBody>
       </p:sp>
     </p:spTree>
-    <p:extLst>
-      <p:ext uri="{BB962C8B-B14F-4D97-AF65-F5344CB8AC3E}">
-        <p14:creationId xmlns:p14="http://schemas.microsoft.com/office/powerpoint/2010/main" val="1953857297"/>
-      </p:ext>
-    </p:extLst>
   </p:cSld>
   <p:clrMapOvr>
     <a:masterClrMapping/>
@@ -6208,13 +5587,7 @@
       </p:grpSpPr>
       <p:sp>
         <p:nvSpPr>
-          <p:cNvPr id="2" name="Title 1">
-            <a:extLst>
-              <a:ext uri="{FF2B5EF4-FFF2-40B4-BE49-F238E27FC236}">
-                <a16:creationId xmlns:a16="http://schemas.microsoft.com/office/drawing/2014/main" id="{27C008B5-3BDD-87A5-59CB-D99CE8D7FBF3}"/>
-              </a:ext>
-            </a:extLst>
-          </p:cNvPr>
+          <p:cNvPr id="2" name="Title 1"/>
           <p:cNvSpPr>
             <a:spLocks noGrp="1"/>
           </p:cNvSpPr>
@@ -6237,19 +5610,13 @@
               </a:rPr>
               <a:t>Presentation of Findings, Analysis and Interpretation in Quantitative Research</a:t>
             </a:r>
-            <a:endParaRPr lang="en-DE" sz="2400" dirty="0"/>
-          </a:p>
-        </p:txBody>
-      </p:sp>
-      <p:sp>
-        <p:nvSpPr>
-          <p:cNvPr id="3" name="Content Placeholder 2">
-            <a:extLst>
-              <a:ext uri="{FF2B5EF4-FFF2-40B4-BE49-F238E27FC236}">
-                <a16:creationId xmlns:a16="http://schemas.microsoft.com/office/drawing/2014/main" id="{C56C6B4F-FA36-A032-2E67-A213A96E467E}"/>
-              </a:ext>
-            </a:extLst>
-          </p:cNvPr>
+            <a:endParaRPr lang="en-US" sz="2400" dirty="0"/>
+          </a:p>
+        </p:txBody>
+      </p:sp>
+      <p:sp>
+        <p:nvSpPr>
+          <p:cNvPr id="3" name="Content Placeholder 2"/>
           <p:cNvSpPr>
             <a:spLocks noGrp="1"/>
           </p:cNvSpPr>
@@ -6263,9 +5630,10 @@
           <a:lstStyle/>
           <a:p>
             <a:r>
-              <a:rPr lang="en-DE" dirty="0"/>
+              <a:rPr lang="en-US" dirty="0"/>
               <a:t>The idea of tables and their interpretation</a:t>
             </a:r>
+            <a:endParaRPr lang="en-US" dirty="0"/>
           </a:p>
           <a:p>
             <a:r>
@@ -6276,7 +5644,7 @@
               </a:rPr>
               <a:t>Although these results are presented in tables, it also necessary to present them in a narrative way</a:t>
             </a:r>
-            <a:endParaRPr lang="en-DE" dirty="0">
+            <a:endParaRPr lang="en-US" dirty="0">
               <a:effectLst/>
               <a:latin typeface="Times New Roman" panose="02020603050405020304" pitchFamily="18" charset="0"/>
               <a:ea typeface="PMingLiU" panose="02020500000000000000" pitchFamily="18" charset="-120"/>
@@ -6285,11 +5653,6 @@
         </p:txBody>
       </p:sp>
     </p:spTree>
-    <p:extLst>
-      <p:ext uri="{BB962C8B-B14F-4D97-AF65-F5344CB8AC3E}">
-        <p14:creationId xmlns:p14="http://schemas.microsoft.com/office/powerpoint/2010/main" val="2734105838"/>
-      </p:ext>
-    </p:extLst>
   </p:cSld>
   <p:clrMapOvr>
     <a:masterClrMapping/>
@@ -6316,13 +5679,7 @@
       </p:grpSpPr>
       <p:sp>
         <p:nvSpPr>
-          <p:cNvPr id="2" name="Title 1">
-            <a:extLst>
-              <a:ext uri="{FF2B5EF4-FFF2-40B4-BE49-F238E27FC236}">
-                <a16:creationId xmlns:a16="http://schemas.microsoft.com/office/drawing/2014/main" id="{89EB3CEC-EF49-26A9-567C-39F0F0CC4CA8}"/>
-              </a:ext>
-            </a:extLst>
-          </p:cNvPr>
+          <p:cNvPr id="2" name="Title 1"/>
           <p:cNvSpPr>
             <a:spLocks noGrp="1"/>
           </p:cNvSpPr>
@@ -6345,19 +5702,13 @@
               </a:rPr>
               <a:t>Presentation of Findings, Analysis and Interpretation in Qualitative Research.</a:t>
             </a:r>
-            <a:endParaRPr lang="en-DE" sz="2400" dirty="0"/>
-          </a:p>
-        </p:txBody>
-      </p:sp>
-      <p:sp>
-        <p:nvSpPr>
-          <p:cNvPr id="3" name="Content Placeholder 2">
-            <a:extLst>
-              <a:ext uri="{FF2B5EF4-FFF2-40B4-BE49-F238E27FC236}">
-                <a16:creationId xmlns:a16="http://schemas.microsoft.com/office/drawing/2014/main" id="{96268801-81DD-DB7A-C116-103703EB6E12}"/>
-              </a:ext>
-            </a:extLst>
-          </p:cNvPr>
+            <a:endParaRPr lang="en-US" sz="2400" dirty="0"/>
+          </a:p>
+        </p:txBody>
+      </p:sp>
+      <p:sp>
+        <p:nvSpPr>
+          <p:cNvPr id="3" name="Content Placeholder 2"/>
           <p:cNvSpPr>
             <a:spLocks noGrp="1"/>
           </p:cNvSpPr>
@@ -6380,7 +5731,7 @@
               </a:rPr>
               <a:t>When research is of qualitative type, especially founded on the analysis of document (documentary survey, survey of interviews, survey of case…), it is not possible to make a presentation of the results in terms of inferential analyses. The researcher not pretending to establish here a causal tie between variables operationalized, must analyze the collected data and pull a rich and detailed description of it. The researcher's effort is to put in evidence the global sense of the data, therefore to identify units of significances, to develop the content of the units of significances and to synthesize the set of the units of significances.  </a:t>
             </a:r>
-            <a:endParaRPr lang="en-DE" dirty="0">
+            <a:endParaRPr lang="en-US" dirty="0">
               <a:effectLst/>
               <a:latin typeface="Times New Roman" panose="02020603050405020304" pitchFamily="18" charset="0"/>
               <a:ea typeface="PMingLiU" panose="02020500000000000000" pitchFamily="18" charset="-120"/>
@@ -6389,11 +5740,6 @@
         </p:txBody>
       </p:sp>
     </p:spTree>
-    <p:extLst>
-      <p:ext uri="{BB962C8B-B14F-4D97-AF65-F5344CB8AC3E}">
-        <p14:creationId xmlns:p14="http://schemas.microsoft.com/office/powerpoint/2010/main" val="724378919"/>
-      </p:ext>
-    </p:extLst>
   </p:cSld>
   <p:clrMapOvr>
     <a:masterClrMapping/>
@@ -6420,13 +5766,7 @@
       </p:grpSpPr>
       <p:sp>
         <p:nvSpPr>
-          <p:cNvPr id="2" name="Title 1">
-            <a:extLst>
-              <a:ext uri="{FF2B5EF4-FFF2-40B4-BE49-F238E27FC236}">
-                <a16:creationId xmlns:a16="http://schemas.microsoft.com/office/drawing/2014/main" id="{20548AE2-F03B-CF34-54BB-BCBE69458B1E}"/>
-              </a:ext>
-            </a:extLst>
-          </p:cNvPr>
+          <p:cNvPr id="2" name="Title 1"/>
           <p:cNvSpPr>
             <a:spLocks noGrp="1"/>
           </p:cNvSpPr>
@@ -6440,7 +5780,7 @@
           <a:lstStyle/>
           <a:p>
             <a:r>
-              <a:rPr lang="en-DE" dirty="0"/>
+              <a:rPr lang="en-US" dirty="0"/>
               <a:t>Discussion of </a:t>
             </a:r>
             <a:r>
@@ -6448,21 +5788,16 @@
               <a:t>th</a:t>
             </a:r>
             <a:r>
-              <a:rPr lang="en-DE" dirty="0"/>
+              <a:rPr lang="en-US" dirty="0"/>
               <a:t>e results</a:t>
             </a:r>
-          </a:p>
-        </p:txBody>
-      </p:sp>
-      <p:sp>
-        <p:nvSpPr>
-          <p:cNvPr id="3" name="Content Placeholder 2">
-            <a:extLst>
-              <a:ext uri="{FF2B5EF4-FFF2-40B4-BE49-F238E27FC236}">
-                <a16:creationId xmlns:a16="http://schemas.microsoft.com/office/drawing/2014/main" id="{8C85EA82-0209-7988-2803-1686F0D4B162}"/>
-              </a:ext>
-            </a:extLst>
-          </p:cNvPr>
+            <a:endParaRPr lang="en-US" dirty="0"/>
+          </a:p>
+        </p:txBody>
+      </p:sp>
+      <p:sp>
+        <p:nvSpPr>
+          <p:cNvPr id="3" name="Content Placeholder 2"/>
           <p:cNvSpPr>
             <a:spLocks noGrp="1"/>
           </p:cNvSpPr>
@@ -6470,23 +5805,28 @@
             <p:ph idx="1"/>
           </p:nvPr>
         </p:nvSpPr>
-        <p:spPr/>
+        <p:spPr>
+          <a:xfrm>
+            <a:off x="838200" y="1825625"/>
+            <a:ext cx="10515600" cy="4172585"/>
+          </a:xfrm>
+        </p:spPr>
         <p:txBody>
           <a:bodyPr>
-            <a:normAutofit lnSpcReduction="10000"/>
+            <a:normAutofit lnSpcReduction="20000"/>
           </a:bodyPr>
           <a:lstStyle/>
           <a:p>
             <a:pPr marL="114300" algn="just"/>
             <a:r>
-              <a:rPr lang="en-US" sz="2000" dirty="0">
+              <a:rPr lang="en-US" sz="1800" dirty="0">
                 <a:effectLst/>
                 <a:latin typeface="Times New Roman" panose="02020603050405020304" pitchFamily="18" charset="0"/>
                 <a:ea typeface="PMingLiU" panose="02020500000000000000" pitchFamily="18" charset="-120"/>
               </a:rPr>
               <a:t>The discussion of the findings consists to the assessment of the whole process of research and to show the relevance or the validity of the data in relation to the problem of research, to the questions and to the hypotheses of research. It is on the one hand about comparing the results gotten to the results waited, to the hypotheses and on the other hand to compare them to the results of other studies.  </a:t>
             </a:r>
-            <a:endParaRPr lang="en-DE" sz="2000" dirty="0">
+            <a:endParaRPr lang="en-US" sz="1800" dirty="0">
               <a:effectLst/>
               <a:latin typeface="Times New Roman" panose="02020603050405020304" pitchFamily="18" charset="0"/>
               <a:ea typeface="PMingLiU" panose="02020500000000000000" pitchFamily="18" charset="-120"/>
@@ -6495,29 +5835,29 @@
           <a:p>
             <a:pPr marL="114300" algn="just"/>
             <a:r>
-              <a:rPr lang="en-US" sz="2000" dirty="0">
+              <a:rPr lang="en-US" sz="1800" dirty="0">
                 <a:effectLst/>
                 <a:latin typeface="Times New Roman" panose="02020603050405020304" pitchFamily="18" charset="0"/>
                 <a:ea typeface="PMingLiU" panose="02020500000000000000" pitchFamily="18" charset="-120"/>
               </a:rPr>
               <a:t>To interpret some results in the case of verification of hypotheses consists of clearing an explanation on the nature of the relations between the variables and the possibility that other variables explain these relations. If there is divergence between the gotten results or observed and the waited results, it is necessary to try to know of where comes the gaps and to see some what the reality is different from what has been supposed at the departure. It will be necessary to reexamine the available data in any case or to complete the observations and if need be to make new hypotheses and to return again to the reality.  </a:t>
             </a:r>
-            <a:endParaRPr lang="en-DE" sz="2000" dirty="0">
-              <a:effectLst/>
-              <a:latin typeface="Times New Roman" panose="02020603050405020304" pitchFamily="18" charset="0"/>
-              <a:ea typeface="PMingLiU" panose="02020500000000000000" pitchFamily="18" charset="-120"/>
-            </a:endParaRPr>
-          </a:p>
-          <a:p>
-            <a:r>
-              <a:rPr lang="en-US" sz="1800" dirty="0">
+            <a:endParaRPr lang="en-US" sz="1800" dirty="0">
+              <a:effectLst/>
+              <a:latin typeface="Times New Roman" panose="02020603050405020304" pitchFamily="18" charset="0"/>
+              <a:ea typeface="PMingLiU" panose="02020500000000000000" pitchFamily="18" charset="-120"/>
+            </a:endParaRPr>
+          </a:p>
+          <a:p>
+            <a:r>
+              <a:rPr lang="en-US" sz="1600" dirty="0">
                 <a:effectLst/>
                 <a:latin typeface="Times New Roman" panose="02020603050405020304" pitchFamily="18" charset="0"/>
                 <a:ea typeface="PMingLiU" panose="02020500000000000000" pitchFamily="18" charset="-120"/>
               </a:rPr>
               <a:t>The question of the generalization of the results enters in consideration in the problem of the discussion of the results. The researcher is interested to know if his/her results on a group or groups can be generalized beyond the concerned samples, to other groups and to other contexts. The generalization of the results brings an external validity to the survey.  </a:t>
             </a:r>
-            <a:endParaRPr lang="en-DE" sz="1800" dirty="0">
+            <a:endParaRPr lang="en-US" sz="1600" dirty="0">
               <a:effectLst/>
               <a:latin typeface="Times New Roman" panose="02020603050405020304" pitchFamily="18" charset="0"/>
               <a:ea typeface="PMingLiU" panose="02020500000000000000" pitchFamily="18" charset="-120"/>
@@ -6526,11 +5866,6 @@
         </p:txBody>
       </p:sp>
     </p:spTree>
-    <p:extLst>
-      <p:ext uri="{BB962C8B-B14F-4D97-AF65-F5344CB8AC3E}">
-        <p14:creationId xmlns:p14="http://schemas.microsoft.com/office/powerpoint/2010/main" val="615258722"/>
-      </p:ext>
-    </p:extLst>
   </p:cSld>
   <p:clrMapOvr>
     <a:masterClrMapping/>
@@ -6557,13 +5892,7 @@
       </p:grpSpPr>
       <p:sp>
         <p:nvSpPr>
-          <p:cNvPr id="2" name="Title 1">
-            <a:extLst>
-              <a:ext uri="{FF2B5EF4-FFF2-40B4-BE49-F238E27FC236}">
-                <a16:creationId xmlns:a16="http://schemas.microsoft.com/office/drawing/2014/main" id="{E0910A74-65B1-CC09-7B85-D444FEE783FC}"/>
-              </a:ext>
-            </a:extLst>
-          </p:cNvPr>
+          <p:cNvPr id="2" name="Title 1"/>
           <p:cNvSpPr>
             <a:spLocks noGrp="1"/>
           </p:cNvSpPr>
@@ -6577,21 +5906,16 @@
           <a:lstStyle/>
           <a:p>
             <a:r>
-              <a:rPr lang="en-DE" dirty="0"/>
+              <a:rPr lang="en-US" dirty="0"/>
               <a:t>Population and Sampling Techniques</a:t>
             </a:r>
-          </a:p>
-        </p:txBody>
-      </p:sp>
-      <p:sp>
-        <p:nvSpPr>
-          <p:cNvPr id="3" name="Content Placeholder 2">
-            <a:extLst>
-              <a:ext uri="{FF2B5EF4-FFF2-40B4-BE49-F238E27FC236}">
-                <a16:creationId xmlns:a16="http://schemas.microsoft.com/office/drawing/2014/main" id="{436356E8-D5E5-8568-EED8-D3859DC557D1}"/>
-              </a:ext>
-            </a:extLst>
-          </p:cNvPr>
+            <a:endParaRPr lang="en-US" dirty="0"/>
+          </a:p>
+        </p:txBody>
+      </p:sp>
+      <p:sp>
+        <p:nvSpPr>
+          <p:cNvPr id="3" name="Content Placeholder 2"/>
           <p:cNvSpPr>
             <a:spLocks noGrp="1"/>
           </p:cNvSpPr>
@@ -6616,7 +5940,7 @@
               <a:t>Probabilistic sampling </a:t>
             </a:r>
             <a:r>
-              <a:rPr lang="en-DE" b="1" dirty="0">
+              <a:rPr lang="en-US" b="1" dirty="0">
                 <a:latin typeface="Times New Roman" panose="02020603050405020304" pitchFamily="18" charset="0"/>
                 <a:ea typeface="PMingLiU" panose="02020500000000000000" pitchFamily="18" charset="-120"/>
               </a:rPr>
@@ -6631,11 +5955,14 @@
               <a:t>s a technique by which every member of the population has a known or equal chance and equal opportunity to be selected to be part of the sample (Zikmund, 2003)</a:t>
             </a:r>
             <a:r>
-              <a:rPr lang="en-DE" dirty="0">
+              <a:rPr lang="en-US" dirty="0">
                 <a:effectLst/>
               </a:rPr>
               <a:t> </a:t>
             </a:r>
+            <a:endParaRPr lang="en-US" dirty="0">
+              <a:effectLst/>
+            </a:endParaRPr>
           </a:p>
           <a:p>
             <a:pPr algn="just"/>
@@ -6648,7 +5975,7 @@
               <a:t>Non probabilistic sampling  </a:t>
             </a:r>
             <a:r>
-              <a:rPr lang="en-DE" b="1" dirty="0">
+              <a:rPr lang="en-US" b="1" dirty="0">
                 <a:latin typeface="Times New Roman" panose="02020603050405020304" pitchFamily="18" charset="0"/>
                 <a:ea typeface="PMingLiU" panose="02020500000000000000" pitchFamily="18" charset="-120"/>
               </a:rPr>
@@ -6663,21 +5990,16 @@
               <a:t>s a sampling technique in which units of the sample are selected on the basis of personal judgments by the convenience to the researcher who sets criteria of selection of individual’s base on the purpose of the study</a:t>
             </a:r>
             <a:r>
-              <a:rPr lang="en-DE" dirty="0">
+              <a:rPr lang="en-US" dirty="0">
                 <a:effectLst/>
               </a:rPr>
               <a:t> </a:t>
             </a:r>
-            <a:endParaRPr lang="en-DE" dirty="0"/>
+            <a:endParaRPr lang="en-US" dirty="0"/>
           </a:p>
         </p:txBody>
       </p:sp>
     </p:spTree>
-    <p:extLst>
-      <p:ext uri="{BB962C8B-B14F-4D97-AF65-F5344CB8AC3E}">
-        <p14:creationId xmlns:p14="http://schemas.microsoft.com/office/powerpoint/2010/main" val="2272916676"/>
-      </p:ext>
-    </p:extLst>
   </p:cSld>
   <p:clrMapOvr>
     <a:masterClrMapping/>
@@ -6704,13 +6026,7 @@
       </p:grpSpPr>
       <p:sp>
         <p:nvSpPr>
-          <p:cNvPr id="2" name="Title 1">
-            <a:extLst>
-              <a:ext uri="{FF2B5EF4-FFF2-40B4-BE49-F238E27FC236}">
-                <a16:creationId xmlns:a16="http://schemas.microsoft.com/office/drawing/2014/main" id="{C81FF0D6-F9EF-8E7F-B6DE-B1D0CF4EDF38}"/>
-              </a:ext>
-            </a:extLst>
-          </p:cNvPr>
+          <p:cNvPr id="2" name="Title 1"/>
           <p:cNvSpPr>
             <a:spLocks noGrp="1"/>
           </p:cNvSpPr>
@@ -6731,21 +6047,16 @@
           <a:lstStyle/>
           <a:p>
             <a:r>
-              <a:rPr lang="en-DE" dirty="0"/>
+              <a:rPr lang="en-US" dirty="0"/>
               <a:t>Probabilistic Sampling techniques</a:t>
             </a:r>
-          </a:p>
-        </p:txBody>
-      </p:sp>
-      <p:sp>
-        <p:nvSpPr>
-          <p:cNvPr id="3" name="Content Placeholder 2">
-            <a:extLst>
-              <a:ext uri="{FF2B5EF4-FFF2-40B4-BE49-F238E27FC236}">
-                <a16:creationId xmlns:a16="http://schemas.microsoft.com/office/drawing/2014/main" id="{CB7FC2DA-482B-7967-3F38-1D578F7B993F}"/>
-              </a:ext>
-            </a:extLst>
-          </p:cNvPr>
+            <a:endParaRPr lang="en-US" dirty="0"/>
+          </a:p>
+        </p:txBody>
+      </p:sp>
+      <p:sp>
+        <p:nvSpPr>
+          <p:cNvPr id="3" name="Content Placeholder 2"/>
           <p:cNvSpPr>
             <a:spLocks noGrp="1"/>
           </p:cNvSpPr>
@@ -6789,10 +6100,15 @@
               </a:rPr>
               <a:t> sampling: </a:t>
             </a:r>
+            <a:endParaRPr lang="fr-FR" sz="2000" b="1" dirty="0">
+              <a:effectLst/>
+              <a:latin typeface="Times New Roman" panose="02020603050405020304" pitchFamily="18" charset="0"/>
+              <a:ea typeface="PMingLiU" panose="02020500000000000000" pitchFamily="18" charset="-120"/>
+            </a:endParaRPr>
           </a:p>
           <a:p>
             <a:pPr>
-              <a:buFont typeface="Wingdings" pitchFamily="2" charset="2"/>
+              <a:buFont typeface="Wingdings" panose="05000000000000000000" pitchFamily="2" charset="2"/>
               <a:buChar char="Ø"/>
             </a:pPr>
             <a:r>
@@ -6859,10 +6175,15 @@
               </a:rPr>
               <a:t>, 2009) on one hand. </a:t>
             </a:r>
+            <a:endParaRPr lang="en-US" sz="2000" dirty="0">
+              <a:effectLst/>
+              <a:latin typeface="Times New Roman" panose="02020603050405020304" pitchFamily="18" charset="0"/>
+              <a:ea typeface="PMingLiU" panose="02020500000000000000" pitchFamily="18" charset="-120"/>
+            </a:endParaRPr>
           </a:p>
           <a:p>
             <a:pPr>
-              <a:buFont typeface="Wingdings" pitchFamily="2" charset="2"/>
+              <a:buFont typeface="Wingdings" panose="05000000000000000000" pitchFamily="2" charset="2"/>
               <a:buChar char="Ø"/>
             </a:pPr>
             <a:r>
@@ -6873,7 +6194,7 @@
               </a:rPr>
               <a:t>The researcher writes down every individual’s name on a list and assigns him a number of identification using consecutive numbers. The names can be written on tips of paper and set down in an urn; one mixes, then one pulls a name at a time until the number of elements wanted to constitute the sample is reached on the other hand.  </a:t>
             </a:r>
-            <a:endParaRPr lang="en-DE" sz="2000" dirty="0">
+            <a:endParaRPr lang="en-US" sz="2000" dirty="0">
               <a:effectLst/>
               <a:latin typeface="Times New Roman" panose="02020603050405020304" pitchFamily="18" charset="0"/>
               <a:ea typeface="PMingLiU" panose="02020500000000000000" pitchFamily="18" charset="-120"/>
@@ -6896,6 +6217,11 @@
               </a:rPr>
               <a:t>consists in dividing the target population in homogeneous groups or "strata", then to pull from each group in a random way a sample in every stratum. </a:t>
             </a:r>
+            <a:endParaRPr lang="en-US" sz="2000" dirty="0">
+              <a:effectLst/>
+              <a:latin typeface="Times New Roman" panose="02020603050405020304" pitchFamily="18" charset="0"/>
+              <a:ea typeface="PMingLiU" panose="02020500000000000000" pitchFamily="18" charset="-120"/>
+            </a:endParaRPr>
           </a:p>
           <a:p>
             <a:pPr marL="342900" lvl="0" indent="-342900" algn="just">
@@ -6923,7 +6249,7 @@
               <a:t>s a technique which selects randomly subgroups of population based on geographical location</a:t>
             </a:r>
             <a:r>
-              <a:rPr lang="en-DE" sz="2000" dirty="0">
+              <a:rPr lang="en-US" sz="2000" dirty="0">
                 <a:effectLst/>
               </a:rPr>
               <a:t> . </a:t>
@@ -6937,16 +6263,19 @@
               <a:t>A researcher can choose one district, two districts or more in 30 districts of Rwanda.</a:t>
             </a:r>
             <a:r>
-              <a:rPr lang="en-DE" sz="2000" dirty="0">
+              <a:rPr lang="en-US" sz="2000" dirty="0">
                 <a:effectLst/>
               </a:rPr>
               <a:t> </a:t>
             </a:r>
+            <a:endParaRPr lang="en-US" sz="2000" dirty="0">
+              <a:effectLst/>
+            </a:endParaRPr>
           </a:p>
           <a:p>
             <a:pPr algn="just">
               <a:buSzPts val="1000"/>
-              <a:buFont typeface="Wingdings" pitchFamily="2" charset="2"/>
+              <a:buFont typeface="Wingdings" panose="05000000000000000000" pitchFamily="2" charset="2"/>
               <a:buChar char="Ø"/>
               <a:tabLst>
                 <a:tab pos="457200" algn="l"/>
@@ -6961,7 +6290,7 @@
               <a:t>Multi-stage cluster sampling</a:t>
             </a:r>
             <a:r>
-              <a:rPr lang="en-DE" sz="2000" b="1" dirty="0">
+              <a:rPr lang="en-US" sz="2000" b="1" dirty="0">
                 <a:latin typeface="Times New Roman" panose="02020603050405020304" pitchFamily="18" charset="0"/>
                 <a:ea typeface="PMingLiU" panose="02020500000000000000" pitchFamily="18" charset="-120"/>
               </a:rPr>
@@ -6976,16 +6305,19 @@
               <a:t>When one doesn't have a complete list of the individuals composing the target population but rather a geographical map, a photo or a plan that serves as lists, one can determine by systematic pull the elements that will constitute the sample.</a:t>
             </a:r>
             <a:r>
-              <a:rPr lang="en-DE" sz="2000" dirty="0">
+              <a:rPr lang="en-US" sz="2000" dirty="0">
                 <a:effectLst/>
               </a:rPr>
               <a:t> </a:t>
             </a:r>
+            <a:endParaRPr lang="en-US" sz="2000" dirty="0">
+              <a:effectLst/>
+            </a:endParaRPr>
           </a:p>
           <a:p>
             <a:pPr algn="just">
               <a:buSzPts val="1000"/>
-              <a:buFont typeface="Wingdings" pitchFamily="2" charset="2"/>
+              <a:buFont typeface="Wingdings" panose="05000000000000000000" pitchFamily="2" charset="2"/>
               <a:buChar char="Ø"/>
               <a:tabLst>
                 <a:tab pos="457200" algn="l"/>
@@ -7000,7 +6332,7 @@
               <a:t>The systematic sampling </a:t>
             </a:r>
             <a:r>
-              <a:rPr lang="en-DE" sz="1800" b="1" dirty="0">
+              <a:rPr lang="en-US" sz="1800" b="1" dirty="0">
                 <a:latin typeface="Times New Roman" panose="02020603050405020304" pitchFamily="18" charset="0"/>
                 <a:ea typeface="PMingLiU" panose="02020500000000000000" pitchFamily="18" charset="-120"/>
               </a:rPr>
@@ -7015,7 +6347,7 @@
               <a:t>sampling procedure in which an interval starting point is selected by a random process</a:t>
             </a:r>
             <a:r>
-              <a:rPr lang="en-DE" sz="1400" dirty="0">
+              <a:rPr lang="en-US" sz="1400" dirty="0">
                 <a:latin typeface="Times New Roman" panose="02020603050405020304" pitchFamily="18" charset="0"/>
                 <a:ea typeface="PMingLiU" panose="02020500000000000000" pitchFamily="18" charset="-120"/>
               </a:rPr>
@@ -7054,12 +6386,12 @@
               <a:t> number  on the list is selected from the sampling frame</a:t>
             </a:r>
             <a:r>
-              <a:rPr lang="en-DE" sz="1400" dirty="0">
+              <a:rPr lang="en-US" sz="1400" dirty="0">
                 <a:effectLst/>
               </a:rPr>
               <a:t> … </a:t>
             </a:r>
-            <a:endParaRPr lang="en-DE" sz="2000" dirty="0">
+            <a:endParaRPr lang="en-US" sz="2000" dirty="0">
               <a:effectLst/>
               <a:latin typeface="Times New Roman" panose="02020603050405020304" pitchFamily="18" charset="0"/>
               <a:ea typeface="PMingLiU" panose="02020500000000000000" pitchFamily="18" charset="-120"/>
@@ -7068,11 +6400,6 @@
         </p:txBody>
       </p:sp>
     </p:spTree>
-    <p:extLst>
-      <p:ext uri="{BB962C8B-B14F-4D97-AF65-F5344CB8AC3E}">
-        <p14:creationId xmlns:p14="http://schemas.microsoft.com/office/powerpoint/2010/main" val="2272670786"/>
-      </p:ext>
-    </p:extLst>
   </p:cSld>
   <p:clrMapOvr>
     <a:masterClrMapping/>
@@ -7099,13 +6426,7 @@
       </p:grpSpPr>
       <p:sp>
         <p:nvSpPr>
-          <p:cNvPr id="2" name="Title 1">
-            <a:extLst>
-              <a:ext uri="{FF2B5EF4-FFF2-40B4-BE49-F238E27FC236}">
-                <a16:creationId xmlns:a16="http://schemas.microsoft.com/office/drawing/2014/main" id="{D6F1587B-47A1-6092-1382-1A38F525D36B}"/>
-              </a:ext>
-            </a:extLst>
-          </p:cNvPr>
+          <p:cNvPr id="2" name="Title 1"/>
           <p:cNvSpPr>
             <a:spLocks noGrp="1"/>
           </p:cNvSpPr>
@@ -7126,21 +6447,16 @@
           <a:lstStyle/>
           <a:p>
             <a:r>
-              <a:rPr lang="en-DE" dirty="0"/>
+              <a:rPr lang="en-US" dirty="0"/>
               <a:t>Non-Probabilistic Sampling Techniques</a:t>
             </a:r>
-          </a:p>
-        </p:txBody>
-      </p:sp>
-      <p:sp>
-        <p:nvSpPr>
-          <p:cNvPr id="3" name="Content Placeholder 2">
-            <a:extLst>
-              <a:ext uri="{FF2B5EF4-FFF2-40B4-BE49-F238E27FC236}">
-                <a16:creationId xmlns:a16="http://schemas.microsoft.com/office/drawing/2014/main" id="{8134C504-C163-03CB-E790-49237C91A6C6}"/>
-              </a:ext>
-            </a:extLst>
-          </p:cNvPr>
+            <a:endParaRPr lang="en-US" dirty="0"/>
+          </a:p>
+        </p:txBody>
+      </p:sp>
+      <p:sp>
+        <p:nvSpPr>
+          <p:cNvPr id="3" name="Content Placeholder 2"/>
           <p:cNvSpPr>
             <a:spLocks noGrp="1"/>
           </p:cNvSpPr>
@@ -7184,6 +6500,11 @@
               </a:rPr>
               <a:t>is the sampling procedure used to obtain those units most conveniently available </a:t>
             </a:r>
+            <a:endParaRPr lang="en-US" sz="2400" dirty="0">
+              <a:effectLst/>
+              <a:latin typeface="Times New Roman" panose="02020603050405020304" pitchFamily="18" charset="0"/>
+              <a:ea typeface="PMingLiU" panose="02020500000000000000" pitchFamily="18" charset="-120"/>
+            </a:endParaRPr>
           </a:p>
           <a:p>
             <a:pPr marL="342900" lvl="0" indent="-342900" algn="just">
@@ -7202,6 +6523,11 @@
               </a:rPr>
               <a:t>Moreover, it is about the sample constituted by the first met casually people, accidentally. </a:t>
             </a:r>
+            <a:endParaRPr lang="en-US" sz="2400" dirty="0">
+              <a:effectLst/>
+              <a:latin typeface="Times New Roman" panose="02020603050405020304" pitchFamily="18" charset="0"/>
+              <a:ea typeface="PMingLiU" panose="02020500000000000000" pitchFamily="18" charset="-120"/>
+            </a:endParaRPr>
           </a:p>
           <a:p>
             <a:pPr marL="342900" lvl="0" indent="-342900" algn="just">
@@ -7224,7 +6550,7 @@
               <a:t>The purposive sampling or judgmental sampling </a:t>
             </a:r>
             <a:r>
-              <a:rPr lang="en-DE" sz="2400" b="1" dirty="0">
+              <a:rPr lang="en-US" sz="2400" b="1" dirty="0">
                 <a:latin typeface="Times New Roman" panose="02020603050405020304" pitchFamily="18" charset="0"/>
                 <a:ea typeface="PMingLiU" panose="02020500000000000000" pitchFamily="18" charset="-120"/>
               </a:rPr>
@@ -7238,6 +6564,11 @@
               </a:rPr>
               <a:t>s a non-probability sampling technique in which an experienced individual selects the sample based upon some appropriate characteristic of the sample members (Zikmund, 2003).</a:t>
             </a:r>
+            <a:endParaRPr lang="en-US" sz="2400" dirty="0">
+              <a:effectLst/>
+              <a:latin typeface="Times New Roman" panose="02020603050405020304" pitchFamily="18" charset="0"/>
+              <a:ea typeface="PMingLiU" panose="02020500000000000000" pitchFamily="18" charset="-120"/>
+            </a:endParaRPr>
           </a:p>
           <a:p>
             <a:pPr marL="342900" lvl="0" indent="-342900" algn="just">
@@ -7620,7 +6951,7 @@
               <a:t>The snowball sampling or sampling by networks</a:t>
             </a:r>
             <a:r>
-              <a:rPr lang="en-DE" sz="2400" b="1" dirty="0">
+              <a:rPr lang="en-US" sz="2400" b="1" dirty="0">
                 <a:latin typeface="Times New Roman" panose="02020603050405020304" pitchFamily="18" charset="0"/>
                 <a:ea typeface="PMingLiU" panose="02020500000000000000" pitchFamily="18" charset="-120"/>
               </a:rPr>
@@ -7635,7 +6966,7 @@
               <a:t>is a form of convenience sample where the researcher makes initial contact with a small group of people who are relevant to the research topic and then uses these to establish contacts with others (Bryman, 2012)</a:t>
             </a:r>
             <a:r>
-              <a:rPr lang="en-DE" sz="2400" dirty="0">
+              <a:rPr lang="en-US" sz="2400" dirty="0">
                 <a:effectLst/>
               </a:rPr>
               <a:t> </a:t>
@@ -7649,11 +6980,6 @@
         </p:txBody>
       </p:sp>
     </p:spTree>
-    <p:extLst>
-      <p:ext uri="{BB962C8B-B14F-4D97-AF65-F5344CB8AC3E}">
-        <p14:creationId xmlns:p14="http://schemas.microsoft.com/office/powerpoint/2010/main" val="2853328268"/>
-      </p:ext>
-    </p:extLst>
   </p:cSld>
   <p:clrMapOvr>
     <a:masterClrMapping/>
@@ -7680,13 +7006,7 @@
       </p:grpSpPr>
       <p:sp>
         <p:nvSpPr>
-          <p:cNvPr id="2" name="Title 1">
-            <a:extLst>
-              <a:ext uri="{FF2B5EF4-FFF2-40B4-BE49-F238E27FC236}">
-                <a16:creationId xmlns:a16="http://schemas.microsoft.com/office/drawing/2014/main" id="{1D863E70-55C2-1B12-56E9-141D534920D3}"/>
-              </a:ext>
-            </a:extLst>
-          </p:cNvPr>
+          <p:cNvPr id="2" name="Title 1"/>
           <p:cNvSpPr>
             <a:spLocks noGrp="1"/>
           </p:cNvSpPr>
@@ -7700,21 +7020,16 @@
           <a:lstStyle/>
           <a:p>
             <a:r>
-              <a:rPr lang="en-DE" dirty="0"/>
+              <a:rPr lang="en-US" dirty="0"/>
               <a:t>Research Instruments</a:t>
             </a:r>
-          </a:p>
-        </p:txBody>
-      </p:sp>
-      <p:sp>
-        <p:nvSpPr>
-          <p:cNvPr id="3" name="Content Placeholder 2">
-            <a:extLst>
-              <a:ext uri="{FF2B5EF4-FFF2-40B4-BE49-F238E27FC236}">
-                <a16:creationId xmlns:a16="http://schemas.microsoft.com/office/drawing/2014/main" id="{51C88A68-5B1A-2ADF-DB38-C91ABACFAF8B}"/>
-              </a:ext>
-            </a:extLst>
-          </p:cNvPr>
+            <a:endParaRPr lang="en-US" dirty="0"/>
+          </a:p>
+        </p:txBody>
+      </p:sp>
+      <p:sp>
+        <p:nvSpPr>
+          <p:cNvPr id="3" name="Content Placeholder 2"/>
           <p:cNvSpPr>
             <a:spLocks noGrp="1"/>
           </p:cNvSpPr>
@@ -7730,36 +7045,35 @@
           <a:lstStyle/>
           <a:p>
             <a:r>
-              <a:rPr lang="en-DE" sz="3600" dirty="0"/>
+              <a:rPr lang="en-US" sz="3600" dirty="0"/>
               <a:t>Interview Guide</a:t>
             </a:r>
-          </a:p>
-          <a:p>
-            <a:r>
-              <a:rPr lang="en-DE" sz="3600" dirty="0"/>
+            <a:endParaRPr lang="en-US" sz="3600" dirty="0"/>
+          </a:p>
+          <a:p>
+            <a:r>
+              <a:rPr lang="en-US" sz="3600" dirty="0"/>
               <a:t>Questionnaire</a:t>
             </a:r>
-          </a:p>
-          <a:p>
-            <a:r>
-              <a:rPr lang="en-DE" sz="3600" dirty="0"/>
+            <a:endParaRPr lang="en-US" sz="3600" dirty="0"/>
+          </a:p>
+          <a:p>
+            <a:r>
+              <a:rPr lang="en-US" sz="3600" dirty="0"/>
               <a:t>Observation </a:t>
             </a:r>
-          </a:p>
-          <a:p>
-            <a:r>
-              <a:rPr lang="en-DE" sz="3600" dirty="0"/>
+            <a:endParaRPr lang="en-US" sz="3600" dirty="0"/>
+          </a:p>
+          <a:p>
+            <a:r>
+              <a:rPr lang="en-US" sz="3600" dirty="0"/>
               <a:t>Documentary Survey</a:t>
             </a:r>
+            <a:endParaRPr lang="en-US" sz="3600" dirty="0"/>
           </a:p>
         </p:txBody>
       </p:sp>
     </p:spTree>
-    <p:extLst>
-      <p:ext uri="{BB962C8B-B14F-4D97-AF65-F5344CB8AC3E}">
-        <p14:creationId xmlns:p14="http://schemas.microsoft.com/office/powerpoint/2010/main" val="2896743878"/>
-      </p:ext>
-    </p:extLst>
   </p:cSld>
   <p:clrMapOvr>
     <a:masterClrMapping/>
@@ -7786,13 +7100,7 @@
       </p:grpSpPr>
       <p:sp>
         <p:nvSpPr>
-          <p:cNvPr id="2" name="Title 1">
-            <a:extLst>
-              <a:ext uri="{FF2B5EF4-FFF2-40B4-BE49-F238E27FC236}">
-                <a16:creationId xmlns:a16="http://schemas.microsoft.com/office/drawing/2014/main" id="{C88F01F1-575A-78D7-B934-C0CB19E8B011}"/>
-              </a:ext>
-            </a:extLst>
-          </p:cNvPr>
+          <p:cNvPr id="2" name="Title 1"/>
           <p:cNvSpPr>
             <a:spLocks noGrp="1"/>
           </p:cNvSpPr>
@@ -7806,21 +7114,16 @@
           <a:lstStyle/>
           <a:p>
             <a:r>
-              <a:rPr lang="en-DE" dirty="0"/>
+              <a:rPr lang="en-US" dirty="0"/>
               <a:t>Interview Guide</a:t>
             </a:r>
-          </a:p>
-        </p:txBody>
-      </p:sp>
-      <p:sp>
-        <p:nvSpPr>
-          <p:cNvPr id="3" name="Content Placeholder 2">
-            <a:extLst>
-              <a:ext uri="{FF2B5EF4-FFF2-40B4-BE49-F238E27FC236}">
-                <a16:creationId xmlns:a16="http://schemas.microsoft.com/office/drawing/2014/main" id="{ACD1DE91-46C7-D486-6FAC-AE28871C935C}"/>
-              </a:ext>
-            </a:extLst>
-          </p:cNvPr>
+            <a:endParaRPr lang="en-US" dirty="0"/>
+          </a:p>
+        </p:txBody>
+      </p:sp>
+      <p:sp>
+        <p:nvSpPr>
+          <p:cNvPr id="3" name="Content Placeholder 2"/>
           <p:cNvSpPr>
             <a:spLocks noGrp="1"/>
           </p:cNvSpPr>
@@ -7883,6 +7186,11 @@
               </a:rPr>
               <a:t> interviewing.  </a:t>
             </a:r>
+            <a:endParaRPr lang="en-US" dirty="0">
+              <a:effectLst/>
+              <a:latin typeface="Times New Roman" panose="02020603050405020304" pitchFamily="18" charset="0"/>
+              <a:ea typeface="PMingLiU" panose="02020500000000000000" pitchFamily="18" charset="-120"/>
+            </a:endParaRPr>
           </a:p>
           <a:p>
             <a:r>
@@ -7893,6 +7201,11 @@
               </a:rPr>
               <a:t>It is about face-to-face oral communication between two people (or several). </a:t>
             </a:r>
+            <a:endParaRPr lang="en-US" dirty="0">
+              <a:effectLst/>
+              <a:latin typeface="Times New Roman" panose="02020603050405020304" pitchFamily="18" charset="0"/>
+              <a:ea typeface="PMingLiU" panose="02020500000000000000" pitchFamily="18" charset="-120"/>
+            </a:endParaRPr>
           </a:p>
           <a:p>
             <a:r>
@@ -7903,6 +7216,11 @@
               </a:rPr>
               <a:t>It is an exchange in which the respondent or interlocutor expresses his/her perceptions, interpretations, experiences, while the researcher, by his/her open questions and his/her reactions, facilitates this expression, avoid that this one moves away from the research objectives.  </a:t>
             </a:r>
+            <a:endParaRPr lang="en-US" dirty="0">
+              <a:effectLst/>
+              <a:latin typeface="Times New Roman" panose="02020603050405020304" pitchFamily="18" charset="0"/>
+              <a:ea typeface="PMingLiU" panose="02020500000000000000" pitchFamily="18" charset="-120"/>
+            </a:endParaRPr>
           </a:p>
           <a:p>
             <a:r>
@@ -7930,21 +7248,16 @@
               <a:t> to clarify the open question</a:t>
             </a:r>
             <a:r>
-              <a:rPr lang="en-DE" dirty="0">
+              <a:rPr lang="en-US" dirty="0">
                 <a:effectLst/>
               </a:rPr>
               <a:t> </a:t>
             </a:r>
-            <a:endParaRPr lang="en-DE" dirty="0"/>
+            <a:endParaRPr lang="en-US" dirty="0"/>
           </a:p>
         </p:txBody>
       </p:sp>
     </p:spTree>
-    <p:extLst>
-      <p:ext uri="{BB962C8B-B14F-4D97-AF65-F5344CB8AC3E}">
-        <p14:creationId xmlns:p14="http://schemas.microsoft.com/office/powerpoint/2010/main" val="2382297335"/>
-      </p:ext>
-    </p:extLst>
   </p:cSld>
   <p:clrMapOvr>
     <a:masterClrMapping/>
@@ -7971,13 +7284,7 @@
       </p:grpSpPr>
       <p:sp>
         <p:nvSpPr>
-          <p:cNvPr id="2" name="Title 1">
-            <a:extLst>
-              <a:ext uri="{FF2B5EF4-FFF2-40B4-BE49-F238E27FC236}">
-                <a16:creationId xmlns:a16="http://schemas.microsoft.com/office/drawing/2014/main" id="{F0484BAE-55B5-A318-91B6-0382462449C8}"/>
-              </a:ext>
-            </a:extLst>
-          </p:cNvPr>
+          <p:cNvPr id="2" name="Title 1"/>
           <p:cNvSpPr>
             <a:spLocks noGrp="1"/>
           </p:cNvSpPr>
@@ -8001,24 +7308,18 @@
               <a:t>Some basic elements in preparation of interview guide are as follows:</a:t>
             </a:r>
             <a:r>
-              <a:rPr lang="en-DE" sz="3200" dirty="0">
+              <a:rPr lang="en-US" sz="3200" dirty="0">
                 <a:effectLst/>
               </a:rPr>
               <a:t> </a:t>
             </a:r>
-            <a:endParaRPr lang="en-DE" sz="3200" dirty="0"/>
-          </a:p>
-        </p:txBody>
-      </p:sp>
-      <p:sp>
-        <p:nvSpPr>
-          <p:cNvPr id="3" name="Content Placeholder 2">
-            <a:extLst>
-              <a:ext uri="{FF2B5EF4-FFF2-40B4-BE49-F238E27FC236}">
-                <a16:creationId xmlns:a16="http://schemas.microsoft.com/office/drawing/2014/main" id="{0B5196EB-A16C-07FE-94B3-6451B5173BF6}"/>
-              </a:ext>
-            </a:extLst>
-          </p:cNvPr>
+            <a:endParaRPr lang="en-US" sz="3200" dirty="0"/>
+          </a:p>
+        </p:txBody>
+      </p:sp>
+      <p:sp>
+        <p:nvSpPr>
+          <p:cNvPr id="3" name="Content Placeholder 2"/>
           <p:cNvSpPr>
             <a:spLocks noGrp="1"/>
           </p:cNvSpPr>
@@ -8045,7 +7346,7 @@
               </a:rPr>
               <a:t>Give  order to questions or related topics</a:t>
             </a:r>
-            <a:endParaRPr lang="en-DE" sz="2400" dirty="0">
+            <a:endParaRPr lang="en-US" sz="2400" dirty="0">
               <a:effectLst/>
               <a:latin typeface="Times New Roman" panose="02020603050405020304" pitchFamily="18" charset="0"/>
               <a:ea typeface="PMingLiU" panose="02020500000000000000" pitchFamily="18" charset="-120"/>
@@ -8064,7 +7365,7 @@
               </a:rPr>
               <a:t>Design open questions or topics to be discussed.</a:t>
             </a:r>
-            <a:endParaRPr lang="en-DE" sz="2400" dirty="0">
+            <a:endParaRPr lang="en-US" sz="2400" dirty="0">
               <a:effectLst/>
               <a:latin typeface="Times New Roman" panose="02020603050405020304" pitchFamily="18" charset="0"/>
               <a:ea typeface="PMingLiU" panose="02020500000000000000" pitchFamily="18" charset="-120"/>
@@ -8083,7 +7384,7 @@
               </a:rPr>
               <a:t>Use the standard language that is clear to the interviewee.</a:t>
             </a:r>
-            <a:endParaRPr lang="en-DE" sz="2400" dirty="0">
+            <a:endParaRPr lang="en-US" sz="2400" dirty="0">
               <a:effectLst/>
               <a:latin typeface="Times New Roman" panose="02020603050405020304" pitchFamily="18" charset="0"/>
               <a:ea typeface="PMingLiU" panose="02020500000000000000" pitchFamily="18" charset="-120"/>
@@ -8102,7 +7403,7 @@
               </a:rPr>
               <a:t>Avoid leading questions.</a:t>
             </a:r>
-            <a:endParaRPr lang="en-DE" sz="2400" dirty="0">
+            <a:endParaRPr lang="en-US" sz="2400" dirty="0">
               <a:effectLst/>
               <a:latin typeface="Times New Roman" panose="02020603050405020304" pitchFamily="18" charset="0"/>
               <a:ea typeface="PMingLiU" panose="02020500000000000000" pitchFamily="18" charset="-120"/>
@@ -8137,7 +7438,7 @@
               </a:rPr>
               <a:t>information of general kind such as name, age, gender, etc. and a specific kind such as position in company, number of years employed, number of years involved in a group, etc.  the reason behind is that the information is relevant in contextualizing the information gathered.</a:t>
             </a:r>
-            <a:endParaRPr lang="en-DE" sz="2400" dirty="0">
+            <a:endParaRPr lang="en-US" sz="2400" dirty="0">
               <a:effectLst/>
               <a:latin typeface="Times New Roman" panose="02020603050405020304" pitchFamily="18" charset="0"/>
               <a:ea typeface="PMingLiU" panose="02020500000000000000" pitchFamily="18" charset="-120"/>
@@ -8146,11 +7447,6 @@
         </p:txBody>
       </p:sp>
     </p:spTree>
-    <p:extLst>
-      <p:ext uri="{BB962C8B-B14F-4D97-AF65-F5344CB8AC3E}">
-        <p14:creationId xmlns:p14="http://schemas.microsoft.com/office/powerpoint/2010/main" val="3012328950"/>
-      </p:ext>
-    </p:extLst>
   </p:cSld>
   <p:clrMapOvr>
     <a:masterClrMapping/>
@@ -8177,13 +7473,7 @@
       </p:grpSpPr>
       <p:sp>
         <p:nvSpPr>
-          <p:cNvPr id="2" name="Title 1">
-            <a:extLst>
-              <a:ext uri="{FF2B5EF4-FFF2-40B4-BE49-F238E27FC236}">
-                <a16:creationId xmlns:a16="http://schemas.microsoft.com/office/drawing/2014/main" id="{F456A8A5-4662-F94C-63E3-3A31B72CEBDA}"/>
-              </a:ext>
-            </a:extLst>
-          </p:cNvPr>
+          <p:cNvPr id="2" name="Title 1"/>
           <p:cNvSpPr>
             <a:spLocks noGrp="1"/>
           </p:cNvSpPr>
@@ -8213,19 +7503,13 @@
               </a:rPr>
               <a:t>ctivities to get prepared for conducting an interview </a:t>
             </a:r>
-            <a:endParaRPr lang="en-DE" sz="3200" dirty="0"/>
-          </a:p>
-        </p:txBody>
-      </p:sp>
-      <p:sp>
-        <p:nvSpPr>
-          <p:cNvPr id="3" name="Content Placeholder 2">
-            <a:extLst>
-              <a:ext uri="{FF2B5EF4-FFF2-40B4-BE49-F238E27FC236}">
-                <a16:creationId xmlns:a16="http://schemas.microsoft.com/office/drawing/2014/main" id="{1F862028-0334-1E5D-4C07-3BAA47D9DFB7}"/>
-              </a:ext>
-            </a:extLst>
-          </p:cNvPr>
+            <a:endParaRPr lang="en-US" sz="3200" dirty="0"/>
+          </a:p>
+        </p:txBody>
+      </p:sp>
+      <p:sp>
+        <p:nvSpPr>
+          <p:cNvPr id="3" name="Content Placeholder 2"/>
           <p:cNvSpPr>
             <a:spLocks noGrp="1"/>
           </p:cNvSpPr>
@@ -8250,7 +7534,7 @@
               </a:rPr>
               <a:t>Familiarize with interviewee context.</a:t>
             </a:r>
-            <a:endParaRPr lang="en-DE" sz="2400" dirty="0">
+            <a:endParaRPr lang="en-US" sz="2400" dirty="0">
               <a:effectLst/>
               <a:latin typeface="Times New Roman" panose="02020603050405020304" pitchFamily="18" charset="0"/>
               <a:ea typeface="PMingLiU" panose="02020500000000000000" pitchFamily="18" charset="-120"/>
@@ -8269,7 +7553,7 @@
               </a:rPr>
               <a:t>Ensure good quality of recording machine and microphone for effective transcription.</a:t>
             </a:r>
-            <a:endParaRPr lang="en-DE" sz="2400" dirty="0">
+            <a:endParaRPr lang="en-US" sz="2400" dirty="0">
               <a:effectLst/>
               <a:latin typeface="Times New Roman" panose="02020603050405020304" pitchFamily="18" charset="0"/>
               <a:ea typeface="PMingLiU" panose="02020500000000000000" pitchFamily="18" charset="-120"/>
@@ -8288,7 +7572,7 @@
               </a:rPr>
               <a:t>Prepare an environment conducive (quiet and free from destructions) and private for not worrying or over heading an interviewee.</a:t>
             </a:r>
-            <a:endParaRPr lang="en-DE" sz="2400" dirty="0">
+            <a:endParaRPr lang="en-US" sz="2400" dirty="0">
               <a:effectLst/>
               <a:latin typeface="Times New Roman" panose="02020603050405020304" pitchFamily="18" charset="0"/>
               <a:ea typeface="PMingLiU" panose="02020500000000000000" pitchFamily="18" charset="-120"/>
@@ -8571,7 +7855,7 @@
               </a:rPr>
               <a:t> ( ensure the interviewee appreciates what the research is about and the answers with be treated with confidentiality).</a:t>
             </a:r>
-            <a:endParaRPr lang="en-DE" sz="1800" dirty="0">
+            <a:endParaRPr lang="en-US" sz="1800" dirty="0">
               <a:effectLst/>
               <a:latin typeface="Times New Roman" panose="02020603050405020304" pitchFamily="18" charset="0"/>
               <a:ea typeface="PMingLiU" panose="02020500000000000000" pitchFamily="18" charset="-120"/>
@@ -8580,11 +7864,6 @@
         </p:txBody>
       </p:sp>
     </p:spTree>
-    <p:extLst>
-      <p:ext uri="{BB962C8B-B14F-4D97-AF65-F5344CB8AC3E}">
-        <p14:creationId xmlns:p14="http://schemas.microsoft.com/office/powerpoint/2010/main" val="1388835335"/>
-      </p:ext>
-    </p:extLst>
   </p:cSld>
   <p:clrMapOvr>
     <a:masterClrMapping/>
@@ -8635,7 +7914,7 @@
     </a:clrScheme>
     <a:fontScheme name="Office">
       <a:majorFont>
-        <a:latin typeface="Calibri Light" panose="020F0302020204030204"/>
+        <a:latin typeface="Calibri Light"/>
         <a:ea typeface=""/>
         <a:cs typeface=""/>
         <a:font script="Jpan" typeface="游ゴシック Light"/>
@@ -8668,26 +7947,9 @@
         <a:font script="Viet" typeface="Times New Roman"/>
         <a:font script="Uigh" typeface="Microsoft Uighur"/>
         <a:font script="Geor" typeface="Sylfaen"/>
-        <a:font script="Armn" typeface="Arial"/>
-        <a:font script="Bugi" typeface="Leelawadee UI"/>
-        <a:font script="Bopo" typeface="Microsoft JhengHei"/>
-        <a:font script="Java" typeface="Javanese Text"/>
-        <a:font script="Lisu" typeface="Segoe UI"/>
-        <a:font script="Mymr" typeface="Myanmar Text"/>
-        <a:font script="Nkoo" typeface="Ebrima"/>
-        <a:font script="Olck" typeface="Nirmala UI"/>
-        <a:font script="Osma" typeface="Ebrima"/>
-        <a:font script="Phag" typeface="Phagspa"/>
-        <a:font script="Syrn" typeface="Estrangelo Edessa"/>
-        <a:font script="Syrj" typeface="Estrangelo Edessa"/>
-        <a:font script="Syre" typeface="Estrangelo Edessa"/>
-        <a:font script="Sora" typeface="Nirmala UI"/>
-        <a:font script="Tale" typeface="Microsoft Tai Le"/>
-        <a:font script="Talu" typeface="Microsoft New Tai Lue"/>
-        <a:font script="Tfng" typeface="Ebrima"/>
       </a:majorFont>
       <a:minorFont>
-        <a:latin typeface="Calibri" panose="020F0502020204030204"/>
+        <a:latin typeface="Calibri"/>
         <a:ea typeface=""/>
         <a:cs typeface=""/>
         <a:font script="Jpan" typeface="游ゴシック"/>
@@ -8720,23 +7982,6 @@
         <a:font script="Viet" typeface="Arial"/>
         <a:font script="Uigh" typeface="Microsoft Uighur"/>
         <a:font script="Geor" typeface="Sylfaen"/>
-        <a:font script="Armn" typeface="Arial"/>
-        <a:font script="Bugi" typeface="Leelawadee UI"/>
-        <a:font script="Bopo" typeface="Microsoft JhengHei"/>
-        <a:font script="Java" typeface="Javanese Text"/>
-        <a:font script="Lisu" typeface="Segoe UI"/>
-        <a:font script="Mymr" typeface="Myanmar Text"/>
-        <a:font script="Nkoo" typeface="Ebrima"/>
-        <a:font script="Olck" typeface="Nirmala UI"/>
-        <a:font script="Osma" typeface="Ebrima"/>
-        <a:font script="Phag" typeface="Phagspa"/>
-        <a:font script="Syrn" typeface="Estrangelo Edessa"/>
-        <a:font script="Syrj" typeface="Estrangelo Edessa"/>
-        <a:font script="Syre" typeface="Estrangelo Edessa"/>
-        <a:font script="Sora" typeface="Nirmala UI"/>
-        <a:font script="Tale" typeface="Microsoft Tai Le"/>
-        <a:font script="Talu" typeface="Microsoft New Tai Lue"/>
-        <a:font script="Tfng" typeface="Ebrima"/>
       </a:minorFont>
     </a:fontScheme>
     <a:fmtScheme name="Office">
@@ -8877,8 +8122,6 @@
       </a:bgFillStyleLst>
     </a:fmtScheme>
   </a:themeElements>
-  <a:objectDefaults/>
-  <a:extraClrSchemeLst/>
   <a:extLst>
     <a:ext uri="{05A4C25C-085E-4340-85A3-A5531E510DB2}">
       <thm15:themeFamily xmlns:thm15="http://schemas.microsoft.com/office/thememl/2012/main" name="Office Theme" id="{62F939B6-93AF-4DB8-9C6B-D6C7DFDC589F}" vid="{4A3C46E8-61CC-4603-A589-7422A47A8E4A}"/>

--- a/auca/sem-1/edrom-8113-study-research/8 Scientific Research Method.pptx
+++ b/auca/sem-1/edrom-8113-study-research/8 Scientific Research Method.pptx
@@ -3596,11 +3596,12 @@
           <a:bodyPr/>
           <a:lstStyle/>
           <a:p>
-            <a:r>
-              <a:rPr lang="en-US" dirty="0"/>
+            <a:pPr algn="ctr"/>
+            <a:r>
+              <a:rPr lang="en-US" b="1" dirty="0"/>
               <a:t>Questionnaire</a:t>
             </a:r>
-            <a:endParaRPr lang="en-US" dirty="0"/>
+            <a:endParaRPr lang="en-US" b="1" dirty="0"/>
           </a:p>
         </p:txBody>
       </p:sp>
@@ -3760,14 +3761,17 @@
         </p:nvSpPr>
         <p:spPr/>
         <p:txBody>
-          <a:bodyPr/>
-          <a:lstStyle/>
-          <a:p>
-            <a:r>
-              <a:rPr lang="en-US" dirty="0"/>
+          <a:bodyPr>
+            <a:normAutofit fontScale="90000"/>
+          </a:bodyPr>
+          <a:lstStyle/>
+          <a:p>
+            <a:pPr algn="ctr"/>
+            <a:r>
+              <a:rPr lang="en-US" b="1" dirty="0"/>
               <a:t>Reliability, validity and ethical consideration</a:t>
             </a:r>
-            <a:endParaRPr lang="en-US" dirty="0"/>
+            <a:endParaRPr lang="en-US" b="1" dirty="0"/>
           </a:p>
         </p:txBody>
       </p:sp>
@@ -3956,21 +3960,24 @@
         </p:nvSpPr>
         <p:spPr/>
         <p:txBody>
-          <a:bodyPr/>
-          <a:lstStyle/>
-          <a:p>
-            <a:r>
-              <a:rPr lang="en-US" dirty="0"/>
+          <a:bodyPr>
+            <a:normAutofit fontScale="90000"/>
+          </a:bodyPr>
+          <a:lstStyle/>
+          <a:p>
+            <a:pPr algn="ctr"/>
+            <a:r>
+              <a:rPr lang="en-US" b="1" dirty="0"/>
               <a:t>Observation,</a:t>
             </a:r>
             <a:br>
-              <a:rPr lang="en-US" dirty="0"/>
+              <a:rPr lang="en-US" b="1" dirty="0"/>
             </a:br>
             <a:r>
-              <a:rPr lang="en-US" dirty="0"/>
+              <a:rPr lang="en-US" b="1" dirty="0"/>
               <a:t>Direct observation</a:t>
             </a:r>
-            <a:endParaRPr lang="en-US" dirty="0"/>
+            <a:endParaRPr lang="en-US" b="1" dirty="0"/>
           </a:p>
         </p:txBody>
       </p:sp>
@@ -4200,11 +4207,12 @@
           <a:bodyPr/>
           <a:lstStyle/>
           <a:p>
-            <a:r>
-              <a:rPr lang="en-US" dirty="0"/>
+            <a:pPr algn="ctr"/>
+            <a:r>
+              <a:rPr lang="en-US" b="1" dirty="0"/>
               <a:t>Indirect observation</a:t>
             </a:r>
-            <a:endParaRPr lang="en-US" dirty="0"/>
+            <a:endParaRPr lang="en-US" b="1" dirty="0"/>
           </a:p>
         </p:txBody>
       </p:sp>
@@ -4285,11 +4293,12 @@
           <a:bodyPr/>
           <a:lstStyle/>
           <a:p>
-            <a:r>
-              <a:rPr lang="en-US" dirty="0"/>
+            <a:pPr algn="ctr"/>
+            <a:r>
+              <a:rPr lang="en-US" b="1" dirty="0"/>
               <a:t>Participant observation</a:t>
             </a:r>
-            <a:endParaRPr lang="en-US" dirty="0"/>
+            <a:endParaRPr lang="en-US" b="1" dirty="0"/>
           </a:p>
         </p:txBody>
       </p:sp>
@@ -4505,11 +4514,12 @@
           <a:bodyPr/>
           <a:lstStyle/>
           <a:p>
-            <a:r>
-              <a:rPr lang="en-US" dirty="0"/>
+            <a:pPr algn="ctr"/>
+            <a:r>
+              <a:rPr lang="en-US" b="1" dirty="0"/>
               <a:t>Documentary survey</a:t>
             </a:r>
-            <a:endParaRPr lang="en-US" dirty="0"/>
+            <a:endParaRPr lang="en-US" b="1" dirty="0"/>
           </a:p>
         </p:txBody>
       </p:sp>
@@ -4581,14 +4591,17 @@
         </p:nvSpPr>
         <p:spPr/>
         <p:txBody>
-          <a:bodyPr/>
-          <a:lstStyle/>
-          <a:p>
-            <a:r>
-              <a:rPr lang="en-US" dirty="0"/>
+          <a:bodyPr>
+            <a:normAutofit fontScale="90000"/>
+          </a:bodyPr>
+          <a:lstStyle/>
+          <a:p>
+            <a:pPr algn="ctr"/>
+            <a:r>
+              <a:rPr lang="en-US" b="1" dirty="0"/>
               <a:t>Content analysis for the qualitative research</a:t>
             </a:r>
-            <a:endParaRPr lang="en-US" dirty="0"/>
+            <a:endParaRPr lang="en-US" b="1" dirty="0"/>
           </a:p>
         </p:txBody>
       </p:sp>
@@ -4768,11 +4781,12 @@
           <a:bodyPr/>
           <a:lstStyle/>
           <a:p>
-            <a:r>
-              <a:rPr lang="en-US" dirty="0"/>
+            <a:pPr algn="ctr"/>
+            <a:r>
+              <a:rPr lang="en-US" b="1" dirty="0"/>
               <a:t>Content analysis</a:t>
             </a:r>
-            <a:endParaRPr lang="en-US" dirty="0"/>
+            <a:endParaRPr lang="en-US" b="1" dirty="0"/>
           </a:p>
         </p:txBody>
       </p:sp>
@@ -5212,15 +5226,16 @@
           <a:bodyPr/>
           <a:lstStyle/>
           <a:p>
-            <a:r>
-              <a:rPr lang="en-GB" dirty="0"/>
+            <a:pPr algn="ctr"/>
+            <a:r>
+              <a:rPr lang="en-GB" b="1" dirty="0"/>
               <a:t>Q</a:t>
             </a:r>
             <a:r>
-              <a:rPr lang="en-US" dirty="0"/>
+              <a:rPr lang="en-US" b="1" dirty="0"/>
               <a:t>ualitative data analysis</a:t>
             </a:r>
-            <a:endParaRPr lang="en-US" dirty="0"/>
+            <a:endParaRPr lang="en-US" b="1" dirty="0"/>
           </a:p>
         </p:txBody>
       </p:sp>
@@ -5779,19 +5794,20 @@
           <a:bodyPr/>
           <a:lstStyle/>
           <a:p>
-            <a:r>
-              <a:rPr lang="en-US" dirty="0"/>
+            <a:pPr algn="ctr"/>
+            <a:r>
+              <a:rPr lang="en-US" b="1" dirty="0"/>
               <a:t>Discussion of </a:t>
             </a:r>
             <a:r>
-              <a:rPr lang="en-GB" dirty="0" err="1"/>
+              <a:rPr lang="en-GB" b="1" dirty="0" err="1"/>
               <a:t>th</a:t>
             </a:r>
             <a:r>
-              <a:rPr lang="en-US" dirty="0"/>
+              <a:rPr lang="en-US" b="1" dirty="0"/>
               <a:t>e results</a:t>
             </a:r>
-            <a:endParaRPr lang="en-US" dirty="0"/>
+            <a:endParaRPr lang="en-US" b="1" dirty="0"/>
           </a:p>
         </p:txBody>
       </p:sp>
@@ -6066,8 +6082,8 @@
         </p:nvSpPr>
         <p:spPr>
           <a:xfrm>
-            <a:off x="326571" y="925286"/>
-            <a:ext cx="11027229" cy="5251677"/>
+            <a:off x="326390" y="925195"/>
+            <a:ext cx="11027410" cy="5932170"/>
           </a:xfrm>
         </p:spPr>
         <p:txBody>
@@ -6077,7 +6093,7 @@
           <a:lstStyle/>
           <a:p>
             <a:r>
-              <a:rPr lang="fr-FR" sz="2000" b="1" dirty="0">
+              <a:rPr lang="fr-FR" sz="1800" b="1" dirty="0">
                 <a:effectLst/>
                 <a:latin typeface="Times New Roman" panose="02020603050405020304" pitchFamily="18" charset="0"/>
                 <a:ea typeface="PMingLiU" panose="02020500000000000000" pitchFamily="18" charset="-120"/>
@@ -6085,7 +6101,7 @@
               <a:t>The simple </a:t>
             </a:r>
             <a:r>
-              <a:rPr lang="fr-FR" sz="2000" b="1" dirty="0" err="1">
+              <a:rPr lang="fr-FR" sz="1800" b="1" dirty="0" err="1">
                 <a:effectLst/>
                 <a:latin typeface="Times New Roman" panose="02020603050405020304" pitchFamily="18" charset="0"/>
                 <a:ea typeface="PMingLiU" panose="02020500000000000000" pitchFamily="18" charset="-120"/>
@@ -6093,14 +6109,14 @@
               <a:t>random</a:t>
             </a:r>
             <a:r>
-              <a:rPr lang="fr-FR" sz="2000" b="1" dirty="0">
+              <a:rPr lang="fr-FR" sz="1800" b="1" dirty="0">
                 <a:effectLst/>
                 <a:latin typeface="Times New Roman" panose="02020603050405020304" pitchFamily="18" charset="0"/>
                 <a:ea typeface="PMingLiU" panose="02020500000000000000" pitchFamily="18" charset="-120"/>
               </a:rPr>
               <a:t> sampling: </a:t>
             </a:r>
-            <a:endParaRPr lang="fr-FR" sz="2000" b="1" dirty="0">
+            <a:endParaRPr lang="fr-FR" sz="1800" b="1" dirty="0">
               <a:effectLst/>
               <a:latin typeface="Times New Roman" panose="02020603050405020304" pitchFamily="18" charset="0"/>
               <a:ea typeface="PMingLiU" panose="02020500000000000000" pitchFamily="18" charset="-120"/>
@@ -6112,7 +6128,7 @@
               <a:buChar char="Ø"/>
             </a:pPr>
             <a:r>
-              <a:rPr lang="fr-FR" sz="2000" dirty="0">
+              <a:rPr lang="fr-FR" sz="1800" dirty="0">
                 <a:effectLst/>
                 <a:latin typeface="Times New Roman" panose="02020603050405020304" pitchFamily="18" charset="0"/>
                 <a:ea typeface="PMingLiU" panose="02020500000000000000" pitchFamily="18" charset="-120"/>
@@ -6120,7 +6136,7 @@
               <a:t>This can use the table of </a:t>
             </a:r>
             <a:r>
-              <a:rPr lang="fr-FR" sz="2000" dirty="0" err="1">
+              <a:rPr lang="fr-FR" sz="1800" dirty="0" err="1">
                 <a:effectLst/>
                 <a:latin typeface="Times New Roman" panose="02020603050405020304" pitchFamily="18" charset="0"/>
                 <a:ea typeface="PMingLiU" panose="02020500000000000000" pitchFamily="18" charset="-120"/>
@@ -6128,7 +6144,7 @@
               <a:t>random</a:t>
             </a:r>
             <a:r>
-              <a:rPr lang="fr-FR" sz="2000" dirty="0">
+              <a:rPr lang="fr-FR" sz="1800" dirty="0">
                 <a:effectLst/>
                 <a:latin typeface="Times New Roman" panose="02020603050405020304" pitchFamily="18" charset="0"/>
                 <a:ea typeface="PMingLiU" panose="02020500000000000000" pitchFamily="18" charset="-120"/>
@@ -6136,7 +6152,7 @@
               <a:t> sampling </a:t>
             </a:r>
             <a:r>
-              <a:rPr lang="fr-FR" sz="2000" dirty="0" err="1">
+              <a:rPr lang="fr-FR" sz="1800" dirty="0" err="1">
                 <a:effectLst/>
                 <a:latin typeface="Times New Roman" panose="02020603050405020304" pitchFamily="18" charset="0"/>
                 <a:ea typeface="PMingLiU" panose="02020500000000000000" pitchFamily="18" charset="-120"/>
@@ -6144,7 +6160,7 @@
               <a:t>numbers</a:t>
             </a:r>
             <a:r>
-              <a:rPr lang="fr-FR" sz="2000" dirty="0">
+              <a:rPr lang="fr-FR" sz="1800" dirty="0">
                 <a:effectLst/>
                 <a:latin typeface="Times New Roman" panose="02020603050405020304" pitchFamily="18" charset="0"/>
                 <a:ea typeface="PMingLiU" panose="02020500000000000000" pitchFamily="18" charset="-120"/>
@@ -6152,7 +6168,7 @@
               <a:t> </a:t>
             </a:r>
             <a:r>
-              <a:rPr lang="en-US" sz="2000" dirty="0">
+              <a:rPr lang="en-US" sz="1800" dirty="0">
                 <a:effectLst/>
                 <a:latin typeface="Times New Roman" panose="02020603050405020304" pitchFamily="18" charset="0"/>
                 <a:ea typeface="PMingLiU" panose="02020500000000000000" pitchFamily="18" charset="-120"/>
@@ -6160,7 +6176,7 @@
               <a:t>(Sounders, Lewis, &amp; </a:t>
             </a:r>
             <a:r>
-              <a:rPr lang="en-US" sz="2000" dirty="0" err="1">
+              <a:rPr lang="en-US" sz="1800" dirty="0" err="1">
                 <a:effectLst/>
                 <a:latin typeface="Times New Roman" panose="02020603050405020304" pitchFamily="18" charset="0"/>
                 <a:ea typeface="PMingLiU" panose="02020500000000000000" pitchFamily="18" charset="-120"/>
@@ -6168,14 +6184,14 @@
               <a:t>Thrornhill</a:t>
             </a:r>
             <a:r>
-              <a:rPr lang="en-US" sz="2000" dirty="0">
+              <a:rPr lang="en-US" sz="1800" dirty="0">
                 <a:effectLst/>
                 <a:latin typeface="Times New Roman" panose="02020603050405020304" pitchFamily="18" charset="0"/>
                 <a:ea typeface="PMingLiU" panose="02020500000000000000" pitchFamily="18" charset="-120"/>
               </a:rPr>
               <a:t>, 2009) on one hand. </a:t>
             </a:r>
-            <a:endParaRPr lang="en-US" sz="2000" dirty="0">
+            <a:endParaRPr lang="en-US" sz="1800" dirty="0">
               <a:effectLst/>
               <a:latin typeface="Times New Roman" panose="02020603050405020304" pitchFamily="18" charset="0"/>
               <a:ea typeface="PMingLiU" panose="02020500000000000000" pitchFamily="18" charset="-120"/>
@@ -6187,22 +6203,22 @@
               <a:buChar char="Ø"/>
             </a:pPr>
             <a:r>
-              <a:rPr lang="en-US" sz="2000" dirty="0">
+              <a:rPr lang="en-US" sz="1800" dirty="0">
                 <a:effectLst/>
                 <a:latin typeface="Times New Roman" panose="02020603050405020304" pitchFamily="18" charset="0"/>
                 <a:ea typeface="PMingLiU" panose="02020500000000000000" pitchFamily="18" charset="-120"/>
               </a:rPr>
               <a:t>The researcher writes down every individual’s name on a list and assigns him a number of identification using consecutive numbers. The names can be written on tips of paper and set down in an urn; one mixes, then one pulls a name at a time until the number of elements wanted to constitute the sample is reached on the other hand.  </a:t>
             </a:r>
-            <a:endParaRPr lang="en-US" sz="2000" dirty="0">
-              <a:effectLst/>
-              <a:latin typeface="Times New Roman" panose="02020603050405020304" pitchFamily="18" charset="0"/>
-              <a:ea typeface="PMingLiU" panose="02020500000000000000" pitchFamily="18" charset="-120"/>
-            </a:endParaRPr>
-          </a:p>
-          <a:p>
-            <a:r>
-              <a:rPr lang="en-GB" sz="2000" b="1" dirty="0">
+            <a:endParaRPr lang="en-US" sz="1800" dirty="0">
+              <a:effectLst/>
+              <a:latin typeface="Times New Roman" panose="02020603050405020304" pitchFamily="18" charset="0"/>
+              <a:ea typeface="PMingLiU" panose="02020500000000000000" pitchFamily="18" charset="-120"/>
+            </a:endParaRPr>
+          </a:p>
+          <a:p>
+            <a:r>
+              <a:rPr lang="en-GB" sz="1800" b="1" dirty="0">
                 <a:effectLst/>
                 <a:latin typeface="Times New Roman" panose="02020603050405020304" pitchFamily="18" charset="0"/>
                 <a:ea typeface="PMingLiU" panose="02020500000000000000" pitchFamily="18" charset="-120"/>
@@ -6210,14 +6226,14 @@
               <a:t>Stratified random sampling </a:t>
             </a:r>
             <a:r>
-              <a:rPr lang="en-US" sz="2000" dirty="0">
+              <a:rPr lang="en-US" sz="1800" dirty="0">
                 <a:effectLst/>
                 <a:latin typeface="Times New Roman" panose="02020603050405020304" pitchFamily="18" charset="0"/>
                 <a:ea typeface="PMingLiU" panose="02020500000000000000" pitchFamily="18" charset="-120"/>
               </a:rPr>
               <a:t>consists in dividing the target population in homogeneous groups or "strata", then to pull from each group in a random way a sample in every stratum. </a:t>
             </a:r>
-            <a:endParaRPr lang="en-US" sz="2000" dirty="0">
+            <a:endParaRPr lang="en-US" sz="1800" dirty="0">
               <a:effectLst/>
               <a:latin typeface="Times New Roman" panose="02020603050405020304" pitchFamily="18" charset="0"/>
               <a:ea typeface="PMingLiU" panose="02020500000000000000" pitchFamily="18" charset="-120"/>
@@ -6233,7 +6249,7 @@
               </a:tabLst>
             </a:pPr>
             <a:r>
-              <a:rPr lang="en-US" sz="2000" b="1" dirty="0">
+              <a:rPr lang="en-US" sz="1800" b="1" dirty="0">
                 <a:effectLst/>
                 <a:latin typeface="Times New Roman" panose="02020603050405020304" pitchFamily="18" charset="0"/>
                 <a:ea typeface="PMingLiU" panose="02020500000000000000" pitchFamily="18" charset="-120"/>
@@ -6241,7 +6257,7 @@
               <a:t>The cluster sampling i</a:t>
             </a:r>
             <a:r>
-              <a:rPr lang="en-US" sz="2000" dirty="0">
+              <a:rPr lang="en-US" sz="1800" dirty="0">
                 <a:effectLst/>
                 <a:latin typeface="Times New Roman" panose="02020603050405020304" pitchFamily="18" charset="0"/>
                 <a:ea typeface="PMingLiU" panose="02020500000000000000" pitchFamily="18" charset="-120"/>
@@ -6249,13 +6265,13 @@
               <a:t>s a technique which selects randomly subgroups of population based on geographical location</a:t>
             </a:r>
             <a:r>
-              <a:rPr lang="en-US" sz="2000" dirty="0">
+              <a:rPr lang="en-US" sz="1800" dirty="0">
                 <a:effectLst/>
               </a:rPr>
               <a:t> . </a:t>
             </a:r>
             <a:r>
-              <a:rPr lang="en-US" sz="2000" dirty="0">
+              <a:rPr lang="en-US" sz="1800" dirty="0">
                 <a:effectLst/>
                 <a:latin typeface="Times New Roman" panose="02020603050405020304" pitchFamily="18" charset="0"/>
                 <a:ea typeface="PMingLiU" panose="02020500000000000000" pitchFamily="18" charset="-120"/>
@@ -6263,12 +6279,12 @@
               <a:t>A researcher can choose one district, two districts or more in 30 districts of Rwanda.</a:t>
             </a:r>
             <a:r>
-              <a:rPr lang="en-US" sz="2000" dirty="0">
+              <a:rPr lang="en-US" sz="1800" dirty="0">
                 <a:effectLst/>
               </a:rPr>
               <a:t> </a:t>
             </a:r>
-            <a:endParaRPr lang="en-US" sz="2000" dirty="0">
+            <a:endParaRPr lang="en-US" sz="1800" dirty="0">
               <a:effectLst/>
             </a:endParaRPr>
           </a:p>
@@ -6282,7 +6298,7 @@
               </a:tabLst>
             </a:pPr>
             <a:r>
-              <a:rPr lang="en-US" sz="2000" b="1" dirty="0">
+              <a:rPr lang="en-US" sz="1800" b="1" dirty="0">
                 <a:effectLst/>
                 <a:latin typeface="Times New Roman" panose="02020603050405020304" pitchFamily="18" charset="0"/>
                 <a:ea typeface="PMingLiU" panose="02020500000000000000" pitchFamily="18" charset="-120"/>
@@ -6290,14 +6306,14 @@
               <a:t>Multi-stage cluster sampling</a:t>
             </a:r>
             <a:r>
-              <a:rPr lang="en-US" sz="2000" b="1" dirty="0">
+              <a:rPr lang="en-US" sz="1800" b="1" dirty="0">
                 <a:latin typeface="Times New Roman" panose="02020603050405020304" pitchFamily="18" charset="0"/>
                 <a:ea typeface="PMingLiU" panose="02020500000000000000" pitchFamily="18" charset="-120"/>
               </a:rPr>
               <a:t>: </a:t>
             </a:r>
             <a:r>
-              <a:rPr lang="en-US" sz="2000" dirty="0">
+              <a:rPr lang="en-US" sz="1800" dirty="0">
                 <a:effectLst/>
                 <a:latin typeface="Times New Roman" panose="02020603050405020304" pitchFamily="18" charset="0"/>
                 <a:ea typeface="PMingLiU" panose="02020500000000000000" pitchFamily="18" charset="-120"/>
@@ -6305,12 +6321,12 @@
               <a:t>When one doesn't have a complete list of the individuals composing the target population but rather a geographical map, a photo or a plan that serves as lists, one can determine by systematic pull the elements that will constitute the sample.</a:t>
             </a:r>
             <a:r>
-              <a:rPr lang="en-US" sz="2000" dirty="0">
+              <a:rPr lang="en-US" sz="1800" dirty="0">
                 <a:effectLst/>
               </a:rPr>
               <a:t> </a:t>
             </a:r>
-            <a:endParaRPr lang="en-US" sz="2000" dirty="0">
+            <a:endParaRPr lang="en-US" sz="1800" dirty="0">
               <a:effectLst/>
             </a:endParaRPr>
           </a:p>
@@ -6323,8 +6339,21 @@
                 <a:tab pos="457200" algn="l"/>
               </a:tabLst>
             </a:pPr>
-            <a:r>
-              <a:rPr lang="en-US" sz="1800" b="1" dirty="0">
+            <a:endParaRPr lang="en-US" sz="1800" dirty="0">
+              <a:effectLst/>
+            </a:endParaRPr>
+          </a:p>
+          <a:p>
+            <a:pPr algn="just">
+              <a:buSzPts val="1000"/>
+              <a:buFont typeface="Wingdings" panose="05000000000000000000" pitchFamily="2" charset="2"/>
+              <a:buChar char="Ø"/>
+              <a:tabLst>
+                <a:tab pos="457200" algn="l"/>
+              </a:tabLst>
+            </a:pPr>
+            <a:r>
+              <a:rPr lang="en-US" sz="1600" b="1" dirty="0">
                 <a:effectLst/>
                 <a:latin typeface="Times New Roman" panose="02020603050405020304" pitchFamily="18" charset="0"/>
                 <a:ea typeface="PMingLiU" panose="02020500000000000000" pitchFamily="18" charset="-120"/>
@@ -6332,14 +6361,14 @@
               <a:t>The systematic sampling </a:t>
             </a:r>
             <a:r>
-              <a:rPr lang="en-US" sz="1800" b="1" dirty="0">
+              <a:rPr lang="en-US" sz="1600" b="1" dirty="0">
                 <a:latin typeface="Times New Roman" panose="02020603050405020304" pitchFamily="18" charset="0"/>
                 <a:ea typeface="PMingLiU" panose="02020500000000000000" pitchFamily="18" charset="-120"/>
               </a:rPr>
               <a:t>is a </a:t>
             </a:r>
             <a:r>
-              <a:rPr lang="en-US" sz="1800" dirty="0">
+              <a:rPr lang="en-US" sz="1600" dirty="0">
                 <a:effectLst/>
                 <a:latin typeface="Times New Roman" panose="02020603050405020304" pitchFamily="18" charset="0"/>
                 <a:ea typeface="PMingLiU" panose="02020500000000000000" pitchFamily="18" charset="-120"/>
@@ -6347,14 +6376,14 @@
               <a:t>sampling procedure in which an interval starting point is selected by a random process</a:t>
             </a:r>
             <a:r>
-              <a:rPr lang="en-US" sz="1400" dirty="0">
+              <a:rPr lang="en-US" sz="1200" dirty="0">
                 <a:latin typeface="Times New Roman" panose="02020603050405020304" pitchFamily="18" charset="0"/>
                 <a:ea typeface="PMingLiU" panose="02020500000000000000" pitchFamily="18" charset="-120"/>
               </a:rPr>
               <a:t>, </a:t>
             </a:r>
             <a:r>
-              <a:rPr lang="en-US" sz="1800" dirty="0">
+              <a:rPr lang="en-US" sz="1600" dirty="0">
                 <a:effectLst/>
                 <a:latin typeface="Times New Roman" panose="02020603050405020304" pitchFamily="18" charset="0"/>
                 <a:ea typeface="PMingLiU" panose="02020500000000000000" pitchFamily="18" charset="-120"/>
@@ -6362,7 +6391,7 @@
               <a:t>and then every </a:t>
             </a:r>
             <a:r>
-              <a:rPr lang="en-US" sz="1800" i="1" dirty="0">
+              <a:rPr lang="en-US" sz="1600" i="1" dirty="0">
                 <a:effectLst/>
                 <a:latin typeface="Times New Roman" panose="02020603050405020304" pitchFamily="18" charset="0"/>
                 <a:ea typeface="PMingLiU" panose="02020500000000000000" pitchFamily="18" charset="-120"/>
@@ -6370,7 +6399,7 @@
               <a:t>n</a:t>
             </a:r>
             <a:r>
-              <a:rPr lang="en-US" sz="1800" i="1" baseline="30000" dirty="0">
+              <a:rPr lang="en-US" sz="1600" i="1" baseline="30000" dirty="0">
                 <a:effectLst/>
                 <a:latin typeface="Times New Roman" panose="02020603050405020304" pitchFamily="18" charset="0"/>
                 <a:ea typeface="PMingLiU" panose="02020500000000000000" pitchFamily="18" charset="-120"/>
@@ -6378,7 +6407,7 @@
               <a:t>th </a:t>
             </a:r>
             <a:r>
-              <a:rPr lang="en-US" sz="1800" dirty="0">
+              <a:rPr lang="en-US" sz="1600" dirty="0">
                 <a:effectLst/>
                 <a:latin typeface="Times New Roman" panose="02020603050405020304" pitchFamily="18" charset="0"/>
                 <a:ea typeface="PMingLiU" panose="02020500000000000000" pitchFamily="18" charset="-120"/>
@@ -6386,12 +6415,12 @@
               <a:t> number  on the list is selected from the sampling frame</a:t>
             </a:r>
             <a:r>
-              <a:rPr lang="en-US" sz="1400" dirty="0">
+              <a:rPr lang="en-US" sz="1200" dirty="0">
                 <a:effectLst/>
               </a:rPr>
               <a:t> … </a:t>
             </a:r>
-            <a:endParaRPr lang="en-US" sz="2000" dirty="0">
+            <a:endParaRPr lang="en-US" sz="1200" dirty="0">
               <a:effectLst/>
               <a:latin typeface="Times New Roman" panose="02020603050405020304" pitchFamily="18" charset="0"/>
               <a:ea typeface="PMingLiU" panose="02020500000000000000" pitchFamily="18" charset="-120"/>
@@ -6466,8 +6495,8 @@
         </p:nvSpPr>
         <p:spPr>
           <a:xfrm>
-            <a:off x="217714" y="696686"/>
-            <a:ext cx="11136086" cy="5480277"/>
+            <a:off x="217805" y="706755"/>
+            <a:ext cx="11135995" cy="5868035"/>
           </a:xfrm>
         </p:spPr>
         <p:txBody>
@@ -6485,7 +6514,7 @@
               </a:tabLst>
             </a:pPr>
             <a:r>
-              <a:rPr lang="en-US" sz="2400" b="1" dirty="0">
+              <a:rPr lang="en-US" sz="2000" b="1" dirty="0">
                 <a:effectLst/>
                 <a:latin typeface="Times New Roman" panose="02020603050405020304" pitchFamily="18" charset="0"/>
                 <a:ea typeface="PMingLiU" panose="02020500000000000000" pitchFamily="18" charset="-120"/>
@@ -6493,14 +6522,14 @@
               <a:t>The accidental sampling / convenience sampling </a:t>
             </a:r>
             <a:r>
-              <a:rPr lang="en-US" sz="2400" dirty="0">
+              <a:rPr lang="en-US" sz="2000" dirty="0">
                 <a:effectLst/>
                 <a:latin typeface="Times New Roman" panose="02020603050405020304" pitchFamily="18" charset="0"/>
                 <a:ea typeface="PMingLiU" panose="02020500000000000000" pitchFamily="18" charset="-120"/>
               </a:rPr>
               <a:t>is the sampling procedure used to obtain those units most conveniently available </a:t>
             </a:r>
-            <a:endParaRPr lang="en-US" sz="2400" dirty="0">
+            <a:endParaRPr lang="en-US" sz="2000" dirty="0">
               <a:effectLst/>
               <a:latin typeface="Times New Roman" panose="02020603050405020304" pitchFamily="18" charset="0"/>
               <a:ea typeface="PMingLiU" panose="02020500000000000000" pitchFamily="18" charset="-120"/>
@@ -6516,14 +6545,14 @@
               </a:tabLst>
             </a:pPr>
             <a:r>
-              <a:rPr lang="en-US" sz="2400" dirty="0">
+              <a:rPr lang="en-US" sz="2000" dirty="0">
                 <a:effectLst/>
                 <a:latin typeface="Times New Roman" panose="02020603050405020304" pitchFamily="18" charset="0"/>
                 <a:ea typeface="PMingLiU" panose="02020500000000000000" pitchFamily="18" charset="-120"/>
               </a:rPr>
               <a:t>Moreover, it is about the sample constituted by the first met casually people, accidentally. </a:t>
             </a:r>
-            <a:endParaRPr lang="en-US" sz="2400" dirty="0">
+            <a:endParaRPr lang="en-US" sz="2000" dirty="0">
               <a:effectLst/>
               <a:latin typeface="Times New Roman" panose="02020603050405020304" pitchFamily="18" charset="0"/>
               <a:ea typeface="PMingLiU" panose="02020500000000000000" pitchFamily="18" charset="-120"/>
@@ -6542,7 +6571,7 @@
               </a:tabLst>
             </a:pPr>
             <a:r>
-              <a:rPr lang="en-US" sz="2400" b="1" dirty="0">
+              <a:rPr lang="en-US" sz="2000" b="1" dirty="0">
                 <a:effectLst/>
                 <a:latin typeface="Times New Roman" panose="02020603050405020304" pitchFamily="18" charset="0"/>
                 <a:ea typeface="PMingLiU" panose="02020500000000000000" pitchFamily="18" charset="-120"/>
@@ -6550,21 +6579,21 @@
               <a:t>The purposive sampling or judgmental sampling </a:t>
             </a:r>
             <a:r>
-              <a:rPr lang="en-US" sz="2400" b="1" dirty="0">
+              <a:rPr lang="en-US" sz="2000" b="1" dirty="0">
                 <a:latin typeface="Times New Roman" panose="02020603050405020304" pitchFamily="18" charset="0"/>
                 <a:ea typeface="PMingLiU" panose="02020500000000000000" pitchFamily="18" charset="-120"/>
               </a:rPr>
               <a:t>i</a:t>
             </a:r>
             <a:r>
-              <a:rPr lang="en-US" sz="2400" dirty="0">
+              <a:rPr lang="en-US" sz="2000" dirty="0">
                 <a:effectLst/>
                 <a:latin typeface="Times New Roman" panose="02020603050405020304" pitchFamily="18" charset="0"/>
                 <a:ea typeface="PMingLiU" panose="02020500000000000000" pitchFamily="18" charset="-120"/>
               </a:rPr>
               <a:t>s a non-probability sampling technique in which an experienced individual selects the sample based upon some appropriate characteristic of the sample members (Zikmund, 2003).</a:t>
             </a:r>
-            <a:endParaRPr lang="en-US" sz="2400" dirty="0">
+            <a:endParaRPr lang="en-US" sz="2000" dirty="0">
               <a:effectLst/>
               <a:latin typeface="Times New Roman" panose="02020603050405020304" pitchFamily="18" charset="0"/>
               <a:ea typeface="PMingLiU" panose="02020500000000000000" pitchFamily="18" charset="-120"/>
@@ -6583,7 +6612,7 @@
               </a:tabLst>
             </a:pPr>
             <a:r>
-              <a:rPr lang="fr-FR" sz="2400" b="1" dirty="0">
+              <a:rPr lang="fr-FR" sz="2000" b="1" dirty="0">
                 <a:effectLst/>
                 <a:latin typeface="Times New Roman" panose="02020603050405020304" pitchFamily="18" charset="0"/>
                 <a:ea typeface="PMingLiU" panose="02020500000000000000" pitchFamily="18" charset="-120"/>
@@ -6591,14 +6620,14 @@
               <a:t>The quota sampling </a:t>
             </a:r>
             <a:r>
-              <a:rPr lang="fr-FR" sz="2400" dirty="0" err="1">
+              <a:rPr lang="fr-FR" sz="2000" dirty="0" err="1">
                 <a:latin typeface="Times New Roman" panose="02020603050405020304" pitchFamily="18" charset="0"/>
                 <a:ea typeface="PMingLiU" panose="02020500000000000000" pitchFamily="18" charset="-120"/>
               </a:rPr>
               <a:t>i</a:t>
             </a:r>
             <a:r>
-              <a:rPr lang="fr-FR" sz="2400" dirty="0" err="1">
+              <a:rPr lang="fr-FR" sz="2000" dirty="0" err="1">
                 <a:effectLst/>
                 <a:latin typeface="Times New Roman" panose="02020603050405020304" pitchFamily="18" charset="0"/>
                 <a:ea typeface="PMingLiU" panose="02020500000000000000" pitchFamily="18" charset="-120"/>
@@ -6606,7 +6635,7 @@
               <a:t>s</a:t>
             </a:r>
             <a:r>
-              <a:rPr lang="fr-FR" sz="2400" dirty="0">
+              <a:rPr lang="fr-FR" sz="2000" dirty="0">
                 <a:effectLst/>
                 <a:latin typeface="Times New Roman" panose="02020603050405020304" pitchFamily="18" charset="0"/>
                 <a:ea typeface="PMingLiU" panose="02020500000000000000" pitchFamily="18" charset="-120"/>
@@ -6614,7 +6643,7 @@
               <a:t> a non </a:t>
             </a:r>
             <a:r>
-              <a:rPr lang="fr-FR" sz="2400" dirty="0" err="1">
+              <a:rPr lang="fr-FR" sz="2000" dirty="0" err="1">
                 <a:effectLst/>
                 <a:latin typeface="Times New Roman" panose="02020603050405020304" pitchFamily="18" charset="0"/>
                 <a:ea typeface="PMingLiU" panose="02020500000000000000" pitchFamily="18" charset="-120"/>
@@ -6622,7 +6651,7 @@
               <a:t>probability</a:t>
             </a:r>
             <a:r>
-              <a:rPr lang="fr-FR" sz="2400" dirty="0">
+              <a:rPr lang="fr-FR" sz="2000" dirty="0">
                 <a:effectLst/>
                 <a:latin typeface="Times New Roman" panose="02020603050405020304" pitchFamily="18" charset="0"/>
                 <a:ea typeface="PMingLiU" panose="02020500000000000000" pitchFamily="18" charset="-120"/>
@@ -6630,7 +6659,7 @@
               <a:t> sampling </a:t>
             </a:r>
             <a:r>
-              <a:rPr lang="fr-FR" sz="2400" dirty="0" err="1">
+              <a:rPr lang="fr-FR" sz="2000" dirty="0" err="1">
                 <a:effectLst/>
                 <a:latin typeface="Times New Roman" panose="02020603050405020304" pitchFamily="18" charset="0"/>
                 <a:ea typeface="PMingLiU" panose="02020500000000000000" pitchFamily="18" charset="-120"/>
@@ -6638,7 +6667,7 @@
               <a:t>procedure</a:t>
             </a:r>
             <a:r>
-              <a:rPr lang="fr-FR" sz="2400" dirty="0">
+              <a:rPr lang="fr-FR" sz="2000" dirty="0">
                 <a:effectLst/>
                 <a:latin typeface="Times New Roman" panose="02020603050405020304" pitchFamily="18" charset="0"/>
                 <a:ea typeface="PMingLiU" panose="02020500000000000000" pitchFamily="18" charset="-120"/>
@@ -6646,7 +6675,7 @@
               <a:t> </a:t>
             </a:r>
             <a:r>
-              <a:rPr lang="fr-FR" sz="2400" dirty="0" err="1">
+              <a:rPr lang="fr-FR" sz="2000" dirty="0" err="1">
                 <a:effectLst/>
                 <a:latin typeface="Times New Roman" panose="02020603050405020304" pitchFamily="18" charset="0"/>
                 <a:ea typeface="PMingLiU" panose="02020500000000000000" pitchFamily="18" charset="-120"/>
@@ -6654,7 +6683,7 @@
               <a:t>that</a:t>
             </a:r>
             <a:r>
-              <a:rPr lang="fr-FR" sz="2400" dirty="0">
+              <a:rPr lang="fr-FR" sz="2000" dirty="0">
                 <a:effectLst/>
                 <a:latin typeface="Times New Roman" panose="02020603050405020304" pitchFamily="18" charset="0"/>
                 <a:ea typeface="PMingLiU" panose="02020500000000000000" pitchFamily="18" charset="-120"/>
@@ -6662,7 +6691,7 @@
               <a:t> </a:t>
             </a:r>
             <a:r>
-              <a:rPr lang="fr-FR" sz="2400" dirty="0" err="1">
+              <a:rPr lang="fr-FR" sz="2000" dirty="0" err="1">
                 <a:effectLst/>
                 <a:latin typeface="Times New Roman" panose="02020603050405020304" pitchFamily="18" charset="0"/>
                 <a:ea typeface="PMingLiU" panose="02020500000000000000" pitchFamily="18" charset="-120"/>
@@ -6670,7 +6699,7 @@
               <a:t>ensures</a:t>
             </a:r>
             <a:r>
-              <a:rPr lang="fr-FR" sz="2400" dirty="0">
+              <a:rPr lang="fr-FR" sz="2000" dirty="0">
                 <a:effectLst/>
                 <a:latin typeface="Times New Roman" panose="02020603050405020304" pitchFamily="18" charset="0"/>
                 <a:ea typeface="PMingLiU" panose="02020500000000000000" pitchFamily="18" charset="-120"/>
@@ -6678,7 +6707,7 @@
               <a:t> a certain </a:t>
             </a:r>
             <a:r>
-              <a:rPr lang="fr-FR" sz="2400" dirty="0" err="1">
+              <a:rPr lang="fr-FR" sz="2000" dirty="0" err="1">
                 <a:effectLst/>
                 <a:latin typeface="Times New Roman" panose="02020603050405020304" pitchFamily="18" charset="0"/>
                 <a:ea typeface="PMingLiU" panose="02020500000000000000" pitchFamily="18" charset="-120"/>
@@ -6686,7 +6715,7 @@
               <a:t>characteristics</a:t>
             </a:r>
             <a:r>
-              <a:rPr lang="fr-FR" sz="2400" dirty="0">
+              <a:rPr lang="fr-FR" sz="2000" dirty="0">
                 <a:effectLst/>
                 <a:latin typeface="Times New Roman" panose="02020603050405020304" pitchFamily="18" charset="0"/>
                 <a:ea typeface="PMingLiU" panose="02020500000000000000" pitchFamily="18" charset="-120"/>
@@ -6694,7 +6723,7 @@
               <a:t> of a population </a:t>
             </a:r>
             <a:r>
-              <a:rPr lang="fr-FR" sz="2400" dirty="0" err="1">
+              <a:rPr lang="fr-FR" sz="2000" dirty="0" err="1">
                 <a:effectLst/>
                 <a:latin typeface="Times New Roman" panose="02020603050405020304" pitchFamily="18" charset="0"/>
                 <a:ea typeface="PMingLiU" panose="02020500000000000000" pitchFamily="18" charset="-120"/>
@@ -6702,7 +6731,7 @@
               <a:t>be</a:t>
             </a:r>
             <a:r>
-              <a:rPr lang="fr-FR" sz="2400" dirty="0">
+              <a:rPr lang="fr-FR" sz="2000" dirty="0">
                 <a:effectLst/>
                 <a:latin typeface="Times New Roman" panose="02020603050405020304" pitchFamily="18" charset="0"/>
                 <a:ea typeface="PMingLiU" panose="02020500000000000000" pitchFamily="18" charset="-120"/>
@@ -6710,7 +6739,7 @@
               <a:t> </a:t>
             </a:r>
             <a:r>
-              <a:rPr lang="fr-FR" sz="2400" dirty="0" err="1">
+              <a:rPr lang="fr-FR" sz="2000" dirty="0" err="1">
                 <a:effectLst/>
                 <a:latin typeface="Times New Roman" panose="02020603050405020304" pitchFamily="18" charset="0"/>
                 <a:ea typeface="PMingLiU" panose="02020500000000000000" pitchFamily="18" charset="-120"/>
@@ -6718,7 +6747,7 @@
               <a:t>reflected</a:t>
             </a:r>
             <a:r>
-              <a:rPr lang="fr-FR" sz="2400" dirty="0">
+              <a:rPr lang="fr-FR" sz="2000" dirty="0">
                 <a:effectLst/>
                 <a:latin typeface="Times New Roman" panose="02020603050405020304" pitchFamily="18" charset="0"/>
                 <a:ea typeface="PMingLiU" panose="02020500000000000000" pitchFamily="18" charset="-120"/>
@@ -6726,7 +6755,7 @@
               <a:t> in </a:t>
             </a:r>
             <a:r>
-              <a:rPr lang="fr-FR" sz="2400" dirty="0" err="1">
+              <a:rPr lang="fr-FR" sz="2000" dirty="0" err="1">
                 <a:effectLst/>
                 <a:latin typeface="Times New Roman" panose="02020603050405020304" pitchFamily="18" charset="0"/>
                 <a:ea typeface="PMingLiU" panose="02020500000000000000" pitchFamily="18" charset="-120"/>
@@ -6734,7 +6763,7 @@
               <a:t>terms</a:t>
             </a:r>
             <a:r>
-              <a:rPr lang="fr-FR" sz="2400" dirty="0">
+              <a:rPr lang="fr-FR" sz="2000" dirty="0">
                 <a:effectLst/>
                 <a:latin typeface="Times New Roman" panose="02020603050405020304" pitchFamily="18" charset="0"/>
                 <a:ea typeface="PMingLiU" panose="02020500000000000000" pitchFamily="18" charset="-120"/>
@@ -6742,7 +6771,7 @@
               <a:t> of the relative proportions of </a:t>
             </a:r>
             <a:r>
-              <a:rPr lang="fr-FR" sz="2400" dirty="0" err="1">
+              <a:rPr lang="fr-FR" sz="2000" dirty="0" err="1">
                 <a:effectLst/>
                 <a:latin typeface="Times New Roman" panose="02020603050405020304" pitchFamily="18" charset="0"/>
                 <a:ea typeface="PMingLiU" panose="02020500000000000000" pitchFamily="18" charset="-120"/>
@@ -6750,7 +6779,7 @@
               <a:t>units</a:t>
             </a:r>
             <a:r>
-              <a:rPr lang="fr-FR" sz="2400" dirty="0">
+              <a:rPr lang="fr-FR" sz="2000" dirty="0">
                 <a:effectLst/>
                 <a:latin typeface="Times New Roman" panose="02020603050405020304" pitchFamily="18" charset="0"/>
                 <a:ea typeface="PMingLiU" panose="02020500000000000000" pitchFamily="18" charset="-120"/>
@@ -6758,7 +6787,7 @@
               <a:t> in </a:t>
             </a:r>
             <a:r>
-              <a:rPr lang="fr-FR" sz="2400" dirty="0" err="1">
+              <a:rPr lang="fr-FR" sz="2000" dirty="0" err="1">
                 <a:effectLst/>
                 <a:latin typeface="Times New Roman" panose="02020603050405020304" pitchFamily="18" charset="0"/>
                 <a:ea typeface="PMingLiU" panose="02020500000000000000" pitchFamily="18" charset="-120"/>
@@ -6766,7 +6795,7 @@
               <a:t>different</a:t>
             </a:r>
             <a:r>
-              <a:rPr lang="fr-FR" sz="2400" dirty="0">
+              <a:rPr lang="fr-FR" sz="2000" dirty="0">
                 <a:effectLst/>
                 <a:latin typeface="Times New Roman" panose="02020603050405020304" pitchFamily="18" charset="0"/>
                 <a:ea typeface="PMingLiU" panose="02020500000000000000" pitchFamily="18" charset="-120"/>
@@ -6774,7 +6803,7 @@
               <a:t> </a:t>
             </a:r>
             <a:r>
-              <a:rPr lang="fr-FR" sz="2400" dirty="0" err="1">
+              <a:rPr lang="fr-FR" sz="2000" dirty="0" err="1">
                 <a:effectLst/>
                 <a:latin typeface="Times New Roman" panose="02020603050405020304" pitchFamily="18" charset="0"/>
                 <a:ea typeface="PMingLiU" panose="02020500000000000000" pitchFamily="18" charset="-120"/>
@@ -6782,7 +6811,7 @@
               <a:t>categogies</a:t>
             </a:r>
             <a:r>
-              <a:rPr lang="fr-FR" sz="2400" dirty="0">
+              <a:rPr lang="fr-FR" sz="2000" dirty="0">
                 <a:effectLst/>
                 <a:latin typeface="Times New Roman" panose="02020603050405020304" pitchFamily="18" charset="0"/>
                 <a:ea typeface="PMingLiU" panose="02020500000000000000" pitchFamily="18" charset="-120"/>
@@ -6790,7 +6819,7 @@
               <a:t> </a:t>
             </a:r>
             <a:r>
-              <a:rPr lang="fr-FR" sz="2400" dirty="0" err="1">
+              <a:rPr lang="fr-FR" sz="2000" dirty="0" err="1">
                 <a:effectLst/>
                 <a:latin typeface="Times New Roman" panose="02020603050405020304" pitchFamily="18" charset="0"/>
                 <a:ea typeface="PMingLiU" panose="02020500000000000000" pitchFamily="18" charset="-120"/>
@@ -6798,7 +6827,7 @@
               <a:t>such</a:t>
             </a:r>
             <a:r>
-              <a:rPr lang="fr-FR" sz="2400" dirty="0">
+              <a:rPr lang="fr-FR" sz="2000" dirty="0">
                 <a:effectLst/>
                 <a:latin typeface="Times New Roman" panose="02020603050405020304" pitchFamily="18" charset="0"/>
                 <a:ea typeface="PMingLiU" panose="02020500000000000000" pitchFamily="18" charset="-120"/>
@@ -6806,7 +6835,7 @@
               <a:t> as </a:t>
             </a:r>
             <a:r>
-              <a:rPr lang="fr-FR" sz="2400" dirty="0" err="1">
+              <a:rPr lang="fr-FR" sz="2000" dirty="0" err="1">
                 <a:effectLst/>
                 <a:latin typeface="Times New Roman" panose="02020603050405020304" pitchFamily="18" charset="0"/>
                 <a:ea typeface="PMingLiU" panose="02020500000000000000" pitchFamily="18" charset="-120"/>
@@ -6814,7 +6843,7 @@
               <a:t>gender</a:t>
             </a:r>
             <a:r>
-              <a:rPr lang="fr-FR" sz="2400" dirty="0">
+              <a:rPr lang="fr-FR" sz="2000" dirty="0">
                 <a:effectLst/>
                 <a:latin typeface="Times New Roman" panose="02020603050405020304" pitchFamily="18" charset="0"/>
                 <a:ea typeface="PMingLiU" panose="02020500000000000000" pitchFamily="18" charset="-120"/>
@@ -6822,7 +6851,7 @@
               <a:t>, </a:t>
             </a:r>
             <a:r>
-              <a:rPr lang="fr-FR" sz="2400" dirty="0" err="1">
+              <a:rPr lang="fr-FR" sz="2000" dirty="0" err="1">
                 <a:effectLst/>
                 <a:latin typeface="Times New Roman" panose="02020603050405020304" pitchFamily="18" charset="0"/>
                 <a:ea typeface="PMingLiU" panose="02020500000000000000" pitchFamily="18" charset="-120"/>
@@ -6830,7 +6859,7 @@
               <a:t>ethnicity</a:t>
             </a:r>
             <a:r>
-              <a:rPr lang="fr-FR" sz="2400" dirty="0">
+              <a:rPr lang="fr-FR" sz="2000" dirty="0">
                 <a:effectLst/>
                 <a:latin typeface="Times New Roman" panose="02020603050405020304" pitchFamily="18" charset="0"/>
                 <a:ea typeface="PMingLiU" panose="02020500000000000000" pitchFamily="18" charset="-120"/>
@@ -6838,7 +6867,7 @@
               <a:t>, </a:t>
             </a:r>
             <a:r>
-              <a:rPr lang="fr-FR" sz="2400" dirty="0" err="1">
+              <a:rPr lang="fr-FR" sz="2000" dirty="0" err="1">
                 <a:effectLst/>
                 <a:latin typeface="Times New Roman" panose="02020603050405020304" pitchFamily="18" charset="0"/>
                 <a:ea typeface="PMingLiU" panose="02020500000000000000" pitchFamily="18" charset="-120"/>
@@ -6846,7 +6875,7 @@
               <a:t>age</a:t>
             </a:r>
             <a:r>
-              <a:rPr lang="fr-FR" sz="2400" dirty="0">
+              <a:rPr lang="fr-FR" sz="2000" dirty="0">
                 <a:effectLst/>
                 <a:latin typeface="Times New Roman" panose="02020603050405020304" pitchFamily="18" charset="0"/>
                 <a:ea typeface="PMingLiU" panose="02020500000000000000" pitchFamily="18" charset="-120"/>
@@ -6854,7 +6883,7 @@
               <a:t> groups, </a:t>
             </a:r>
             <a:r>
-              <a:rPr lang="fr-FR" sz="2400" dirty="0" err="1">
+              <a:rPr lang="fr-FR" sz="2000" dirty="0" err="1">
                 <a:effectLst/>
                 <a:latin typeface="Times New Roman" panose="02020603050405020304" pitchFamily="18" charset="0"/>
                 <a:ea typeface="PMingLiU" panose="02020500000000000000" pitchFamily="18" charset="-120"/>
@@ -6862,7 +6891,7 @@
               <a:t>socio-economic</a:t>
             </a:r>
             <a:r>
-              <a:rPr lang="fr-FR" sz="2400" dirty="0">
+              <a:rPr lang="fr-FR" sz="2000" dirty="0">
                 <a:effectLst/>
                 <a:latin typeface="Times New Roman" panose="02020603050405020304" pitchFamily="18" charset="0"/>
                 <a:ea typeface="PMingLiU" panose="02020500000000000000" pitchFamily="18" charset="-120"/>
@@ -6870,7 +6899,7 @@
               <a:t> groups, and </a:t>
             </a:r>
             <a:r>
-              <a:rPr lang="fr-FR" sz="2400" dirty="0" err="1">
+              <a:rPr lang="fr-FR" sz="2000" dirty="0" err="1">
                 <a:effectLst/>
                 <a:latin typeface="Times New Roman" panose="02020603050405020304" pitchFamily="18" charset="0"/>
                 <a:ea typeface="PMingLiU" panose="02020500000000000000" pitchFamily="18" charset="-120"/>
@@ -6878,7 +6907,7 @@
               <a:t>regions</a:t>
             </a:r>
             <a:r>
-              <a:rPr lang="fr-FR" sz="2400" dirty="0">
+              <a:rPr lang="fr-FR" sz="2000" dirty="0">
                 <a:effectLst/>
                 <a:latin typeface="Times New Roman" panose="02020603050405020304" pitchFamily="18" charset="0"/>
                 <a:ea typeface="PMingLiU" panose="02020500000000000000" pitchFamily="18" charset="-120"/>
@@ -6886,7 +6915,7 @@
               <a:t> of </a:t>
             </a:r>
             <a:r>
-              <a:rPr lang="fr-FR" sz="2400" dirty="0" err="1">
+              <a:rPr lang="fr-FR" sz="2000" dirty="0" err="1">
                 <a:effectLst/>
                 <a:latin typeface="Times New Roman" panose="02020603050405020304" pitchFamily="18" charset="0"/>
                 <a:ea typeface="PMingLiU" panose="02020500000000000000" pitchFamily="18" charset="-120"/>
@@ -6894,7 +6923,7 @@
               <a:t>residence</a:t>
             </a:r>
             <a:r>
-              <a:rPr lang="fr-FR" sz="2400" dirty="0">
+              <a:rPr lang="fr-FR" sz="2000" dirty="0">
                 <a:effectLst/>
                 <a:latin typeface="Times New Roman" panose="02020603050405020304" pitchFamily="18" charset="0"/>
                 <a:ea typeface="PMingLiU" panose="02020500000000000000" pitchFamily="18" charset="-120"/>
@@ -6902,7 +6931,7 @@
               <a:t>, and in combination of </a:t>
             </a:r>
             <a:r>
-              <a:rPr lang="fr-FR" sz="2400" dirty="0" err="1">
+              <a:rPr lang="fr-FR" sz="2000" dirty="0" err="1">
                 <a:effectLst/>
                 <a:latin typeface="Times New Roman" panose="02020603050405020304" pitchFamily="18" charset="0"/>
                 <a:ea typeface="PMingLiU" panose="02020500000000000000" pitchFamily="18" charset="-120"/>
@@ -6910,7 +6939,7 @@
               <a:t>these</a:t>
             </a:r>
             <a:r>
-              <a:rPr lang="fr-FR" sz="2400" dirty="0">
+              <a:rPr lang="fr-FR" sz="2000" dirty="0">
                 <a:effectLst/>
                 <a:latin typeface="Times New Roman" panose="02020603050405020304" pitchFamily="18" charset="0"/>
                 <a:ea typeface="PMingLiU" panose="02020500000000000000" pitchFamily="18" charset="-120"/>
@@ -6918,14 +6947,14 @@
               <a:t> </a:t>
             </a:r>
             <a:r>
-              <a:rPr lang="fr-FR" sz="2400" dirty="0" err="1">
+              <a:rPr lang="fr-FR" sz="2000" dirty="0" err="1">
                 <a:effectLst/>
                 <a:latin typeface="Times New Roman" panose="02020603050405020304" pitchFamily="18" charset="0"/>
                 <a:ea typeface="PMingLiU" panose="02020500000000000000" pitchFamily="18" charset="-120"/>
               </a:rPr>
               <a:t>categogies</a:t>
             </a:r>
-            <a:endParaRPr lang="fr-FR" sz="2400" dirty="0">
+            <a:endParaRPr lang="fr-FR" sz="2000" dirty="0">
               <a:latin typeface="Times New Roman" panose="02020603050405020304" pitchFamily="18" charset="0"/>
               <a:ea typeface="PMingLiU" panose="02020500000000000000" pitchFamily="18" charset="-120"/>
             </a:endParaRPr>
@@ -6943,7 +6972,7 @@
               </a:tabLst>
             </a:pPr>
             <a:r>
-              <a:rPr lang="en-US" sz="2400" b="1" dirty="0">
+              <a:rPr lang="en-US" sz="2000" b="1" dirty="0">
                 <a:effectLst/>
                 <a:latin typeface="Times New Roman" panose="02020603050405020304" pitchFamily="18" charset="0"/>
                 <a:ea typeface="PMingLiU" panose="02020500000000000000" pitchFamily="18" charset="-120"/>
@@ -6951,14 +6980,14 @@
               <a:t>The snowball sampling or sampling by networks</a:t>
             </a:r>
             <a:r>
-              <a:rPr lang="en-US" sz="2400" b="1" dirty="0">
+              <a:rPr lang="en-US" sz="2000" b="1" dirty="0">
                 <a:latin typeface="Times New Roman" panose="02020603050405020304" pitchFamily="18" charset="0"/>
                 <a:ea typeface="PMingLiU" panose="02020500000000000000" pitchFamily="18" charset="-120"/>
               </a:rPr>
               <a:t> </a:t>
             </a:r>
             <a:r>
-              <a:rPr lang="en-US" sz="2400" dirty="0">
+              <a:rPr lang="en-US" sz="2000" dirty="0">
                 <a:effectLst/>
                 <a:latin typeface="Times New Roman" panose="02020603050405020304" pitchFamily="18" charset="0"/>
                 <a:ea typeface="PMingLiU" panose="02020500000000000000" pitchFamily="18" charset="-120"/>
@@ -6966,12 +6995,12 @@
               <a:t>is a form of convenience sample where the researcher makes initial contact with a small group of people who are relevant to the research topic and then uses these to establish contacts with others (Bryman, 2012)</a:t>
             </a:r>
             <a:r>
-              <a:rPr lang="en-US" sz="2400" dirty="0">
+              <a:rPr lang="en-US" sz="2000" dirty="0">
                 <a:effectLst/>
               </a:rPr>
               <a:t> </a:t>
             </a:r>
-            <a:endParaRPr lang="fr-FR" sz="2400" dirty="0">
+            <a:endParaRPr lang="en-US" sz="2000" dirty="0">
               <a:effectLst/>
               <a:latin typeface="Times New Roman" panose="02020603050405020304" pitchFamily="18" charset="0"/>
               <a:ea typeface="PMingLiU" panose="02020500000000000000" pitchFamily="18" charset="-120"/>
@@ -7299,8 +7328,9 @@
           </a:bodyPr>
           <a:lstStyle/>
           <a:p>
-            <a:r>
-              <a:rPr lang="en-US" sz="3200" dirty="0">
+            <a:pPr algn="ctr"/>
+            <a:r>
+              <a:rPr lang="en-US" sz="3200" b="1" dirty="0">
                 <a:effectLst/>
                 <a:latin typeface="Times New Roman" panose="02020603050405020304" pitchFamily="18" charset="0"/>
                 <a:ea typeface="PMingLiU" panose="02020500000000000000" pitchFamily="18" charset="-120"/>
@@ -7308,12 +7338,12 @@
               <a:t>Some basic elements in preparation of interview guide are as follows:</a:t>
             </a:r>
             <a:r>
-              <a:rPr lang="en-US" sz="3200" dirty="0">
+              <a:rPr lang="en-US" sz="3200" b="1" dirty="0">
                 <a:effectLst/>
               </a:rPr>
               <a:t> </a:t>
             </a:r>
-            <a:endParaRPr lang="en-US" sz="3200" dirty="0"/>
+            <a:endParaRPr lang="en-US" sz="3200" b="1" dirty="0"/>
           </a:p>
         </p:txBody>
       </p:sp>
@@ -7488,22 +7518,23 @@
           </a:bodyPr>
           <a:lstStyle/>
           <a:p>
-            <a:r>
-              <a:rPr lang="en-GB" sz="3200" dirty="0">
+            <a:pPr algn="ctr"/>
+            <a:r>
+              <a:rPr lang="en-GB" sz="3200" b="1" dirty="0">
                 <a:latin typeface="Times New Roman" panose="02020603050405020304" pitchFamily="18" charset="0"/>
                 <a:ea typeface="PMingLiU" panose="02020500000000000000" pitchFamily="18" charset="-120"/>
               </a:rPr>
               <a:t>A</a:t>
             </a:r>
             <a:r>
-              <a:rPr lang="en-GB" sz="3200" dirty="0">
+              <a:rPr lang="en-GB" sz="3200" b="1" dirty="0">
                 <a:effectLst/>
                 <a:latin typeface="Times New Roman" panose="02020603050405020304" pitchFamily="18" charset="0"/>
                 <a:ea typeface="PMingLiU" panose="02020500000000000000" pitchFamily="18" charset="-120"/>
               </a:rPr>
               <a:t>ctivities to get prepared for conducting an interview </a:t>
             </a:r>
-            <a:endParaRPr lang="en-US" sz="3200" dirty="0"/>
+            <a:endParaRPr lang="en-US" sz="3200" b="1" dirty="0"/>
           </a:p>
         </p:txBody>
       </p:sp>
